--- a/sprint1.pptx
+++ b/sprint1.pptx
@@ -5,7 +5,7 @@
     <p:sldMasterId id="2147483648" r:id="rId1"/>
   </p:sldMasterIdLst>
   <p:notesMasterIdLst>
-    <p:notesMasterId r:id="rId14"/>
+    <p:notesMasterId r:id="rId16"/>
   </p:notesMasterIdLst>
   <p:sldIdLst>
     <p:sldId id="256" r:id="rId2"/>
@@ -14,12 +14,14 @@
     <p:sldId id="260" r:id="rId5"/>
     <p:sldId id="259" r:id="rId6"/>
     <p:sldId id="262" r:id="rId7"/>
-    <p:sldId id="261" r:id="rId8"/>
-    <p:sldId id="264" r:id="rId9"/>
-    <p:sldId id="265" r:id="rId10"/>
-    <p:sldId id="266" r:id="rId11"/>
-    <p:sldId id="267" r:id="rId12"/>
-    <p:sldId id="263" r:id="rId13"/>
+    <p:sldId id="269" r:id="rId8"/>
+    <p:sldId id="268" r:id="rId9"/>
+    <p:sldId id="261" r:id="rId10"/>
+    <p:sldId id="264" r:id="rId11"/>
+    <p:sldId id="265" r:id="rId12"/>
+    <p:sldId id="266" r:id="rId13"/>
+    <p:sldId id="267" r:id="rId14"/>
+    <p:sldId id="263" r:id="rId15"/>
   </p:sldIdLst>
   <p:sldSz cx="12192000" cy="6858000"/>
   <p:notesSz cx="6858000" cy="9144000"/>
@@ -208,7 +210,7 @@
           <a:p>
             <a:fld id="{2853D1D9-3114-4DC5-BBDA-F63E810CE6F7}" type="datetimeFigureOut">
               <a:rPr lang="he-IL" smtClean="0"/>
-              <a:t>כ"ד/סיון/תשפ"ד</a:t>
+              <a:t>ד'/תמוז/תשפ"ד</a:t>
             </a:fld>
             <a:endParaRPr lang="he-IL"/>
           </a:p>
@@ -567,6 +569,1036 @@
 </p:notes>
 </file>
 
+<file path=ppt/notesSlides/notesSlide10.xml><?xml version="1.0" encoding="utf-8"?>
+<p:notes xmlns:a="http://schemas.openxmlformats.org/drawingml/2006/main" xmlns:r="http://schemas.openxmlformats.org/officeDocument/2006/relationships" xmlns:p="http://schemas.openxmlformats.org/presentationml/2006/main">
+  <p:cSld>
+    <p:spTree>
+      <p:nvGrpSpPr>
+        <p:cNvPr id="1" name=""/>
+        <p:cNvGrpSpPr/>
+        <p:nvPr/>
+      </p:nvGrpSpPr>
+      <p:grpSpPr>
+        <a:xfrm>
+          <a:off x="0" y="0"/>
+          <a:ext cx="0" cy="0"/>
+          <a:chOff x="0" y="0"/>
+          <a:chExt cx="0" cy="0"/>
+        </a:xfrm>
+      </p:grpSpPr>
+      <p:sp>
+        <p:nvSpPr>
+          <p:cNvPr id="2" name="מציין מיקום של תמונת שקופית 1"/>
+          <p:cNvSpPr>
+            <a:spLocks noGrp="1" noRot="1" noChangeAspect="1"/>
+          </p:cNvSpPr>
+          <p:nvPr>
+            <p:ph type="sldImg"/>
+          </p:nvPr>
+        </p:nvSpPr>
+        <p:spPr/>
+      </p:sp>
+      <p:sp>
+        <p:nvSpPr>
+          <p:cNvPr id="3" name="מציין מיקום של הערות 2"/>
+          <p:cNvSpPr>
+            <a:spLocks noGrp="1"/>
+          </p:cNvSpPr>
+          <p:nvPr>
+            <p:ph type="body" idx="1"/>
+          </p:nvPr>
+        </p:nvSpPr>
+        <p:spPr/>
+        <p:txBody>
+          <a:bodyPr/>
+          <a:lstStyle/>
+          <a:p>
+            <a:r>
+              <a:rPr lang="he-IL" dirty="0"/>
+              <a:t>לחיצה על שמירה או ביטול תחזיר למצב בשקופית 10. בהנחה והיו שינויים על ידי המשתמש יש לשמור אותם.</a:t>
+            </a:r>
+          </a:p>
+        </p:txBody>
+      </p:sp>
+      <p:sp>
+        <p:nvSpPr>
+          <p:cNvPr id="4" name="מציין מיקום של מספר שקופית 3"/>
+          <p:cNvSpPr>
+            <a:spLocks noGrp="1"/>
+          </p:cNvSpPr>
+          <p:nvPr>
+            <p:ph type="sldNum" sz="quarter" idx="5"/>
+          </p:nvPr>
+        </p:nvSpPr>
+        <p:spPr/>
+        <p:txBody>
+          <a:bodyPr/>
+          <a:lstStyle/>
+          <a:p>
+            <a:fld id="{F131B404-7C5A-4241-8526-E832153D0A3F}" type="slidenum">
+              <a:rPr lang="he-IL" smtClean="0"/>
+              <a:t>13</a:t>
+            </a:fld>
+            <a:endParaRPr lang="he-IL"/>
+          </a:p>
+        </p:txBody>
+      </p:sp>
+    </p:spTree>
+    <p:extLst>
+      <p:ext uri="{BB962C8B-B14F-4D97-AF65-F5344CB8AC3E}">
+        <p14:creationId xmlns:p14="http://schemas.microsoft.com/office/powerpoint/2010/main" val="3161819335"/>
+      </p:ext>
+    </p:extLst>
+  </p:cSld>
+  <p:clrMapOvr>
+    <a:masterClrMapping/>
+  </p:clrMapOvr>
+</p:notes>
+</file>
+
+<file path=ppt/notesSlides/notesSlide11.xml><?xml version="1.0" encoding="utf-8"?>
+<p:notes xmlns:a="http://schemas.openxmlformats.org/drawingml/2006/main" xmlns:r="http://schemas.openxmlformats.org/officeDocument/2006/relationships" xmlns:p="http://schemas.openxmlformats.org/presentationml/2006/main">
+  <p:cSld>
+    <p:spTree>
+      <p:nvGrpSpPr>
+        <p:cNvPr id="1" name=""/>
+        <p:cNvGrpSpPr/>
+        <p:nvPr/>
+      </p:nvGrpSpPr>
+      <p:grpSpPr>
+        <a:xfrm>
+          <a:off x="0" y="0"/>
+          <a:ext cx="0" cy="0"/>
+          <a:chOff x="0" y="0"/>
+          <a:chExt cx="0" cy="0"/>
+        </a:xfrm>
+      </p:grpSpPr>
+      <p:sp>
+        <p:nvSpPr>
+          <p:cNvPr id="2" name="מציין מיקום של תמונת שקופית 1"/>
+          <p:cNvSpPr>
+            <a:spLocks noGrp="1" noRot="1" noChangeAspect="1"/>
+          </p:cNvSpPr>
+          <p:nvPr>
+            <p:ph type="sldImg"/>
+          </p:nvPr>
+        </p:nvSpPr>
+        <p:spPr/>
+      </p:sp>
+      <p:sp>
+        <p:nvSpPr>
+          <p:cNvPr id="3" name="מציין מיקום של הערות 2"/>
+          <p:cNvSpPr>
+            <a:spLocks noGrp="1"/>
+          </p:cNvSpPr>
+          <p:nvPr>
+            <p:ph type="body" idx="1"/>
+          </p:nvPr>
+        </p:nvSpPr>
+        <p:spPr/>
+        <p:txBody>
+          <a:bodyPr/>
+          <a:lstStyle/>
+          <a:p>
+            <a:r>
+              <a:rPr lang="he-IL" dirty="0"/>
+              <a:t>מסך שמגיעים אליו מתפריט הפעולות בלחיצה על </a:t>
+            </a:r>
+            <a:r>
+              <a:rPr lang="en-US" dirty="0"/>
+              <a:t>add post</a:t>
+            </a:r>
+            <a:r>
+              <a:rPr lang="he-IL" dirty="0"/>
+              <a:t>. לחציה על ביטול מחזירה למסך הראשי. לחיצה על שמירה שומרת את המידע ומעבירה למסך צפיה ב</a:t>
+            </a:r>
+            <a:r>
+              <a:rPr lang="en-US" dirty="0"/>
+              <a:t>card</a:t>
+            </a:r>
+            <a:r>
+              <a:rPr lang="he-IL" dirty="0"/>
+              <a:t>.</a:t>
+            </a:r>
+          </a:p>
+        </p:txBody>
+      </p:sp>
+      <p:sp>
+        <p:nvSpPr>
+          <p:cNvPr id="4" name="מציין מיקום של מספר שקופית 3"/>
+          <p:cNvSpPr>
+            <a:spLocks noGrp="1"/>
+          </p:cNvSpPr>
+          <p:nvPr>
+            <p:ph type="sldNum" sz="quarter" idx="5"/>
+          </p:nvPr>
+        </p:nvSpPr>
+        <p:spPr/>
+        <p:txBody>
+          <a:bodyPr/>
+          <a:lstStyle/>
+          <a:p>
+            <a:fld id="{F131B404-7C5A-4241-8526-E832153D0A3F}" type="slidenum">
+              <a:rPr lang="he-IL" smtClean="0"/>
+              <a:t>14</a:t>
+            </a:fld>
+            <a:endParaRPr lang="he-IL"/>
+          </a:p>
+        </p:txBody>
+      </p:sp>
+    </p:spTree>
+    <p:extLst>
+      <p:ext uri="{BB962C8B-B14F-4D97-AF65-F5344CB8AC3E}">
+        <p14:creationId xmlns:p14="http://schemas.microsoft.com/office/powerpoint/2010/main" val="452191216"/>
+      </p:ext>
+    </p:extLst>
+  </p:cSld>
+  <p:clrMapOvr>
+    <a:masterClrMapping/>
+  </p:clrMapOvr>
+</p:notes>
+</file>
+
+<file path=ppt/notesSlides/notesSlide2.xml><?xml version="1.0" encoding="utf-8"?>
+<p:notes xmlns:a="http://schemas.openxmlformats.org/drawingml/2006/main" xmlns:r="http://schemas.openxmlformats.org/officeDocument/2006/relationships" xmlns:p="http://schemas.openxmlformats.org/presentationml/2006/main">
+  <p:cSld>
+    <p:spTree>
+      <p:nvGrpSpPr>
+        <p:cNvPr id="1" name=""/>
+        <p:cNvGrpSpPr/>
+        <p:nvPr/>
+      </p:nvGrpSpPr>
+      <p:grpSpPr>
+        <a:xfrm>
+          <a:off x="0" y="0"/>
+          <a:ext cx="0" cy="0"/>
+          <a:chOff x="0" y="0"/>
+          <a:chExt cx="0" cy="0"/>
+        </a:xfrm>
+      </p:grpSpPr>
+      <p:sp>
+        <p:nvSpPr>
+          <p:cNvPr id="2" name="מציין מיקום של תמונת שקופית 1"/>
+          <p:cNvSpPr>
+            <a:spLocks noGrp="1" noRot="1" noChangeAspect="1"/>
+          </p:cNvSpPr>
+          <p:nvPr>
+            <p:ph type="sldImg"/>
+          </p:nvPr>
+        </p:nvSpPr>
+        <p:spPr/>
+      </p:sp>
+      <p:sp>
+        <p:nvSpPr>
+          <p:cNvPr id="3" name="מציין מיקום של הערות 2"/>
+          <p:cNvSpPr>
+            <a:spLocks noGrp="1"/>
+          </p:cNvSpPr>
+          <p:nvPr>
+            <p:ph type="body" idx="1"/>
+          </p:nvPr>
+        </p:nvSpPr>
+        <p:spPr/>
+        <p:txBody>
+          <a:bodyPr/>
+          <a:lstStyle/>
+          <a:p>
+            <a:r>
+              <a:rPr lang="he-IL" dirty="0"/>
+              <a:t>לחיצה על האייקון </a:t>
+            </a:r>
+            <a:r>
+              <a:rPr lang="he-IL" dirty="0" err="1"/>
+              <a:t>משתמשמ</a:t>
+            </a:r>
+            <a:r>
+              <a:rPr lang="he-IL" dirty="0"/>
+              <a:t> בצד ימין העליון של המסך תפתח את תפריט הפעולות.</a:t>
+            </a:r>
+          </a:p>
+          <a:p>
+            <a:r>
+              <a:rPr lang="he-IL" dirty="0"/>
+              <a:t>רכיב החיפוש יוצג כשורה אחת באם המשתמש ילחץ על </a:t>
+            </a:r>
+            <a:r>
+              <a:rPr lang="en-US" dirty="0"/>
+              <a:t>advanced</a:t>
+            </a:r>
+            <a:r>
+              <a:rPr lang="he-IL" dirty="0"/>
+              <a:t> יפתח החלק של הסינון המורחב. באם הסינון המורחב פתוח ומשתמש לחץ על </a:t>
+            </a:r>
+            <a:r>
+              <a:rPr lang="en-US" dirty="0"/>
+              <a:t>advanced </a:t>
+            </a:r>
+            <a:r>
+              <a:rPr lang="he-IL" dirty="0"/>
+              <a:t> נעבור לחיפוש המצומצם והחלק של הסינון המתקדם </a:t>
+            </a:r>
+            <a:r>
+              <a:rPr lang="he-IL" dirty="0" err="1"/>
+              <a:t>יסגר</a:t>
+            </a:r>
+            <a:r>
+              <a:rPr lang="he-IL" dirty="0"/>
+              <a:t>.</a:t>
+            </a:r>
+          </a:p>
+        </p:txBody>
+      </p:sp>
+      <p:sp>
+        <p:nvSpPr>
+          <p:cNvPr id="4" name="מציין מיקום של מספר שקופית 3"/>
+          <p:cNvSpPr>
+            <a:spLocks noGrp="1"/>
+          </p:cNvSpPr>
+          <p:nvPr>
+            <p:ph type="sldNum" sz="quarter" idx="5"/>
+          </p:nvPr>
+        </p:nvSpPr>
+        <p:spPr/>
+        <p:txBody>
+          <a:bodyPr/>
+          <a:lstStyle/>
+          <a:p>
+            <a:fld id="{F131B404-7C5A-4241-8526-E832153D0A3F}" type="slidenum">
+              <a:rPr lang="he-IL" smtClean="0"/>
+              <a:t>5</a:t>
+            </a:fld>
+            <a:endParaRPr lang="he-IL"/>
+          </a:p>
+        </p:txBody>
+      </p:sp>
+    </p:spTree>
+    <p:extLst>
+      <p:ext uri="{BB962C8B-B14F-4D97-AF65-F5344CB8AC3E}">
+        <p14:creationId xmlns:p14="http://schemas.microsoft.com/office/powerpoint/2010/main" val="1805854365"/>
+      </p:ext>
+    </p:extLst>
+  </p:cSld>
+  <p:clrMapOvr>
+    <a:masterClrMapping/>
+  </p:clrMapOvr>
+</p:notes>
+</file>
+
+<file path=ppt/notesSlides/notesSlide3.xml><?xml version="1.0" encoding="utf-8"?>
+<p:notes xmlns:a="http://schemas.openxmlformats.org/drawingml/2006/main" xmlns:r="http://schemas.openxmlformats.org/officeDocument/2006/relationships" xmlns:p="http://schemas.openxmlformats.org/presentationml/2006/main">
+  <p:cSld>
+    <p:spTree>
+      <p:nvGrpSpPr>
+        <p:cNvPr id="1" name=""/>
+        <p:cNvGrpSpPr/>
+        <p:nvPr/>
+      </p:nvGrpSpPr>
+      <p:grpSpPr>
+        <a:xfrm>
+          <a:off x="0" y="0"/>
+          <a:ext cx="0" cy="0"/>
+          <a:chOff x="0" y="0"/>
+          <a:chExt cx="0" cy="0"/>
+        </a:xfrm>
+      </p:grpSpPr>
+      <p:sp>
+        <p:nvSpPr>
+          <p:cNvPr id="2" name="מציין מיקום של תמונת שקופית 1"/>
+          <p:cNvSpPr>
+            <a:spLocks noGrp="1" noRot="1" noChangeAspect="1"/>
+          </p:cNvSpPr>
+          <p:nvPr>
+            <p:ph type="sldImg"/>
+          </p:nvPr>
+        </p:nvSpPr>
+        <p:spPr/>
+      </p:sp>
+      <p:sp>
+        <p:nvSpPr>
+          <p:cNvPr id="3" name="מציין מיקום של הערות 2"/>
+          <p:cNvSpPr>
+            <a:spLocks noGrp="1"/>
+          </p:cNvSpPr>
+          <p:nvPr>
+            <p:ph type="body" idx="1"/>
+          </p:nvPr>
+        </p:nvSpPr>
+        <p:spPr/>
+        <p:txBody>
+          <a:bodyPr/>
+          <a:lstStyle/>
+          <a:p>
+            <a:r>
+              <a:rPr lang="he-IL" dirty="0"/>
+              <a:t>כך יוצגו התוצאות עבור המשתמש. כל </a:t>
+            </a:r>
+            <a:r>
+              <a:rPr lang="en-US" dirty="0"/>
+              <a:t>CARD</a:t>
+            </a:r>
+            <a:r>
+              <a:rPr lang="he-IL" dirty="0"/>
+              <a:t> מחזיק תמונה, כותרת, פרטים ודירוג. המספר בסוגריים מציין את כמות המדרגים. באם אין תוצאות יוצג למשתמש </a:t>
+            </a:r>
+            <a:r>
+              <a:rPr lang="en-US" dirty="0"/>
+              <a:t>no result found</a:t>
+            </a:r>
+            <a:r>
+              <a:rPr lang="he-IL" dirty="0"/>
+              <a:t>.</a:t>
+            </a:r>
+          </a:p>
+          <a:p>
+            <a:r>
+              <a:rPr lang="he-IL" dirty="0"/>
+              <a:t>לחיצה על </a:t>
+            </a:r>
+            <a:r>
+              <a:rPr lang="en-US" dirty="0"/>
+              <a:t>CARD</a:t>
+            </a:r>
+            <a:r>
+              <a:rPr lang="he-IL" dirty="0"/>
+              <a:t> תוביל להצגה מורחבת שלו.</a:t>
+            </a:r>
+          </a:p>
+        </p:txBody>
+      </p:sp>
+      <p:sp>
+        <p:nvSpPr>
+          <p:cNvPr id="4" name="מציין מיקום של מספר שקופית 3"/>
+          <p:cNvSpPr>
+            <a:spLocks noGrp="1"/>
+          </p:cNvSpPr>
+          <p:nvPr>
+            <p:ph type="sldNum" sz="quarter" idx="5"/>
+          </p:nvPr>
+        </p:nvSpPr>
+        <p:spPr/>
+        <p:txBody>
+          <a:bodyPr/>
+          <a:lstStyle/>
+          <a:p>
+            <a:fld id="{F131B404-7C5A-4241-8526-E832153D0A3F}" type="slidenum">
+              <a:rPr lang="he-IL" smtClean="0"/>
+              <a:t>6</a:t>
+            </a:fld>
+            <a:endParaRPr lang="he-IL"/>
+          </a:p>
+        </p:txBody>
+      </p:sp>
+    </p:spTree>
+    <p:extLst>
+      <p:ext uri="{BB962C8B-B14F-4D97-AF65-F5344CB8AC3E}">
+        <p14:creationId xmlns:p14="http://schemas.microsoft.com/office/powerpoint/2010/main" val="2023200347"/>
+      </p:ext>
+    </p:extLst>
+  </p:cSld>
+  <p:clrMapOvr>
+    <a:masterClrMapping/>
+  </p:clrMapOvr>
+</p:notes>
+</file>
+
+<file path=ppt/notesSlides/notesSlide4.xml><?xml version="1.0" encoding="utf-8"?>
+<p:notes xmlns:a="http://schemas.openxmlformats.org/drawingml/2006/main" xmlns:r="http://schemas.openxmlformats.org/officeDocument/2006/relationships" xmlns:p="http://schemas.openxmlformats.org/presentationml/2006/main">
+  <p:cSld>
+    <p:spTree>
+      <p:nvGrpSpPr>
+        <p:cNvPr id="1" name=""/>
+        <p:cNvGrpSpPr/>
+        <p:nvPr/>
+      </p:nvGrpSpPr>
+      <p:grpSpPr>
+        <a:xfrm>
+          <a:off x="0" y="0"/>
+          <a:ext cx="0" cy="0"/>
+          <a:chOff x="0" y="0"/>
+          <a:chExt cx="0" cy="0"/>
+        </a:xfrm>
+      </p:grpSpPr>
+      <p:sp>
+        <p:nvSpPr>
+          <p:cNvPr id="2" name="מציין מיקום של תמונת שקופית 1"/>
+          <p:cNvSpPr>
+            <a:spLocks noGrp="1" noRot="1" noChangeAspect="1"/>
+          </p:cNvSpPr>
+          <p:nvPr>
+            <p:ph type="sldImg"/>
+          </p:nvPr>
+        </p:nvSpPr>
+        <p:spPr/>
+      </p:sp>
+      <p:sp>
+        <p:nvSpPr>
+          <p:cNvPr id="3" name="מציין מיקום של הערות 2"/>
+          <p:cNvSpPr>
+            <a:spLocks noGrp="1"/>
+          </p:cNvSpPr>
+          <p:nvPr>
+            <p:ph type="body" idx="1"/>
+          </p:nvPr>
+        </p:nvSpPr>
+        <p:spPr/>
+        <p:txBody>
+          <a:bodyPr/>
+          <a:lstStyle/>
+          <a:p>
+            <a:r>
+              <a:rPr lang="he-IL" dirty="0"/>
+              <a:t>התוספת בשקופית הזו הוא של </a:t>
+            </a:r>
+            <a:r>
+              <a:rPr lang="he-IL" dirty="0" err="1"/>
+              <a:t>הצ'אטבוט</a:t>
+            </a:r>
+            <a:r>
+              <a:rPr lang="he-IL" dirty="0"/>
+              <a:t>. לחיצה על האייקון שלו תפתח את החלון לכתוב לו.</a:t>
+            </a:r>
+          </a:p>
+        </p:txBody>
+      </p:sp>
+      <p:sp>
+        <p:nvSpPr>
+          <p:cNvPr id="4" name="מציין מיקום של מספר שקופית 3"/>
+          <p:cNvSpPr>
+            <a:spLocks noGrp="1"/>
+          </p:cNvSpPr>
+          <p:nvPr>
+            <p:ph type="sldNum" sz="quarter" idx="5"/>
+          </p:nvPr>
+        </p:nvSpPr>
+        <p:spPr/>
+        <p:txBody>
+          <a:bodyPr/>
+          <a:lstStyle/>
+          <a:p>
+            <a:fld id="{F131B404-7C5A-4241-8526-E832153D0A3F}" type="slidenum">
+              <a:rPr lang="he-IL" smtClean="0"/>
+              <a:t>7</a:t>
+            </a:fld>
+            <a:endParaRPr lang="he-IL"/>
+          </a:p>
+        </p:txBody>
+      </p:sp>
+    </p:spTree>
+    <p:extLst>
+      <p:ext uri="{BB962C8B-B14F-4D97-AF65-F5344CB8AC3E}">
+        <p14:creationId xmlns:p14="http://schemas.microsoft.com/office/powerpoint/2010/main" val="3159720064"/>
+      </p:ext>
+    </p:extLst>
+  </p:cSld>
+  <p:clrMapOvr>
+    <a:masterClrMapping/>
+  </p:clrMapOvr>
+</p:notes>
+</file>
+
+<file path=ppt/notesSlides/notesSlide5.xml><?xml version="1.0" encoding="utf-8"?>
+<p:notes xmlns:a="http://schemas.openxmlformats.org/drawingml/2006/main" xmlns:r="http://schemas.openxmlformats.org/officeDocument/2006/relationships" xmlns:p="http://schemas.openxmlformats.org/presentationml/2006/main">
+  <p:cSld>
+    <p:spTree>
+      <p:nvGrpSpPr>
+        <p:cNvPr id="1" name=""/>
+        <p:cNvGrpSpPr/>
+        <p:nvPr/>
+      </p:nvGrpSpPr>
+      <p:grpSpPr>
+        <a:xfrm>
+          <a:off x="0" y="0"/>
+          <a:ext cx="0" cy="0"/>
+          <a:chOff x="0" y="0"/>
+          <a:chExt cx="0" cy="0"/>
+        </a:xfrm>
+      </p:grpSpPr>
+      <p:sp>
+        <p:nvSpPr>
+          <p:cNvPr id="2" name="מציין מיקום של תמונת שקופית 1"/>
+          <p:cNvSpPr>
+            <a:spLocks noGrp="1" noRot="1" noChangeAspect="1"/>
+          </p:cNvSpPr>
+          <p:nvPr>
+            <p:ph type="sldImg"/>
+          </p:nvPr>
+        </p:nvSpPr>
+        <p:spPr/>
+      </p:sp>
+      <p:sp>
+        <p:nvSpPr>
+          <p:cNvPr id="3" name="מציין מיקום של הערות 2"/>
+          <p:cNvSpPr>
+            <a:spLocks noGrp="1"/>
+          </p:cNvSpPr>
+          <p:nvPr>
+            <p:ph type="body" idx="1"/>
+          </p:nvPr>
+        </p:nvSpPr>
+        <p:spPr/>
+        <p:txBody>
+          <a:bodyPr/>
+          <a:lstStyle/>
+          <a:p>
+            <a:r>
+              <a:rPr lang="he-IL" dirty="0"/>
+              <a:t>לאחר שהמשתמש ימלא את הטקסט בתיבה לה הוא נדרש וילחץ על הכפתור מה שהמשתמש הכניס בנוסף לנתוניי הפרופיל בצורה משורשרת לשרת ומשם ל</a:t>
+            </a:r>
+            <a:r>
+              <a:rPr lang="en-US" dirty="0"/>
+              <a:t>open </a:t>
+            </a:r>
+            <a:r>
+              <a:rPr lang="en-US" dirty="0" err="1"/>
+              <a:t>api</a:t>
+            </a:r>
+            <a:r>
+              <a:rPr lang="he-IL" dirty="0"/>
+              <a:t>. תשובת הצ'אט תוחזר אל המשתמש בחלק המסך מתחת. כלומר החלק התחתון יופיע רק לאחר </a:t>
+            </a:r>
+            <a:r>
+              <a:rPr lang="he-IL"/>
+              <a:t>חזרת התשובה.</a:t>
+            </a:r>
+            <a:endParaRPr lang="he-IL" dirty="0"/>
+          </a:p>
+        </p:txBody>
+      </p:sp>
+      <p:sp>
+        <p:nvSpPr>
+          <p:cNvPr id="4" name="מציין מיקום של מספר שקופית 3"/>
+          <p:cNvSpPr>
+            <a:spLocks noGrp="1"/>
+          </p:cNvSpPr>
+          <p:nvPr>
+            <p:ph type="sldNum" sz="quarter" idx="5"/>
+          </p:nvPr>
+        </p:nvSpPr>
+        <p:spPr/>
+        <p:txBody>
+          <a:bodyPr/>
+          <a:lstStyle/>
+          <a:p>
+            <a:fld id="{F131B404-7C5A-4241-8526-E832153D0A3F}" type="slidenum">
+              <a:rPr lang="he-IL" smtClean="0"/>
+              <a:t>8</a:t>
+            </a:fld>
+            <a:endParaRPr lang="he-IL"/>
+          </a:p>
+        </p:txBody>
+      </p:sp>
+    </p:spTree>
+    <p:extLst>
+      <p:ext uri="{BB962C8B-B14F-4D97-AF65-F5344CB8AC3E}">
+        <p14:creationId xmlns:p14="http://schemas.microsoft.com/office/powerpoint/2010/main" val="844003656"/>
+      </p:ext>
+    </p:extLst>
+  </p:cSld>
+  <p:clrMapOvr>
+    <a:masterClrMapping/>
+  </p:clrMapOvr>
+</p:notes>
+</file>
+
+<file path=ppt/notesSlides/notesSlide6.xml><?xml version="1.0" encoding="utf-8"?>
+<p:notes xmlns:a="http://schemas.openxmlformats.org/drawingml/2006/main" xmlns:r="http://schemas.openxmlformats.org/officeDocument/2006/relationships" xmlns:p="http://schemas.openxmlformats.org/presentationml/2006/main">
+  <p:cSld>
+    <p:spTree>
+      <p:nvGrpSpPr>
+        <p:cNvPr id="1" name=""/>
+        <p:cNvGrpSpPr/>
+        <p:nvPr/>
+      </p:nvGrpSpPr>
+      <p:grpSpPr>
+        <a:xfrm>
+          <a:off x="0" y="0"/>
+          <a:ext cx="0" cy="0"/>
+          <a:chOff x="0" y="0"/>
+          <a:chExt cx="0" cy="0"/>
+        </a:xfrm>
+      </p:grpSpPr>
+      <p:sp>
+        <p:nvSpPr>
+          <p:cNvPr id="2" name="מציין מיקום של תמונת שקופית 1"/>
+          <p:cNvSpPr>
+            <a:spLocks noGrp="1" noRot="1" noChangeAspect="1"/>
+          </p:cNvSpPr>
+          <p:nvPr>
+            <p:ph type="sldImg"/>
+          </p:nvPr>
+        </p:nvSpPr>
+        <p:spPr/>
+      </p:sp>
+      <p:sp>
+        <p:nvSpPr>
+          <p:cNvPr id="3" name="מציין מיקום של הערות 2"/>
+          <p:cNvSpPr>
+            <a:spLocks noGrp="1"/>
+          </p:cNvSpPr>
+          <p:nvPr>
+            <p:ph type="body" idx="1"/>
+          </p:nvPr>
+        </p:nvSpPr>
+        <p:spPr/>
+        <p:txBody>
+          <a:bodyPr/>
+          <a:lstStyle/>
+          <a:p>
+            <a:r>
+              <a:rPr lang="he-IL" dirty="0"/>
+              <a:t>זה המסך שנפתח כאשר נכנסים ל</a:t>
+            </a:r>
+            <a:r>
+              <a:rPr lang="en-US" dirty="0"/>
+              <a:t>card</a:t>
+            </a:r>
+            <a:r>
+              <a:rPr lang="he-IL" dirty="0"/>
+              <a:t>. ניתן ללחוץ על כפתור הצגת תגובות שיפתח את חלק התגובות מתחת ל</a:t>
+            </a:r>
+            <a:r>
+              <a:rPr lang="en-US" dirty="0"/>
+              <a:t>card</a:t>
+            </a:r>
+            <a:r>
+              <a:rPr lang="he-IL" dirty="0"/>
+              <a:t>. ניתן ללחוץ על הוסף תגובה או דירוג שיפתח את המסך בשקופית הבאה.</a:t>
+            </a:r>
+          </a:p>
+        </p:txBody>
+      </p:sp>
+      <p:sp>
+        <p:nvSpPr>
+          <p:cNvPr id="4" name="מציין מיקום של מספר שקופית 3"/>
+          <p:cNvSpPr>
+            <a:spLocks noGrp="1"/>
+          </p:cNvSpPr>
+          <p:nvPr>
+            <p:ph type="sldNum" sz="quarter" idx="5"/>
+          </p:nvPr>
+        </p:nvSpPr>
+        <p:spPr/>
+        <p:txBody>
+          <a:bodyPr/>
+          <a:lstStyle/>
+          <a:p>
+            <a:fld id="{F131B404-7C5A-4241-8526-E832153D0A3F}" type="slidenum">
+              <a:rPr lang="he-IL" smtClean="0"/>
+              <a:t>9</a:t>
+            </a:fld>
+            <a:endParaRPr lang="he-IL"/>
+          </a:p>
+        </p:txBody>
+      </p:sp>
+    </p:spTree>
+    <p:extLst>
+      <p:ext uri="{BB962C8B-B14F-4D97-AF65-F5344CB8AC3E}">
+        <p14:creationId xmlns:p14="http://schemas.microsoft.com/office/powerpoint/2010/main" val="2698064565"/>
+      </p:ext>
+    </p:extLst>
+  </p:cSld>
+  <p:clrMapOvr>
+    <a:masterClrMapping/>
+  </p:clrMapOvr>
+</p:notes>
+</file>
+
+<file path=ppt/notesSlides/notesSlide7.xml><?xml version="1.0" encoding="utf-8"?>
+<p:notes xmlns:a="http://schemas.openxmlformats.org/drawingml/2006/main" xmlns:r="http://schemas.openxmlformats.org/officeDocument/2006/relationships" xmlns:p="http://schemas.openxmlformats.org/presentationml/2006/main">
+  <p:cSld>
+    <p:spTree>
+      <p:nvGrpSpPr>
+        <p:cNvPr id="1" name=""/>
+        <p:cNvGrpSpPr/>
+        <p:nvPr/>
+      </p:nvGrpSpPr>
+      <p:grpSpPr>
+        <a:xfrm>
+          <a:off x="0" y="0"/>
+          <a:ext cx="0" cy="0"/>
+          <a:chOff x="0" y="0"/>
+          <a:chExt cx="0" cy="0"/>
+        </a:xfrm>
+      </p:grpSpPr>
+      <p:sp>
+        <p:nvSpPr>
+          <p:cNvPr id="2" name="מציין מיקום של תמונת שקופית 1"/>
+          <p:cNvSpPr>
+            <a:spLocks noGrp="1" noRot="1" noChangeAspect="1"/>
+          </p:cNvSpPr>
+          <p:nvPr>
+            <p:ph type="sldImg"/>
+          </p:nvPr>
+        </p:nvSpPr>
+        <p:spPr/>
+      </p:sp>
+      <p:sp>
+        <p:nvSpPr>
+          <p:cNvPr id="3" name="מציין מיקום של הערות 2"/>
+          <p:cNvSpPr>
+            <a:spLocks noGrp="1"/>
+          </p:cNvSpPr>
+          <p:nvPr>
+            <p:ph type="body" idx="1"/>
+          </p:nvPr>
+        </p:nvSpPr>
+        <p:spPr/>
+        <p:txBody>
+          <a:bodyPr/>
+          <a:lstStyle/>
+          <a:p>
+            <a:r>
+              <a:rPr lang="he-IL" dirty="0"/>
+              <a:t>במסך יהיה ניתן להזין דירוג מ0 עד חמש ותגובה. יש להזין לכל הפחות דירוג. לחיצה על שמירה או ביטול תחזיר למצב הקודם בשקופית 7</a:t>
+            </a:r>
+          </a:p>
+        </p:txBody>
+      </p:sp>
+      <p:sp>
+        <p:nvSpPr>
+          <p:cNvPr id="4" name="מציין מיקום של מספר שקופית 3"/>
+          <p:cNvSpPr>
+            <a:spLocks noGrp="1"/>
+          </p:cNvSpPr>
+          <p:nvPr>
+            <p:ph type="sldNum" sz="quarter" idx="5"/>
+          </p:nvPr>
+        </p:nvSpPr>
+        <p:spPr/>
+        <p:txBody>
+          <a:bodyPr/>
+          <a:lstStyle/>
+          <a:p>
+            <a:fld id="{F131B404-7C5A-4241-8526-E832153D0A3F}" type="slidenum">
+              <a:rPr lang="he-IL" smtClean="0"/>
+              <a:t>10</a:t>
+            </a:fld>
+            <a:endParaRPr lang="he-IL"/>
+          </a:p>
+        </p:txBody>
+      </p:sp>
+    </p:spTree>
+    <p:extLst>
+      <p:ext uri="{BB962C8B-B14F-4D97-AF65-F5344CB8AC3E}">
+        <p14:creationId xmlns:p14="http://schemas.microsoft.com/office/powerpoint/2010/main" val="1988615467"/>
+      </p:ext>
+    </p:extLst>
+  </p:cSld>
+  <p:clrMapOvr>
+    <a:masterClrMapping/>
+  </p:clrMapOvr>
+</p:notes>
+</file>
+
+<file path=ppt/notesSlides/notesSlide8.xml><?xml version="1.0" encoding="utf-8"?>
+<p:notes xmlns:a="http://schemas.openxmlformats.org/drawingml/2006/main" xmlns:r="http://schemas.openxmlformats.org/officeDocument/2006/relationships" xmlns:p="http://schemas.openxmlformats.org/presentationml/2006/main">
+  <p:cSld>
+    <p:spTree>
+      <p:nvGrpSpPr>
+        <p:cNvPr id="1" name=""/>
+        <p:cNvGrpSpPr/>
+        <p:nvPr/>
+      </p:nvGrpSpPr>
+      <p:grpSpPr>
+        <a:xfrm>
+          <a:off x="0" y="0"/>
+          <a:ext cx="0" cy="0"/>
+          <a:chOff x="0" y="0"/>
+          <a:chExt cx="0" cy="0"/>
+        </a:xfrm>
+      </p:grpSpPr>
+      <p:sp>
+        <p:nvSpPr>
+          <p:cNvPr id="2" name="מציין מיקום של תמונת שקופית 1"/>
+          <p:cNvSpPr>
+            <a:spLocks noGrp="1" noRot="1" noChangeAspect="1"/>
+          </p:cNvSpPr>
+          <p:nvPr>
+            <p:ph type="sldImg"/>
+          </p:nvPr>
+        </p:nvSpPr>
+        <p:spPr/>
+      </p:sp>
+      <p:sp>
+        <p:nvSpPr>
+          <p:cNvPr id="3" name="מציין מיקום של הערות 2"/>
+          <p:cNvSpPr>
+            <a:spLocks noGrp="1"/>
+          </p:cNvSpPr>
+          <p:nvPr>
+            <p:ph type="body" idx="1"/>
+          </p:nvPr>
+        </p:nvSpPr>
+        <p:spPr/>
+        <p:txBody>
+          <a:bodyPr/>
+          <a:lstStyle/>
+          <a:p>
+            <a:r>
+              <a:rPr lang="he-IL" dirty="0"/>
+              <a:t>הגעה למסך הזה תתבצע דרך התפריט פעולות בלחיצה על </a:t>
+            </a:r>
+            <a:r>
+              <a:rPr lang="en-US" dirty="0"/>
+              <a:t>my posts</a:t>
+            </a:r>
+            <a:r>
+              <a:rPr lang="he-IL" dirty="0"/>
+              <a:t>. שיטת ההצגה תהיה כמו במסך החיפוש גם כאן ה</a:t>
+            </a:r>
+            <a:r>
+              <a:rPr lang="en-US" dirty="0"/>
+              <a:t>cards</a:t>
+            </a:r>
+            <a:r>
+              <a:rPr lang="he-IL" dirty="0"/>
+              <a:t> לחיצים.</a:t>
+            </a:r>
+          </a:p>
+        </p:txBody>
+      </p:sp>
+      <p:sp>
+        <p:nvSpPr>
+          <p:cNvPr id="4" name="מציין מיקום של מספר שקופית 3"/>
+          <p:cNvSpPr>
+            <a:spLocks noGrp="1"/>
+          </p:cNvSpPr>
+          <p:nvPr>
+            <p:ph type="sldNum" sz="quarter" idx="5"/>
+          </p:nvPr>
+        </p:nvSpPr>
+        <p:spPr/>
+        <p:txBody>
+          <a:bodyPr/>
+          <a:lstStyle/>
+          <a:p>
+            <a:fld id="{F131B404-7C5A-4241-8526-E832153D0A3F}" type="slidenum">
+              <a:rPr lang="he-IL" smtClean="0"/>
+              <a:t>11</a:t>
+            </a:fld>
+            <a:endParaRPr lang="he-IL"/>
+          </a:p>
+        </p:txBody>
+      </p:sp>
+    </p:spTree>
+    <p:extLst>
+      <p:ext uri="{BB962C8B-B14F-4D97-AF65-F5344CB8AC3E}">
+        <p14:creationId xmlns:p14="http://schemas.microsoft.com/office/powerpoint/2010/main" val="1402667063"/>
+      </p:ext>
+    </p:extLst>
+  </p:cSld>
+  <p:clrMapOvr>
+    <a:masterClrMapping/>
+  </p:clrMapOvr>
+</p:notes>
+</file>
+
+<file path=ppt/notesSlides/notesSlide9.xml><?xml version="1.0" encoding="utf-8"?>
+<p:notes xmlns:a="http://schemas.openxmlformats.org/drawingml/2006/main" xmlns:r="http://schemas.openxmlformats.org/officeDocument/2006/relationships" xmlns:p="http://schemas.openxmlformats.org/presentationml/2006/main">
+  <p:cSld>
+    <p:spTree>
+      <p:nvGrpSpPr>
+        <p:cNvPr id="1" name=""/>
+        <p:cNvGrpSpPr/>
+        <p:nvPr/>
+      </p:nvGrpSpPr>
+      <p:grpSpPr>
+        <a:xfrm>
+          <a:off x="0" y="0"/>
+          <a:ext cx="0" cy="0"/>
+          <a:chOff x="0" y="0"/>
+          <a:chExt cx="0" cy="0"/>
+        </a:xfrm>
+      </p:grpSpPr>
+      <p:sp>
+        <p:nvSpPr>
+          <p:cNvPr id="2" name="מציין מיקום של תמונת שקופית 1"/>
+          <p:cNvSpPr>
+            <a:spLocks noGrp="1" noRot="1" noChangeAspect="1"/>
+          </p:cNvSpPr>
+          <p:nvPr>
+            <p:ph type="sldImg"/>
+          </p:nvPr>
+        </p:nvSpPr>
+        <p:spPr/>
+      </p:sp>
+      <p:sp>
+        <p:nvSpPr>
+          <p:cNvPr id="3" name="מציין מיקום של הערות 2"/>
+          <p:cNvSpPr>
+            <a:spLocks noGrp="1"/>
+          </p:cNvSpPr>
+          <p:nvPr>
+            <p:ph type="body" idx="1"/>
+          </p:nvPr>
+        </p:nvSpPr>
+        <p:spPr/>
+        <p:txBody>
+          <a:bodyPr/>
+          <a:lstStyle/>
+          <a:p>
+            <a:r>
+              <a:rPr lang="he-IL" dirty="0"/>
+              <a:t>בהגעה ל</a:t>
+            </a:r>
+            <a:r>
+              <a:rPr lang="en-US" dirty="0"/>
+              <a:t>card </a:t>
+            </a:r>
+            <a:r>
+              <a:rPr lang="he-IL" dirty="0"/>
+              <a:t> שהמשתמש הינו הבעלים שלו יופיעו שני אייקונים של מחיקה ועדכון. בעת לחיצה על מחיקה יופיע </a:t>
+            </a:r>
+            <a:r>
+              <a:rPr lang="en-US" dirty="0"/>
+              <a:t>POPUP</a:t>
+            </a:r>
+            <a:r>
+              <a:rPr lang="he-IL" dirty="0"/>
+              <a:t> המוודא שאכן המשתמש מעוניין למחוק את הפוסט. באם המשתמש לחץ על אייקון העריכה הוא שדות המסך יפתחו לעריכה כמו שמופיע בשקופית הבאה.</a:t>
+            </a:r>
+          </a:p>
+          <a:p>
+            <a:endParaRPr lang="he-IL" dirty="0"/>
+          </a:p>
+        </p:txBody>
+      </p:sp>
+      <p:sp>
+        <p:nvSpPr>
+          <p:cNvPr id="4" name="מציין מיקום של מספר שקופית 3"/>
+          <p:cNvSpPr>
+            <a:spLocks noGrp="1"/>
+          </p:cNvSpPr>
+          <p:nvPr>
+            <p:ph type="sldNum" sz="quarter" idx="5"/>
+          </p:nvPr>
+        </p:nvSpPr>
+        <p:spPr/>
+        <p:txBody>
+          <a:bodyPr/>
+          <a:lstStyle/>
+          <a:p>
+            <a:fld id="{F131B404-7C5A-4241-8526-E832153D0A3F}" type="slidenum">
+              <a:rPr lang="he-IL" smtClean="0"/>
+              <a:t>12</a:t>
+            </a:fld>
+            <a:endParaRPr lang="he-IL"/>
+          </a:p>
+        </p:txBody>
+      </p:sp>
+    </p:spTree>
+    <p:extLst>
+      <p:ext uri="{BB962C8B-B14F-4D97-AF65-F5344CB8AC3E}">
+        <p14:creationId xmlns:p14="http://schemas.microsoft.com/office/powerpoint/2010/main" val="642521175"/>
+      </p:ext>
+    </p:extLst>
+  </p:cSld>
+  <p:clrMapOvr>
+    <a:masterClrMapping/>
+  </p:clrMapOvr>
+</p:notes>
+</file>
+
 <file path=ppt/slideLayouts/slideLayout1.xml><?xml version="1.0" encoding="utf-8"?>
 <p:sldLayout xmlns:a="http://schemas.openxmlformats.org/drawingml/2006/main" xmlns:r="http://schemas.openxmlformats.org/officeDocument/2006/relationships" xmlns:p="http://schemas.openxmlformats.org/presentationml/2006/main" type="title" preserve="1">
   <p:cSld name="שקופית כותרת">
@@ -714,7 +1746,7 @@
           <a:p>
             <a:fld id="{3CBB320F-CF4E-4810-BB21-DD237AF95B43}" type="datetimeFigureOut">
               <a:rPr lang="he-IL" smtClean="0"/>
-              <a:t>כ"ד/סיון/תשפ"ד</a:t>
+              <a:t>ד'/תמוז/תשפ"ד</a:t>
             </a:fld>
             <a:endParaRPr lang="he-IL"/>
           </a:p>
@@ -912,7 +1944,7 @@
           <a:p>
             <a:fld id="{3CBB320F-CF4E-4810-BB21-DD237AF95B43}" type="datetimeFigureOut">
               <a:rPr lang="he-IL" smtClean="0"/>
-              <a:t>כ"ד/סיון/תשפ"ד</a:t>
+              <a:t>ד'/תמוז/תשפ"ד</a:t>
             </a:fld>
             <a:endParaRPr lang="he-IL"/>
           </a:p>
@@ -1120,7 +2152,7 @@
           <a:p>
             <a:fld id="{3CBB320F-CF4E-4810-BB21-DD237AF95B43}" type="datetimeFigureOut">
               <a:rPr lang="he-IL" smtClean="0"/>
-              <a:t>כ"ד/סיון/תשפ"ד</a:t>
+              <a:t>ד'/תמוז/תשפ"ד</a:t>
             </a:fld>
             <a:endParaRPr lang="he-IL"/>
           </a:p>
@@ -1318,7 +2350,7 @@
           <a:p>
             <a:fld id="{3CBB320F-CF4E-4810-BB21-DD237AF95B43}" type="datetimeFigureOut">
               <a:rPr lang="he-IL" smtClean="0"/>
-              <a:t>כ"ד/סיון/תשפ"ד</a:t>
+              <a:t>ד'/תמוז/תשפ"ד</a:t>
             </a:fld>
             <a:endParaRPr lang="he-IL"/>
           </a:p>
@@ -1593,7 +2625,7 @@
           <a:p>
             <a:fld id="{3CBB320F-CF4E-4810-BB21-DD237AF95B43}" type="datetimeFigureOut">
               <a:rPr lang="he-IL" smtClean="0"/>
-              <a:t>כ"ד/סיון/תשפ"ד</a:t>
+              <a:t>ד'/תמוז/תשפ"ד</a:t>
             </a:fld>
             <a:endParaRPr lang="he-IL"/>
           </a:p>
@@ -1858,7 +2890,7 @@
           <a:p>
             <a:fld id="{3CBB320F-CF4E-4810-BB21-DD237AF95B43}" type="datetimeFigureOut">
               <a:rPr lang="he-IL" smtClean="0"/>
-              <a:t>כ"ד/סיון/תשפ"ד</a:t>
+              <a:t>ד'/תמוז/תשפ"ד</a:t>
             </a:fld>
             <a:endParaRPr lang="he-IL"/>
           </a:p>
@@ -2270,7 +3302,7 @@
           <a:p>
             <a:fld id="{3CBB320F-CF4E-4810-BB21-DD237AF95B43}" type="datetimeFigureOut">
               <a:rPr lang="he-IL" smtClean="0"/>
-              <a:t>כ"ד/סיון/תשפ"ד</a:t>
+              <a:t>ד'/תמוז/תשפ"ד</a:t>
             </a:fld>
             <a:endParaRPr lang="he-IL"/>
           </a:p>
@@ -2411,7 +3443,7 @@
           <a:p>
             <a:fld id="{3CBB320F-CF4E-4810-BB21-DD237AF95B43}" type="datetimeFigureOut">
               <a:rPr lang="he-IL" smtClean="0"/>
-              <a:t>כ"ד/סיון/תשפ"ד</a:t>
+              <a:t>ד'/תמוז/תשפ"ד</a:t>
             </a:fld>
             <a:endParaRPr lang="he-IL"/>
           </a:p>
@@ -2524,7 +3556,7 @@
           <a:p>
             <a:fld id="{3CBB320F-CF4E-4810-BB21-DD237AF95B43}" type="datetimeFigureOut">
               <a:rPr lang="he-IL" smtClean="0"/>
-              <a:t>כ"ד/סיון/תשפ"ד</a:t>
+              <a:t>ד'/תמוז/תשפ"ד</a:t>
             </a:fld>
             <a:endParaRPr lang="he-IL"/>
           </a:p>
@@ -2835,7 +3867,7 @@
           <a:p>
             <a:fld id="{3CBB320F-CF4E-4810-BB21-DD237AF95B43}" type="datetimeFigureOut">
               <a:rPr lang="he-IL" smtClean="0"/>
-              <a:t>כ"ד/סיון/תשפ"ד</a:t>
+              <a:t>ד'/תמוז/תשפ"ד</a:t>
             </a:fld>
             <a:endParaRPr lang="he-IL"/>
           </a:p>
@@ -3123,7 +4155,7 @@
           <a:p>
             <a:fld id="{3CBB320F-CF4E-4810-BB21-DD237AF95B43}" type="datetimeFigureOut">
               <a:rPr lang="he-IL" smtClean="0"/>
-              <a:t>כ"ד/סיון/תשפ"ד</a:t>
+              <a:t>ד'/תמוז/תשפ"ד</a:t>
             </a:fld>
             <a:endParaRPr lang="he-IL"/>
           </a:p>
@@ -3364,7 +4396,7 @@
           <a:p>
             <a:fld id="{3CBB320F-CF4E-4810-BB21-DD237AF95B43}" type="datetimeFigureOut">
               <a:rPr lang="he-IL" smtClean="0"/>
-              <a:t>כ"ד/סיון/תשפ"ד</a:t>
+              <a:t>ד'/תמוז/תשפ"ד</a:t>
             </a:fld>
             <a:endParaRPr lang="he-IL"/>
           </a:p>
@@ -4250,13 +5282,13 @@
             <p:nvPr/>
           </p:nvPicPr>
           <p:blipFill>
-            <a:blip r:embed="rId2">
+            <a:blip r:embed="rId3">
               <a:extLst>
                 <a:ext uri="{28A0092B-C50C-407E-A947-70E740481C1C}">
                   <a14:useLocalDpi xmlns:a14="http://schemas.microsoft.com/office/drawing/2010/main" val="0"/>
                 </a:ext>
                 <a:ext uri="{96DAC541-7B7A-43D3-8B79-37D633B846F1}">
-                  <asvg:svgBlip xmlns:asvg="http://schemas.microsoft.com/office/drawing/2016/SVG/main" r:embed="rId3"/>
+                  <asvg:svgBlip xmlns:asvg="http://schemas.microsoft.com/office/drawing/2016/SVG/main" r:embed="rId4"/>
                 </a:ext>
               </a:extLst>
             </a:blip>
@@ -4289,7 +5321,7 @@
             <p:nvPr/>
           </p:nvPicPr>
           <p:blipFill>
-            <a:blip r:embed="rId4">
+            <a:blip r:embed="rId5">
               <a:extLst>
                 <a:ext uri="{28A0092B-C50C-407E-A947-70E740481C1C}">
                   <a14:useLocalDpi xmlns:a14="http://schemas.microsoft.com/office/drawing/2010/main" val="0"/>
@@ -4321,42 +5353,6 @@
             </a:extLst>
           </p:spPr>
         </p:pic>
-        <p:sp>
-          <p:nvSpPr>
-            <p:cNvPr id="17" name="תיבת טקסט 16">
-              <a:extLst>
-                <a:ext uri="{FF2B5EF4-FFF2-40B4-BE49-F238E27FC236}">
-                  <a16:creationId xmlns:a16="http://schemas.microsoft.com/office/drawing/2014/main" id="{250A3D96-D95F-C114-06CE-74460847E5A4}"/>
-                </a:ext>
-              </a:extLst>
-            </p:cNvPr>
-            <p:cNvSpPr txBox="1"/>
-            <p:nvPr/>
-          </p:nvSpPr>
-          <p:spPr>
-            <a:xfrm>
-              <a:off x="9973559" y="253677"/>
-              <a:ext cx="1187777" cy="369332"/>
-            </a:xfrm>
-            <a:prstGeom prst="rect">
-              <a:avLst/>
-            </a:prstGeom>
-            <a:noFill/>
-          </p:spPr>
-          <p:txBody>
-            <a:bodyPr wrap="square" rtlCol="1">
-              <a:spAutoFit/>
-            </a:bodyPr>
-            <a:lstStyle/>
-            <a:p>
-              <a:r>
-                <a:rPr lang="en-US" dirty="0"/>
-                <a:t>logout</a:t>
-              </a:r>
-              <a:endParaRPr lang="he-IL" dirty="0"/>
-            </a:p>
-          </p:txBody>
-        </p:sp>
       </p:grpSp>
       <p:grpSp>
         <p:nvGrpSpPr>
@@ -4440,7 +5436,7 @@
             <p:nvPr/>
           </p:nvPicPr>
           <p:blipFill>
-            <a:blip r:embed="rId5"/>
+            <a:blip r:embed="rId6"/>
             <a:stretch>
               <a:fillRect/>
             </a:stretch>
@@ -4509,7 +5505,7 @@
           </p:nvSpPr>
           <p:spPr>
             <a:xfrm>
-              <a:off x="672010" y="4949521"/>
+              <a:off x="686627" y="4920568"/>
               <a:ext cx="2075336" cy="646331"/>
             </a:xfrm>
             <a:prstGeom prst="rect">
@@ -4546,7 +5542,7 @@
           </p:nvSpPr>
           <p:spPr>
             <a:xfrm>
-              <a:off x="631745" y="5573315"/>
+              <a:off x="686627" y="5313928"/>
               <a:ext cx="329358" cy="266159"/>
             </a:xfrm>
             <a:prstGeom prst="star5">
@@ -4592,7 +5588,7 @@
           </p:nvSpPr>
           <p:spPr>
             <a:xfrm>
-              <a:off x="1058167" y="5612873"/>
+              <a:off x="1110687" y="5334881"/>
               <a:ext cx="1787216" cy="369332"/>
             </a:xfrm>
             <a:prstGeom prst="rect">
@@ -4620,76 +5616,266 @@
           </p:txBody>
         </p:sp>
       </p:grpSp>
-      <p:pic>
-        <p:nvPicPr>
-          <p:cNvPr id="15" name="תמונה 14">
+      <p:sp>
+        <p:nvSpPr>
+          <p:cNvPr id="12" name="מלבן: פינות מעוגלות 11">
             <a:extLst>
               <a:ext uri="{FF2B5EF4-FFF2-40B4-BE49-F238E27FC236}">
-                <a16:creationId xmlns:a16="http://schemas.microsoft.com/office/drawing/2014/main" id="{F6B49AF2-B0B5-1F2A-D056-9EB460EA9822}"/>
+                <a16:creationId xmlns:a16="http://schemas.microsoft.com/office/drawing/2014/main" id="{1C56DDD7-FB32-D03A-2C77-2DB54FAF83AD}"/>
               </a:ext>
             </a:extLst>
           </p:cNvPr>
-          <p:cNvPicPr>
-            <a:picLocks noChangeAspect="1"/>
-          </p:cNvPicPr>
+          <p:cNvSpPr/>
           <p:nvPr/>
-        </p:nvPicPr>
-        <p:blipFill>
-          <a:blip r:embed="rId6"/>
-          <a:stretch>
-            <a:fillRect/>
-          </a:stretch>
-        </p:blipFill>
+        </p:nvSpPr>
         <p:spPr>
           <a:xfrm>
-            <a:off x="3176851" y="1237975"/>
-            <a:ext cx="646331" cy="646331"/>
+            <a:off x="4267200" y="6363651"/>
+            <a:ext cx="1141379" cy="437981"/>
+          </a:xfrm>
+          <a:prstGeom prst="roundRect">
+            <a:avLst/>
+          </a:prstGeom>
+        </p:spPr>
+        <p:style>
+          <a:lnRef idx="2">
+            <a:schemeClr val="accent1">
+              <a:shade val="15000"/>
+            </a:schemeClr>
+          </a:lnRef>
+          <a:fillRef idx="1">
+            <a:schemeClr val="accent1"/>
+          </a:fillRef>
+          <a:effectRef idx="0">
+            <a:schemeClr val="accent1"/>
+          </a:effectRef>
+          <a:fontRef idx="minor">
+            <a:schemeClr val="lt1"/>
+          </a:fontRef>
+        </p:style>
+        <p:txBody>
+          <a:bodyPr rtlCol="1" anchor="ctr"/>
+          <a:lstStyle/>
+          <a:p>
+            <a:pPr algn="ctr"/>
+            <a:r>
+              <a:rPr lang="en-US" dirty="0"/>
+              <a:t>save</a:t>
+            </a:r>
+            <a:endParaRPr lang="he-IL" dirty="0"/>
+          </a:p>
+        </p:txBody>
+      </p:sp>
+      <p:sp>
+        <p:nvSpPr>
+          <p:cNvPr id="13" name="מלבן: פינות מעוגלות 12">
+            <a:extLst>
+              <a:ext uri="{FF2B5EF4-FFF2-40B4-BE49-F238E27FC236}">
+                <a16:creationId xmlns:a16="http://schemas.microsoft.com/office/drawing/2014/main" id="{D5CE69DB-D404-22C8-E410-0C3A3C40CAD2}"/>
+              </a:ext>
+            </a:extLst>
+          </p:cNvPr>
+          <p:cNvSpPr/>
+          <p:nvPr/>
+        </p:nvSpPr>
+        <p:spPr>
+          <a:xfrm>
+            <a:off x="6799248" y="6363651"/>
+            <a:ext cx="1141379" cy="437981"/>
+          </a:xfrm>
+          <a:prstGeom prst="roundRect">
+            <a:avLst/>
+          </a:prstGeom>
+        </p:spPr>
+        <p:style>
+          <a:lnRef idx="2">
+            <a:schemeClr val="accent1">
+              <a:shade val="15000"/>
+            </a:schemeClr>
+          </a:lnRef>
+          <a:fillRef idx="1">
+            <a:schemeClr val="accent1"/>
+          </a:fillRef>
+          <a:effectRef idx="0">
+            <a:schemeClr val="accent1"/>
+          </a:effectRef>
+          <a:fontRef idx="minor">
+            <a:schemeClr val="lt1"/>
+          </a:fontRef>
+        </p:style>
+        <p:txBody>
+          <a:bodyPr rtlCol="1" anchor="ctr"/>
+          <a:lstStyle/>
+          <a:p>
+            <a:pPr algn="ctr"/>
+            <a:r>
+              <a:rPr lang="en-US" dirty="0"/>
+              <a:t>cancel</a:t>
+            </a:r>
+            <a:endParaRPr lang="he-IL" dirty="0"/>
+          </a:p>
+        </p:txBody>
+      </p:sp>
+      <p:sp>
+        <p:nvSpPr>
+          <p:cNvPr id="14" name="מלבן 13">
+            <a:extLst>
+              <a:ext uri="{FF2B5EF4-FFF2-40B4-BE49-F238E27FC236}">
+                <a16:creationId xmlns:a16="http://schemas.microsoft.com/office/drawing/2014/main" id="{6D95128D-7AF7-E9CB-C441-66165759E141}"/>
+              </a:ext>
+            </a:extLst>
+          </p:cNvPr>
+          <p:cNvSpPr/>
+          <p:nvPr/>
+        </p:nvSpPr>
+        <p:spPr>
+          <a:xfrm>
+            <a:off x="3842426" y="5533328"/>
+            <a:ext cx="5233480" cy="731285"/>
           </a:xfrm>
           <a:prstGeom prst="rect">
             <a:avLst/>
           </a:prstGeom>
+          <a:noFill/>
         </p:spPr>
-      </p:pic>
-      <p:pic>
-        <p:nvPicPr>
-          <p:cNvPr id="18" name="תמונה 17">
+        <p:style>
+          <a:lnRef idx="2">
+            <a:schemeClr val="accent1">
+              <a:shade val="15000"/>
+            </a:schemeClr>
+          </a:lnRef>
+          <a:fillRef idx="1">
+            <a:schemeClr val="accent1"/>
+          </a:fillRef>
+          <a:effectRef idx="0">
+            <a:schemeClr val="accent1"/>
+          </a:effectRef>
+          <a:fontRef idx="minor">
+            <a:schemeClr val="lt1"/>
+          </a:fontRef>
+        </p:style>
+        <p:txBody>
+          <a:bodyPr rtlCol="1" anchor="ctr"/>
+          <a:lstStyle/>
+          <a:p>
+            <a:pPr algn="ctr"/>
+            <a:r>
+              <a:rPr lang="en-US" dirty="0">
+                <a:solidFill>
+                  <a:schemeClr val="tx1"/>
+                </a:solidFill>
+              </a:rPr>
+              <a:t>comment</a:t>
+            </a:r>
+            <a:endParaRPr lang="he-IL" dirty="0">
+              <a:solidFill>
+                <a:schemeClr val="tx1"/>
+              </a:solidFill>
+            </a:endParaRPr>
+          </a:p>
+        </p:txBody>
+      </p:sp>
+      <p:sp>
+        <p:nvSpPr>
+          <p:cNvPr id="15" name="תיבת טקסט 14">
             <a:extLst>
               <a:ext uri="{FF2B5EF4-FFF2-40B4-BE49-F238E27FC236}">
-                <a16:creationId xmlns:a16="http://schemas.microsoft.com/office/drawing/2014/main" id="{245B15FD-614A-E368-7B90-674A45028C4B}"/>
+                <a16:creationId xmlns:a16="http://schemas.microsoft.com/office/drawing/2014/main" id="{2C55614B-694F-6935-AD8E-F726ABB1E46D}"/>
               </a:ext>
             </a:extLst>
           </p:cNvPr>
-          <p:cNvPicPr>
-            <a:picLocks noChangeAspect="1"/>
-          </p:cNvPicPr>
+          <p:cNvSpPr txBox="1"/>
           <p:nvPr/>
-        </p:nvPicPr>
-        <p:blipFill>
-          <a:blip r:embed="rId7"/>
-          <a:stretch>
-            <a:fillRect/>
-          </a:stretch>
-        </p:blipFill>
+        </p:nvSpPr>
         <p:spPr>
           <a:xfrm>
-            <a:off x="3919500" y="1322135"/>
-            <a:ext cx="573199" cy="573199"/>
+            <a:off x="2845919" y="5032531"/>
+            <a:ext cx="1488332" cy="367244"/>
           </a:xfrm>
           <a:prstGeom prst="rect">
             <a:avLst/>
           </a:prstGeom>
+          <a:noFill/>
         </p:spPr>
-      </p:pic>
+        <p:txBody>
+          <a:bodyPr wrap="square" rtlCol="1">
+            <a:spAutoFit/>
+          </a:bodyPr>
+          <a:lstStyle/>
+          <a:p>
+            <a:r>
+              <a:rPr lang="en-US" dirty="0"/>
+              <a:t>Grade:</a:t>
+            </a:r>
+            <a:endParaRPr lang="he-IL" dirty="0"/>
+          </a:p>
+        </p:txBody>
+      </p:sp>
+      <p:sp>
+        <p:nvSpPr>
+          <p:cNvPr id="16" name="מלבן 15">
+            <a:extLst>
+              <a:ext uri="{FF2B5EF4-FFF2-40B4-BE49-F238E27FC236}">
+                <a16:creationId xmlns:a16="http://schemas.microsoft.com/office/drawing/2014/main" id="{C675F7A1-E3BE-CDFF-A3D5-47D47C301072}"/>
+              </a:ext>
+            </a:extLst>
+          </p:cNvPr>
+          <p:cNvSpPr/>
+          <p:nvPr/>
+        </p:nvSpPr>
+        <p:spPr>
+          <a:xfrm>
+            <a:off x="4267200" y="5032531"/>
+            <a:ext cx="693906" cy="444429"/>
+          </a:xfrm>
+          <a:prstGeom prst="rect">
+            <a:avLst/>
+          </a:prstGeom>
+          <a:noFill/>
+        </p:spPr>
+        <p:style>
+          <a:lnRef idx="2">
+            <a:schemeClr val="accent1">
+              <a:shade val="15000"/>
+            </a:schemeClr>
+          </a:lnRef>
+          <a:fillRef idx="1">
+            <a:schemeClr val="accent1"/>
+          </a:fillRef>
+          <a:effectRef idx="0">
+            <a:schemeClr val="accent1"/>
+          </a:effectRef>
+          <a:fontRef idx="minor">
+            <a:schemeClr val="lt1"/>
+          </a:fontRef>
+        </p:style>
+        <p:txBody>
+          <a:bodyPr rtlCol="1" anchor="ctr"/>
+          <a:lstStyle/>
+          <a:p>
+            <a:pPr algn="ctr"/>
+            <a:endParaRPr lang="he-IL"/>
+          </a:p>
+        </p:txBody>
+      </p:sp>
     </p:spTree>
     <p:extLst>
       <p:ext uri="{BB962C8B-B14F-4D97-AF65-F5344CB8AC3E}">
-        <p14:creationId xmlns:p14="http://schemas.microsoft.com/office/powerpoint/2010/main" val="3629976747"/>
+        <p14:creationId xmlns:p14="http://schemas.microsoft.com/office/powerpoint/2010/main" val="1352136441"/>
       </p:ext>
     </p:extLst>
   </p:cSld>
   <p:clrMapOvr>
     <a:masterClrMapping/>
   </p:clrMapOvr>
+  <mc:AlternateContent xmlns:mc="http://schemas.openxmlformats.org/markup-compatibility/2006">
+    <mc:Choice xmlns:p14="http://schemas.microsoft.com/office/powerpoint/2010/main" Requires="p14">
+      <p:transition spd="slow" p14:dur="2000" advClick="0"/>
+    </mc:Choice>
+    <mc:Fallback>
+      <p:transition spd="slow" advClick="0"/>
+    </mc:Fallback>
+  </mc:AlternateContent>
 </p:sld>
 </file>
 
@@ -4724,8 +5910,8 @@
         </p:nvSpPr>
         <p:spPr>
           <a:xfrm>
-            <a:off x="7629253" y="1237975"/>
-            <a:ext cx="184731" cy="646331"/>
+            <a:off x="4798930" y="1286844"/>
+            <a:ext cx="1962268" cy="646331"/>
           </a:xfrm>
           <a:prstGeom prst="rect">
             <a:avLst/>
@@ -4738,6 +5924,10 @@
           </a:bodyPr>
           <a:lstStyle/>
           <a:p>
+            <a:r>
+              <a:rPr lang="en-US" sz="3600" dirty="0"/>
+              <a:t>My posts</a:t>
+            </a:r>
             <a:endParaRPr lang="he-IL" sz="3600" dirty="0"/>
           </a:p>
         </p:txBody>
@@ -4832,13 +6022,13 @@
             <p:nvPr/>
           </p:nvPicPr>
           <p:blipFill>
-            <a:blip r:embed="rId2">
+            <a:blip r:embed="rId3">
               <a:extLst>
                 <a:ext uri="{28A0092B-C50C-407E-A947-70E740481C1C}">
                   <a14:useLocalDpi xmlns:a14="http://schemas.microsoft.com/office/drawing/2010/main" val="0"/>
                 </a:ext>
                 <a:ext uri="{96DAC541-7B7A-43D3-8B79-37D633B846F1}">
-                  <asvg:svgBlip xmlns:asvg="http://schemas.microsoft.com/office/drawing/2016/SVG/main" r:embed="rId3"/>
+                  <asvg:svgBlip xmlns:asvg="http://schemas.microsoft.com/office/drawing/2016/SVG/main" r:embed="rId4"/>
                 </a:ext>
               </a:extLst>
             </a:blip>
@@ -4871,7 +6061,7 @@
             <p:nvPr/>
           </p:nvPicPr>
           <p:blipFill>
-            <a:blip r:embed="rId4">
+            <a:blip r:embed="rId5">
               <a:extLst>
                 <a:ext uri="{28A0092B-C50C-407E-A947-70E740481C1C}">
                   <a14:useLocalDpi xmlns:a14="http://schemas.microsoft.com/office/drawing/2010/main" val="0"/>
@@ -4903,49 +6093,13 @@
             </a:extLst>
           </p:spPr>
         </p:pic>
-        <p:sp>
-          <p:nvSpPr>
-            <p:cNvPr id="17" name="תיבת טקסט 16">
-              <a:extLst>
-                <a:ext uri="{FF2B5EF4-FFF2-40B4-BE49-F238E27FC236}">
-                  <a16:creationId xmlns:a16="http://schemas.microsoft.com/office/drawing/2014/main" id="{250A3D96-D95F-C114-06CE-74460847E5A4}"/>
-                </a:ext>
-              </a:extLst>
-            </p:cNvPr>
-            <p:cNvSpPr txBox="1"/>
-            <p:nvPr/>
-          </p:nvSpPr>
-          <p:spPr>
-            <a:xfrm>
-              <a:off x="9973559" y="253677"/>
-              <a:ext cx="1187777" cy="369332"/>
-            </a:xfrm>
-            <a:prstGeom prst="rect">
-              <a:avLst/>
-            </a:prstGeom>
-            <a:noFill/>
-          </p:spPr>
-          <p:txBody>
-            <a:bodyPr wrap="square" rtlCol="1">
-              <a:spAutoFit/>
-            </a:bodyPr>
-            <a:lstStyle/>
-            <a:p>
-              <a:r>
-                <a:rPr lang="en-US" dirty="0"/>
-                <a:t>logout</a:t>
-              </a:r>
-              <a:endParaRPr lang="he-IL" dirty="0"/>
-            </a:p>
-          </p:txBody>
-        </p:sp>
       </p:grpSp>
       <p:grpSp>
         <p:nvGrpSpPr>
-          <p:cNvPr id="2" name="קבוצה 1">
+          <p:cNvPr id="42" name="קבוצה 41">
             <a:extLst>
               <a:ext uri="{FF2B5EF4-FFF2-40B4-BE49-F238E27FC236}">
-                <a16:creationId xmlns:a16="http://schemas.microsoft.com/office/drawing/2014/main" id="{C0ACBF88-0CFE-78C9-43F5-1D477C55EC25}"/>
+                <a16:creationId xmlns:a16="http://schemas.microsoft.com/office/drawing/2014/main" id="{222BC616-5213-C1E4-F47D-0246250EEFA8}"/>
               </a:ext>
             </a:extLst>
           </p:cNvPr>
@@ -4954,18 +6108,18 @@
         </p:nvGrpSpPr>
         <p:grpSpPr>
           <a:xfrm>
-            <a:off x="2811295" y="993379"/>
-            <a:ext cx="7162264" cy="5864621"/>
+            <a:off x="285346" y="2816157"/>
+            <a:ext cx="3705726" cy="3255579"/>
             <a:chOff x="304802" y="3429000"/>
             <a:chExt cx="3705726" cy="3255579"/>
           </a:xfrm>
         </p:grpSpPr>
         <p:sp>
           <p:nvSpPr>
-            <p:cNvPr id="3" name="מלבן: פינות מעוגלות 2">
-              <a:extLst>
-                <a:ext uri="{FF2B5EF4-FFF2-40B4-BE49-F238E27FC236}">
-                  <a16:creationId xmlns:a16="http://schemas.microsoft.com/office/drawing/2014/main" id="{BCD0F45B-FAEE-E680-EE12-FC86CCFEC465}"/>
+            <p:cNvPr id="14" name="מלבן: פינות מעוגלות 13">
+              <a:extLst>
+                <a:ext uri="{FF2B5EF4-FFF2-40B4-BE49-F238E27FC236}">
+                  <a16:creationId xmlns:a16="http://schemas.microsoft.com/office/drawing/2014/main" id="{BE1BC5B1-42DE-FF29-68AA-6A8560631CCC}"/>
                 </a:ext>
               </a:extLst>
             </p:cNvPr>
@@ -5009,10 +6163,10 @@
         </p:sp>
         <p:pic>
           <p:nvPicPr>
-            <p:cNvPr id="5" name="תמונה 4">
-              <a:extLst>
-                <a:ext uri="{FF2B5EF4-FFF2-40B4-BE49-F238E27FC236}">
-                  <a16:creationId xmlns:a16="http://schemas.microsoft.com/office/drawing/2014/main" id="{0314F3DD-465F-354E-BAEA-09AFFE89EFA5}"/>
+            <p:cNvPr id="37" name="תמונה 36">
+              <a:extLst>
+                <a:ext uri="{FF2B5EF4-FFF2-40B4-BE49-F238E27FC236}">
+                  <a16:creationId xmlns:a16="http://schemas.microsoft.com/office/drawing/2014/main" id="{C874AE90-EE8E-20F0-C27C-5EC4C0A1097F}"/>
                 </a:ext>
               </a:extLst>
             </p:cNvPr>
@@ -5022,15 +6176,15 @@
             <p:nvPr/>
           </p:nvPicPr>
           <p:blipFill>
-            <a:blip r:embed="rId5"/>
+            <a:blip r:embed="rId6"/>
             <a:stretch>
               <a:fillRect/>
             </a:stretch>
           </p:blipFill>
           <p:spPr>
             <a:xfrm flipH="1">
-              <a:off x="1441232" y="3746086"/>
-              <a:ext cx="1510471" cy="1007484"/>
+              <a:off x="959575" y="3560281"/>
+              <a:ext cx="2359541" cy="1573813"/>
             </a:xfrm>
             <a:prstGeom prst="rect">
               <a:avLst/>
@@ -5039,10 +6193,10 @@
         </p:pic>
         <p:sp>
           <p:nvSpPr>
-            <p:cNvPr id="6" name="תיבת טקסט 5">
-              <a:extLst>
-                <a:ext uri="{FF2B5EF4-FFF2-40B4-BE49-F238E27FC236}">
-                  <a16:creationId xmlns:a16="http://schemas.microsoft.com/office/drawing/2014/main" id="{F7A2F5BE-4495-197D-75B5-6F1D505BD7FA}"/>
+            <p:cNvPr id="38" name="תיבת טקסט 37">
+              <a:extLst>
+                <a:ext uri="{FF2B5EF4-FFF2-40B4-BE49-F238E27FC236}">
+                  <a16:creationId xmlns:a16="http://schemas.microsoft.com/office/drawing/2014/main" id="{B92E2141-1CBF-031B-7721-37E22A3EE6B5}"/>
                 </a:ext>
               </a:extLst>
             </p:cNvPr>
@@ -5051,7 +6205,7 @@
           </p:nvSpPr>
           <p:spPr>
             <a:xfrm>
-              <a:off x="304802" y="4760610"/>
+              <a:off x="555788" y="5216134"/>
               <a:ext cx="2359115" cy="461665"/>
             </a:xfrm>
             <a:prstGeom prst="rect">
@@ -5079,10 +6233,10 @@
         </p:sp>
         <p:sp>
           <p:nvSpPr>
-            <p:cNvPr id="7" name="תיבת טקסט 6">
-              <a:extLst>
-                <a:ext uri="{FF2B5EF4-FFF2-40B4-BE49-F238E27FC236}">
-                  <a16:creationId xmlns:a16="http://schemas.microsoft.com/office/drawing/2014/main" id="{061B9377-A5A1-558D-2C25-573D8994EAD3}"/>
+            <p:cNvPr id="39" name="תיבת טקסט 38">
+              <a:extLst>
+                <a:ext uri="{FF2B5EF4-FFF2-40B4-BE49-F238E27FC236}">
+                  <a16:creationId xmlns:a16="http://schemas.microsoft.com/office/drawing/2014/main" id="{33342504-2F95-7CFD-7799-3DED3F28A108}"/>
                 </a:ext>
               </a:extLst>
             </p:cNvPr>
@@ -5091,7 +6245,7 @@
           </p:nvSpPr>
           <p:spPr>
             <a:xfrm>
-              <a:off x="618651" y="5028739"/>
+              <a:off x="641526" y="5585466"/>
               <a:ext cx="2075336" cy="646331"/>
             </a:xfrm>
             <a:prstGeom prst="rect">
@@ -5116,10 +6270,10 @@
         </p:sp>
         <p:sp>
           <p:nvSpPr>
-            <p:cNvPr id="8" name="כוכב: 5 פינות 7">
-              <a:extLst>
-                <a:ext uri="{FF2B5EF4-FFF2-40B4-BE49-F238E27FC236}">
-                  <a16:creationId xmlns:a16="http://schemas.microsoft.com/office/drawing/2014/main" id="{CBD472AB-0EF7-0771-B35E-82DEC64FF0EF}"/>
+            <p:cNvPr id="40" name="כוכב: 5 פינות 39">
+              <a:extLst>
+                <a:ext uri="{FF2B5EF4-FFF2-40B4-BE49-F238E27FC236}">
+                  <a16:creationId xmlns:a16="http://schemas.microsoft.com/office/drawing/2014/main" id="{CA5C05E1-D08D-4108-0669-E7D0A18371BB}"/>
                 </a:ext>
               </a:extLst>
             </p:cNvPr>
@@ -5128,7 +6282,7 @@
           </p:nvSpPr>
           <p:spPr>
             <a:xfrm>
-              <a:off x="631745" y="5573315"/>
+              <a:off x="672010" y="6283383"/>
               <a:ext cx="329358" cy="266159"/>
             </a:xfrm>
             <a:prstGeom prst="star5">
@@ -5162,10 +6316,10 @@
         </p:sp>
         <p:sp>
           <p:nvSpPr>
-            <p:cNvPr id="9" name="תיבת טקסט 8">
-              <a:extLst>
-                <a:ext uri="{FF2B5EF4-FFF2-40B4-BE49-F238E27FC236}">
-                  <a16:creationId xmlns:a16="http://schemas.microsoft.com/office/drawing/2014/main" id="{5E09CDC4-C4DD-6DA1-BF3F-E06F3C86A463}"/>
+            <p:cNvPr id="41" name="תיבת טקסט 40">
+              <a:extLst>
+                <a:ext uri="{FF2B5EF4-FFF2-40B4-BE49-F238E27FC236}">
+                  <a16:creationId xmlns:a16="http://schemas.microsoft.com/office/drawing/2014/main" id="{60D8AE06-DF44-162A-0CAC-E466B040A89A}"/>
                 </a:ext>
               </a:extLst>
             </p:cNvPr>
@@ -5174,7 +6328,7 @@
           </p:nvSpPr>
           <p:spPr>
             <a:xfrm>
-              <a:off x="1058167" y="5612873"/>
+              <a:off x="1127687" y="6231797"/>
               <a:ext cx="1787216" cy="369332"/>
             </a:xfrm>
             <a:prstGeom prst="rect">
@@ -5202,146 +6356,534 @@
           </p:txBody>
         </p:sp>
       </p:grpSp>
-      <p:sp>
-        <p:nvSpPr>
-          <p:cNvPr id="12" name="מלבן: פינות מעוגלות 11">
+      <p:grpSp>
+        <p:nvGrpSpPr>
+          <p:cNvPr id="43" name="קבוצה 42">
             <a:extLst>
               <a:ext uri="{FF2B5EF4-FFF2-40B4-BE49-F238E27FC236}">
-                <a16:creationId xmlns:a16="http://schemas.microsoft.com/office/drawing/2014/main" id="{93585FFA-BA1B-A127-45BA-90E365EA1529}"/>
+                <a16:creationId xmlns:a16="http://schemas.microsoft.com/office/drawing/2014/main" id="{8BD7FBC7-A660-4AF4-342A-93C97A62E1BE}"/>
               </a:ext>
             </a:extLst>
           </p:cNvPr>
-          <p:cNvSpPr/>
+          <p:cNvGrpSpPr/>
           <p:nvPr/>
-        </p:nvSpPr>
-        <p:spPr>
+        </p:nvGrpSpPr>
+        <p:grpSpPr>
           <a:xfrm>
-            <a:off x="3557922" y="5795155"/>
-            <a:ext cx="2071992" cy="604583"/>
+            <a:off x="4247587" y="2870817"/>
+            <a:ext cx="3705726" cy="3255579"/>
+            <a:chOff x="304802" y="3429000"/>
+            <a:chExt cx="3705726" cy="3255579"/>
           </a:xfrm>
-          <a:prstGeom prst="roundRect">
-            <a:avLst/>
-          </a:prstGeom>
-        </p:spPr>
-        <p:style>
-          <a:lnRef idx="2">
-            <a:schemeClr val="accent1">
-              <a:shade val="15000"/>
-            </a:schemeClr>
-          </a:lnRef>
-          <a:fillRef idx="1">
-            <a:schemeClr val="accent1"/>
-          </a:fillRef>
-          <a:effectRef idx="0">
-            <a:schemeClr val="accent1"/>
-          </a:effectRef>
-          <a:fontRef idx="minor">
-            <a:schemeClr val="lt1"/>
-          </a:fontRef>
-        </p:style>
-        <p:txBody>
-          <a:bodyPr rtlCol="1" anchor="ctr"/>
-          <a:lstStyle/>
-          <a:p>
-            <a:pPr algn="ctr"/>
-            <a:r>
-              <a:rPr lang="en-US" dirty="0"/>
-              <a:t>save</a:t>
-            </a:r>
-            <a:endParaRPr lang="he-IL" dirty="0"/>
-          </a:p>
-        </p:txBody>
-      </p:sp>
-      <p:sp>
-        <p:nvSpPr>
-          <p:cNvPr id="13" name="מלבן: פינות מעוגלות 12">
+        </p:grpSpPr>
+        <p:sp>
+          <p:nvSpPr>
+            <p:cNvPr id="44" name="מלבן: פינות מעוגלות 43">
+              <a:extLst>
+                <a:ext uri="{FF2B5EF4-FFF2-40B4-BE49-F238E27FC236}">
+                  <a16:creationId xmlns:a16="http://schemas.microsoft.com/office/drawing/2014/main" id="{428B52CB-92A2-6ED4-1EBC-EE720BA71A80}"/>
+                </a:ext>
+              </a:extLst>
+            </p:cNvPr>
+            <p:cNvSpPr/>
+            <p:nvPr/>
+          </p:nvSpPr>
+          <p:spPr>
+            <a:xfrm>
+              <a:off x="304802" y="3429000"/>
+              <a:ext cx="3705726" cy="3255579"/>
+            </a:xfrm>
+            <a:prstGeom prst="roundRect">
+              <a:avLst/>
+            </a:prstGeom>
+            <a:noFill/>
+          </p:spPr>
+          <p:style>
+            <a:lnRef idx="2">
+              <a:schemeClr val="accent1">
+                <a:shade val="15000"/>
+              </a:schemeClr>
+            </a:lnRef>
+            <a:fillRef idx="1">
+              <a:schemeClr val="accent1"/>
+            </a:fillRef>
+            <a:effectRef idx="0">
+              <a:schemeClr val="accent1"/>
+            </a:effectRef>
+            <a:fontRef idx="minor">
+              <a:schemeClr val="lt1"/>
+            </a:fontRef>
+          </p:style>
+          <p:txBody>
+            <a:bodyPr rtlCol="1" anchor="ctr"/>
+            <a:lstStyle/>
+            <a:p>
+              <a:pPr algn="ctr"/>
+              <a:endParaRPr lang="he-IL"/>
+            </a:p>
+          </p:txBody>
+        </p:sp>
+        <p:pic>
+          <p:nvPicPr>
+            <p:cNvPr id="45" name="תמונה 44">
+              <a:extLst>
+                <a:ext uri="{FF2B5EF4-FFF2-40B4-BE49-F238E27FC236}">
+                  <a16:creationId xmlns:a16="http://schemas.microsoft.com/office/drawing/2014/main" id="{F8EDDCFA-4E2E-E643-0E58-B38C97380634}"/>
+                </a:ext>
+              </a:extLst>
+            </p:cNvPr>
+            <p:cNvPicPr>
+              <a:picLocks noChangeAspect="1"/>
+            </p:cNvPicPr>
+            <p:nvPr/>
+          </p:nvPicPr>
+          <p:blipFill>
+            <a:blip r:embed="rId6"/>
+            <a:stretch>
+              <a:fillRect/>
+            </a:stretch>
+          </p:blipFill>
+          <p:spPr>
+            <a:xfrm flipH="1">
+              <a:off x="959575" y="3560281"/>
+              <a:ext cx="2359541" cy="1573813"/>
+            </a:xfrm>
+            <a:prstGeom prst="rect">
+              <a:avLst/>
+            </a:prstGeom>
+          </p:spPr>
+        </p:pic>
+        <p:sp>
+          <p:nvSpPr>
+            <p:cNvPr id="46" name="תיבת טקסט 45">
+              <a:extLst>
+                <a:ext uri="{FF2B5EF4-FFF2-40B4-BE49-F238E27FC236}">
+                  <a16:creationId xmlns:a16="http://schemas.microsoft.com/office/drawing/2014/main" id="{1AD28246-E397-8450-54B6-03C65690257A}"/>
+                </a:ext>
+              </a:extLst>
+            </p:cNvPr>
+            <p:cNvSpPr txBox="1"/>
+            <p:nvPr/>
+          </p:nvSpPr>
+          <p:spPr>
+            <a:xfrm>
+              <a:off x="555788" y="5216134"/>
+              <a:ext cx="2359115" cy="461665"/>
+            </a:xfrm>
+            <a:prstGeom prst="rect">
+              <a:avLst/>
+            </a:prstGeom>
+            <a:noFill/>
+          </p:spPr>
+          <p:txBody>
+            <a:bodyPr wrap="square" rtlCol="1">
+              <a:spAutoFit/>
+            </a:bodyPr>
+            <a:lstStyle/>
+            <a:p>
+              <a:r>
+                <a:rPr lang="en-US" sz="2400" b="1" dirty="0"/>
+                <a:t>Hotel </a:t>
+              </a:r>
+              <a:r>
+                <a:rPr lang="en-US" sz="2400" b="1" dirty="0" err="1"/>
+                <a:t>blabla</a:t>
+              </a:r>
+              <a:endParaRPr lang="he-IL" sz="2400" b="1" dirty="0"/>
+            </a:p>
+          </p:txBody>
+        </p:sp>
+        <p:sp>
+          <p:nvSpPr>
+            <p:cNvPr id="47" name="תיבת טקסט 46">
+              <a:extLst>
+                <a:ext uri="{FF2B5EF4-FFF2-40B4-BE49-F238E27FC236}">
+                  <a16:creationId xmlns:a16="http://schemas.microsoft.com/office/drawing/2014/main" id="{962E43CA-C793-2894-ADF1-C5B8FB2C8D02}"/>
+                </a:ext>
+              </a:extLst>
+            </p:cNvPr>
+            <p:cNvSpPr txBox="1"/>
+            <p:nvPr/>
+          </p:nvSpPr>
+          <p:spPr>
+            <a:xfrm>
+              <a:off x="641526" y="5585466"/>
+              <a:ext cx="2075336" cy="646331"/>
+            </a:xfrm>
+            <a:prstGeom prst="rect">
+              <a:avLst/>
+            </a:prstGeom>
+            <a:noFill/>
+          </p:spPr>
+          <p:txBody>
+            <a:bodyPr wrap="square" rtlCol="1">
+              <a:spAutoFit/>
+            </a:bodyPr>
+            <a:lstStyle/>
+            <a:p>
+              <a:pPr algn="l"/>
+              <a:r>
+                <a:rPr lang="en-US" dirty="0"/>
+                <a:t>Details for example….</a:t>
+              </a:r>
+              <a:endParaRPr lang="he-IL" dirty="0"/>
+            </a:p>
+          </p:txBody>
+        </p:sp>
+        <p:sp>
+          <p:nvSpPr>
+            <p:cNvPr id="48" name="כוכב: 5 פינות 47">
+              <a:extLst>
+                <a:ext uri="{FF2B5EF4-FFF2-40B4-BE49-F238E27FC236}">
+                  <a16:creationId xmlns:a16="http://schemas.microsoft.com/office/drawing/2014/main" id="{81EC85BE-D965-65DF-FD05-76D1BA8A1826}"/>
+                </a:ext>
+              </a:extLst>
+            </p:cNvPr>
+            <p:cNvSpPr/>
+            <p:nvPr/>
+          </p:nvSpPr>
+          <p:spPr>
+            <a:xfrm>
+              <a:off x="672010" y="6283383"/>
+              <a:ext cx="329358" cy="266159"/>
+            </a:xfrm>
+            <a:prstGeom prst="star5">
+              <a:avLst/>
+            </a:prstGeom>
+          </p:spPr>
+          <p:style>
+            <a:lnRef idx="2">
+              <a:schemeClr val="accent1">
+                <a:shade val="15000"/>
+              </a:schemeClr>
+            </a:lnRef>
+            <a:fillRef idx="1">
+              <a:schemeClr val="accent1"/>
+            </a:fillRef>
+            <a:effectRef idx="0">
+              <a:schemeClr val="accent1"/>
+            </a:effectRef>
+            <a:fontRef idx="minor">
+              <a:schemeClr val="lt1"/>
+            </a:fontRef>
+          </p:style>
+          <p:txBody>
+            <a:bodyPr rtlCol="1" anchor="ctr"/>
+            <a:lstStyle/>
+            <a:p>
+              <a:pPr algn="ctr"/>
+              <a:endParaRPr lang="he-IL"/>
+            </a:p>
+          </p:txBody>
+        </p:sp>
+        <p:sp>
+          <p:nvSpPr>
+            <p:cNvPr id="49" name="תיבת טקסט 48">
+              <a:extLst>
+                <a:ext uri="{FF2B5EF4-FFF2-40B4-BE49-F238E27FC236}">
+                  <a16:creationId xmlns:a16="http://schemas.microsoft.com/office/drawing/2014/main" id="{83AE6882-4E2C-91EF-8F9E-771D97C32483}"/>
+                </a:ext>
+              </a:extLst>
+            </p:cNvPr>
+            <p:cNvSpPr txBox="1"/>
+            <p:nvPr/>
+          </p:nvSpPr>
+          <p:spPr>
+            <a:xfrm>
+              <a:off x="1127687" y="6231797"/>
+              <a:ext cx="1787216" cy="369332"/>
+            </a:xfrm>
+            <a:prstGeom prst="rect">
+              <a:avLst/>
+            </a:prstGeom>
+            <a:noFill/>
+          </p:spPr>
+          <p:txBody>
+            <a:bodyPr wrap="square" rtlCol="1">
+              <a:spAutoFit/>
+            </a:bodyPr>
+            <a:lstStyle/>
+            <a:p>
+              <a:pPr algn="l" rtl="0"/>
+              <a:r>
+                <a:rPr lang="en-US" b="1" dirty="0"/>
+                <a:t>4.5 </a:t>
+              </a:r>
+              <a:r>
+                <a:rPr lang="en-US" dirty="0"/>
+                <a:t>(123)</a:t>
+              </a:r>
+              <a:endParaRPr lang="he-IL" b="1" dirty="0"/>
+            </a:p>
+          </p:txBody>
+        </p:sp>
+      </p:grpSp>
+      <p:grpSp>
+        <p:nvGrpSpPr>
+          <p:cNvPr id="50" name="קבוצה 49">
             <a:extLst>
               <a:ext uri="{FF2B5EF4-FFF2-40B4-BE49-F238E27FC236}">
-                <a16:creationId xmlns:a16="http://schemas.microsoft.com/office/drawing/2014/main" id="{C39BD656-EA81-7F9E-9750-DE0457052558}"/>
+                <a16:creationId xmlns:a16="http://schemas.microsoft.com/office/drawing/2014/main" id="{C94B65CD-21A6-5145-DED6-7D52A1BC3057}"/>
               </a:ext>
             </a:extLst>
           </p:cNvPr>
-          <p:cNvSpPr/>
+          <p:cNvGrpSpPr/>
           <p:nvPr/>
-        </p:nvSpPr>
-        <p:spPr>
+        </p:nvGrpSpPr>
+        <p:grpSpPr>
           <a:xfrm>
-            <a:off x="6096000" y="5783308"/>
-            <a:ext cx="2071992" cy="604583"/>
+            <a:off x="8241889" y="2870854"/>
+            <a:ext cx="3705726" cy="3255579"/>
+            <a:chOff x="304802" y="3429000"/>
+            <a:chExt cx="3705726" cy="3255579"/>
           </a:xfrm>
-          <a:prstGeom prst="roundRect">
-            <a:avLst/>
-          </a:prstGeom>
-        </p:spPr>
-        <p:style>
-          <a:lnRef idx="2">
-            <a:schemeClr val="accent1">
-              <a:shade val="15000"/>
-            </a:schemeClr>
-          </a:lnRef>
-          <a:fillRef idx="1">
-            <a:schemeClr val="accent1"/>
-          </a:fillRef>
-          <a:effectRef idx="0">
-            <a:schemeClr val="accent1"/>
-          </a:effectRef>
-          <a:fontRef idx="minor">
-            <a:schemeClr val="lt1"/>
-          </a:fontRef>
-        </p:style>
-        <p:txBody>
-          <a:bodyPr rtlCol="1" anchor="ctr"/>
-          <a:lstStyle/>
-          <a:p>
-            <a:pPr algn="ctr"/>
-            <a:r>
-              <a:rPr lang="en-US" dirty="0"/>
-              <a:t>cancel</a:t>
-            </a:r>
-            <a:endParaRPr lang="he-IL" dirty="0"/>
-          </a:p>
-        </p:txBody>
-      </p:sp>
-      <p:sp>
-        <p:nvSpPr>
-          <p:cNvPr id="15" name="תיבת טקסט 14">
-            <a:extLst>
-              <a:ext uri="{FF2B5EF4-FFF2-40B4-BE49-F238E27FC236}">
-                <a16:creationId xmlns:a16="http://schemas.microsoft.com/office/drawing/2014/main" id="{C40B70F3-F892-18BA-48D4-E9F08D5E3283}"/>
-              </a:ext>
-            </a:extLst>
-          </p:cNvPr>
-          <p:cNvSpPr txBox="1"/>
-          <p:nvPr/>
-        </p:nvSpPr>
-        <p:spPr>
-          <a:xfrm>
-            <a:off x="2811295" y="1064372"/>
-            <a:ext cx="4559594" cy="461665"/>
-          </a:xfrm>
-          <a:prstGeom prst="rect">
-            <a:avLst/>
-          </a:prstGeom>
-          <a:noFill/>
-        </p:spPr>
-        <p:txBody>
-          <a:bodyPr wrap="square" rtlCol="1">
-            <a:spAutoFit/>
-          </a:bodyPr>
-          <a:lstStyle/>
-          <a:p>
-            <a:r>
-              <a:rPr lang="en-US" sz="2400" dirty="0"/>
-              <a:t>Update post</a:t>
-            </a:r>
-            <a:endParaRPr lang="he-IL" sz="2400" dirty="0"/>
-          </a:p>
-        </p:txBody>
-      </p:sp>
+        </p:grpSpPr>
+        <p:sp>
+          <p:nvSpPr>
+            <p:cNvPr id="51" name="מלבן: פינות מעוגלות 50">
+              <a:extLst>
+                <a:ext uri="{FF2B5EF4-FFF2-40B4-BE49-F238E27FC236}">
+                  <a16:creationId xmlns:a16="http://schemas.microsoft.com/office/drawing/2014/main" id="{C723447B-E7AD-0FC8-2D94-F84F1404F874}"/>
+                </a:ext>
+              </a:extLst>
+            </p:cNvPr>
+            <p:cNvSpPr/>
+            <p:nvPr/>
+          </p:nvSpPr>
+          <p:spPr>
+            <a:xfrm>
+              <a:off x="304802" y="3429000"/>
+              <a:ext cx="3705726" cy="3255579"/>
+            </a:xfrm>
+            <a:prstGeom prst="roundRect">
+              <a:avLst/>
+            </a:prstGeom>
+            <a:noFill/>
+          </p:spPr>
+          <p:style>
+            <a:lnRef idx="2">
+              <a:schemeClr val="accent1">
+                <a:shade val="15000"/>
+              </a:schemeClr>
+            </a:lnRef>
+            <a:fillRef idx="1">
+              <a:schemeClr val="accent1"/>
+            </a:fillRef>
+            <a:effectRef idx="0">
+              <a:schemeClr val="accent1"/>
+            </a:effectRef>
+            <a:fontRef idx="minor">
+              <a:schemeClr val="lt1"/>
+            </a:fontRef>
+          </p:style>
+          <p:txBody>
+            <a:bodyPr rtlCol="1" anchor="ctr"/>
+            <a:lstStyle/>
+            <a:p>
+              <a:pPr algn="ctr"/>
+              <a:endParaRPr lang="he-IL"/>
+            </a:p>
+          </p:txBody>
+        </p:sp>
+        <p:pic>
+          <p:nvPicPr>
+            <p:cNvPr id="52" name="תמונה 51">
+              <a:extLst>
+                <a:ext uri="{FF2B5EF4-FFF2-40B4-BE49-F238E27FC236}">
+                  <a16:creationId xmlns:a16="http://schemas.microsoft.com/office/drawing/2014/main" id="{0D4867BD-77F9-2F3C-48B1-7BD320E05C84}"/>
+                </a:ext>
+              </a:extLst>
+            </p:cNvPr>
+            <p:cNvPicPr>
+              <a:picLocks noChangeAspect="1"/>
+            </p:cNvPicPr>
+            <p:nvPr/>
+          </p:nvPicPr>
+          <p:blipFill>
+            <a:blip r:embed="rId6"/>
+            <a:stretch>
+              <a:fillRect/>
+            </a:stretch>
+          </p:blipFill>
+          <p:spPr>
+            <a:xfrm flipH="1">
+              <a:off x="959575" y="3560281"/>
+              <a:ext cx="2359541" cy="1573813"/>
+            </a:xfrm>
+            <a:prstGeom prst="rect">
+              <a:avLst/>
+            </a:prstGeom>
+          </p:spPr>
+        </p:pic>
+        <p:sp>
+          <p:nvSpPr>
+            <p:cNvPr id="53" name="תיבת טקסט 52">
+              <a:extLst>
+                <a:ext uri="{FF2B5EF4-FFF2-40B4-BE49-F238E27FC236}">
+                  <a16:creationId xmlns:a16="http://schemas.microsoft.com/office/drawing/2014/main" id="{9DE8CEAF-6DB5-1F4A-7055-AA0D5FB23988}"/>
+                </a:ext>
+              </a:extLst>
+            </p:cNvPr>
+            <p:cNvSpPr txBox="1"/>
+            <p:nvPr/>
+          </p:nvSpPr>
+          <p:spPr>
+            <a:xfrm>
+              <a:off x="555788" y="5216134"/>
+              <a:ext cx="2359115" cy="461665"/>
+            </a:xfrm>
+            <a:prstGeom prst="rect">
+              <a:avLst/>
+            </a:prstGeom>
+            <a:noFill/>
+          </p:spPr>
+          <p:txBody>
+            <a:bodyPr wrap="square" rtlCol="1">
+              <a:spAutoFit/>
+            </a:bodyPr>
+            <a:lstStyle/>
+            <a:p>
+              <a:r>
+                <a:rPr lang="en-US" sz="2400" b="1" dirty="0"/>
+                <a:t>Hotel </a:t>
+              </a:r>
+              <a:r>
+                <a:rPr lang="en-US" sz="2400" b="1" dirty="0" err="1"/>
+                <a:t>blabla</a:t>
+              </a:r>
+              <a:endParaRPr lang="he-IL" sz="2400" b="1" dirty="0"/>
+            </a:p>
+          </p:txBody>
+        </p:sp>
+        <p:sp>
+          <p:nvSpPr>
+            <p:cNvPr id="54" name="תיבת טקסט 53">
+              <a:extLst>
+                <a:ext uri="{FF2B5EF4-FFF2-40B4-BE49-F238E27FC236}">
+                  <a16:creationId xmlns:a16="http://schemas.microsoft.com/office/drawing/2014/main" id="{CA8D4DEA-CA2C-78CC-43E8-5247978898DE}"/>
+                </a:ext>
+              </a:extLst>
+            </p:cNvPr>
+            <p:cNvSpPr txBox="1"/>
+            <p:nvPr/>
+          </p:nvSpPr>
+          <p:spPr>
+            <a:xfrm>
+              <a:off x="641526" y="5585466"/>
+              <a:ext cx="2075336" cy="646331"/>
+            </a:xfrm>
+            <a:prstGeom prst="rect">
+              <a:avLst/>
+            </a:prstGeom>
+            <a:noFill/>
+          </p:spPr>
+          <p:txBody>
+            <a:bodyPr wrap="square" rtlCol="1">
+              <a:spAutoFit/>
+            </a:bodyPr>
+            <a:lstStyle/>
+            <a:p>
+              <a:pPr algn="l"/>
+              <a:r>
+                <a:rPr lang="en-US" dirty="0"/>
+                <a:t>Details for example….</a:t>
+              </a:r>
+              <a:endParaRPr lang="he-IL" dirty="0"/>
+            </a:p>
+          </p:txBody>
+        </p:sp>
+        <p:sp>
+          <p:nvSpPr>
+            <p:cNvPr id="55" name="כוכב: 5 פינות 54">
+              <a:extLst>
+                <a:ext uri="{FF2B5EF4-FFF2-40B4-BE49-F238E27FC236}">
+                  <a16:creationId xmlns:a16="http://schemas.microsoft.com/office/drawing/2014/main" id="{9567CBC5-6A76-9747-0147-91BCA8118BA8}"/>
+                </a:ext>
+              </a:extLst>
+            </p:cNvPr>
+            <p:cNvSpPr/>
+            <p:nvPr/>
+          </p:nvSpPr>
+          <p:spPr>
+            <a:xfrm>
+              <a:off x="672010" y="6283383"/>
+              <a:ext cx="329358" cy="266159"/>
+            </a:xfrm>
+            <a:prstGeom prst="star5">
+              <a:avLst/>
+            </a:prstGeom>
+          </p:spPr>
+          <p:style>
+            <a:lnRef idx="2">
+              <a:schemeClr val="accent1">
+                <a:shade val="15000"/>
+              </a:schemeClr>
+            </a:lnRef>
+            <a:fillRef idx="1">
+              <a:schemeClr val="accent1"/>
+            </a:fillRef>
+            <a:effectRef idx="0">
+              <a:schemeClr val="accent1"/>
+            </a:effectRef>
+            <a:fontRef idx="minor">
+              <a:schemeClr val="lt1"/>
+            </a:fontRef>
+          </p:style>
+          <p:txBody>
+            <a:bodyPr rtlCol="1" anchor="ctr"/>
+            <a:lstStyle/>
+            <a:p>
+              <a:pPr algn="ctr"/>
+              <a:endParaRPr lang="he-IL"/>
+            </a:p>
+          </p:txBody>
+        </p:sp>
+        <p:sp>
+          <p:nvSpPr>
+            <p:cNvPr id="56" name="תיבת טקסט 55">
+              <a:extLst>
+                <a:ext uri="{FF2B5EF4-FFF2-40B4-BE49-F238E27FC236}">
+                  <a16:creationId xmlns:a16="http://schemas.microsoft.com/office/drawing/2014/main" id="{98695A97-36F5-E5E2-70C6-D0DEF5380D20}"/>
+                </a:ext>
+              </a:extLst>
+            </p:cNvPr>
+            <p:cNvSpPr txBox="1"/>
+            <p:nvPr/>
+          </p:nvSpPr>
+          <p:spPr>
+            <a:xfrm>
+              <a:off x="1127687" y="6231797"/>
+              <a:ext cx="1787216" cy="369332"/>
+            </a:xfrm>
+            <a:prstGeom prst="rect">
+              <a:avLst/>
+            </a:prstGeom>
+            <a:noFill/>
+          </p:spPr>
+          <p:txBody>
+            <a:bodyPr wrap="square" rtlCol="1">
+              <a:spAutoFit/>
+            </a:bodyPr>
+            <a:lstStyle/>
+            <a:p>
+              <a:pPr algn="l" rtl="0"/>
+              <a:r>
+                <a:rPr lang="en-US" b="1" dirty="0"/>
+                <a:t>4.5 </a:t>
+              </a:r>
+              <a:r>
+                <a:rPr lang="en-US" dirty="0"/>
+                <a:t>(123)</a:t>
+              </a:r>
+              <a:endParaRPr lang="he-IL" b="1" dirty="0"/>
+            </a:p>
+          </p:txBody>
+        </p:sp>
+      </p:grpSp>
     </p:spTree>
     <p:extLst>
       <p:ext uri="{BB962C8B-B14F-4D97-AF65-F5344CB8AC3E}">
-        <p14:creationId xmlns:p14="http://schemas.microsoft.com/office/powerpoint/2010/main" val="3069624118"/>
+        <p14:creationId xmlns:p14="http://schemas.microsoft.com/office/powerpoint/2010/main" val="1708954625"/>
       </p:ext>
     </p:extLst>
   </p:cSld>
@@ -5382,8 +6924,8 @@
         </p:nvSpPr>
         <p:spPr>
           <a:xfrm>
-            <a:off x="4598039" y="1237975"/>
-            <a:ext cx="3215945" cy="646331"/>
+            <a:off x="7629253" y="1237975"/>
+            <a:ext cx="184731" cy="646331"/>
           </a:xfrm>
           <a:prstGeom prst="rect">
             <a:avLst/>
@@ -5396,10 +6938,6 @@
           </a:bodyPr>
           <a:lstStyle/>
           <a:p>
-            <a:r>
-              <a:rPr lang="en-US" sz="3600" dirty="0"/>
-              <a:t>Hello someone</a:t>
-            </a:r>
             <a:endParaRPr lang="he-IL" sz="3600" dirty="0"/>
           </a:p>
         </p:txBody>
@@ -5494,13 +7032,13 @@
             <p:nvPr/>
           </p:nvPicPr>
           <p:blipFill>
-            <a:blip r:embed="rId2">
+            <a:blip r:embed="rId3">
               <a:extLst>
                 <a:ext uri="{28A0092B-C50C-407E-A947-70E740481C1C}">
                   <a14:useLocalDpi xmlns:a14="http://schemas.microsoft.com/office/drawing/2010/main" val="0"/>
                 </a:ext>
                 <a:ext uri="{96DAC541-7B7A-43D3-8B79-37D633B846F1}">
-                  <asvg:svgBlip xmlns:asvg="http://schemas.microsoft.com/office/drawing/2016/SVG/main" r:embed="rId3"/>
+                  <asvg:svgBlip xmlns:asvg="http://schemas.microsoft.com/office/drawing/2016/SVG/main" r:embed="rId4"/>
                 </a:ext>
               </a:extLst>
             </a:blip>
@@ -5533,7 +7071,7 @@
             <p:nvPr/>
           </p:nvPicPr>
           <p:blipFill>
-            <a:blip r:embed="rId4">
+            <a:blip r:embed="rId5">
               <a:extLst>
                 <a:ext uri="{28A0092B-C50C-407E-A947-70E740481C1C}">
                   <a14:useLocalDpi xmlns:a14="http://schemas.microsoft.com/office/drawing/2010/main" val="0"/>
@@ -5565,22 +7103,120 @@
             </a:extLst>
           </p:spPr>
         </p:pic>
+      </p:grpSp>
+      <p:grpSp>
+        <p:nvGrpSpPr>
+          <p:cNvPr id="2" name="קבוצה 1">
+            <a:extLst>
+              <a:ext uri="{FF2B5EF4-FFF2-40B4-BE49-F238E27FC236}">
+                <a16:creationId xmlns:a16="http://schemas.microsoft.com/office/drawing/2014/main" id="{C0ACBF88-0CFE-78C9-43F5-1D477C55EC25}"/>
+              </a:ext>
+            </a:extLst>
+          </p:cNvPr>
+          <p:cNvGrpSpPr/>
+          <p:nvPr/>
+        </p:nvGrpSpPr>
+        <p:grpSpPr>
+          <a:xfrm>
+            <a:off x="2757124" y="993379"/>
+            <a:ext cx="7216435" cy="5864621"/>
+            <a:chOff x="276774" y="3429000"/>
+            <a:chExt cx="3733754" cy="3255579"/>
+          </a:xfrm>
+        </p:grpSpPr>
         <p:sp>
           <p:nvSpPr>
-            <p:cNvPr id="17" name="תיבת טקסט 16">
-              <a:extLst>
-                <a:ext uri="{FF2B5EF4-FFF2-40B4-BE49-F238E27FC236}">
-                  <a16:creationId xmlns:a16="http://schemas.microsoft.com/office/drawing/2014/main" id="{250A3D96-D95F-C114-06CE-74460847E5A4}"/>
-                </a:ext>
-              </a:extLst>
-            </p:cNvPr>
-            <p:cNvSpPr txBox="1"/>
+            <p:cNvPr id="3" name="מלבן: פינות מעוגלות 2">
+              <a:extLst>
+                <a:ext uri="{FF2B5EF4-FFF2-40B4-BE49-F238E27FC236}">
+                  <a16:creationId xmlns:a16="http://schemas.microsoft.com/office/drawing/2014/main" id="{BCD0F45B-FAEE-E680-EE12-FC86CCFEC465}"/>
+                </a:ext>
+              </a:extLst>
+            </p:cNvPr>
+            <p:cNvSpPr/>
             <p:nvPr/>
           </p:nvSpPr>
           <p:spPr>
             <a:xfrm>
-              <a:off x="9973559" y="253677"/>
-              <a:ext cx="1187777" cy="369332"/>
+              <a:off x="304802" y="3429000"/>
+              <a:ext cx="3705726" cy="3255579"/>
+            </a:xfrm>
+            <a:prstGeom prst="roundRect">
+              <a:avLst/>
+            </a:prstGeom>
+            <a:noFill/>
+          </p:spPr>
+          <p:style>
+            <a:lnRef idx="2">
+              <a:schemeClr val="accent1">
+                <a:shade val="15000"/>
+              </a:schemeClr>
+            </a:lnRef>
+            <a:fillRef idx="1">
+              <a:schemeClr val="accent1"/>
+            </a:fillRef>
+            <a:effectRef idx="0">
+              <a:schemeClr val="accent1"/>
+            </a:effectRef>
+            <a:fontRef idx="minor">
+              <a:schemeClr val="lt1"/>
+            </a:fontRef>
+          </p:style>
+          <p:txBody>
+            <a:bodyPr rtlCol="1" anchor="ctr"/>
+            <a:lstStyle/>
+            <a:p>
+              <a:pPr algn="ctr"/>
+              <a:endParaRPr lang="he-IL"/>
+            </a:p>
+          </p:txBody>
+        </p:sp>
+        <p:pic>
+          <p:nvPicPr>
+            <p:cNvPr id="5" name="תמונה 4">
+              <a:extLst>
+                <a:ext uri="{FF2B5EF4-FFF2-40B4-BE49-F238E27FC236}">
+                  <a16:creationId xmlns:a16="http://schemas.microsoft.com/office/drawing/2014/main" id="{0314F3DD-465F-354E-BAEA-09AFFE89EFA5}"/>
+                </a:ext>
+              </a:extLst>
+            </p:cNvPr>
+            <p:cNvPicPr>
+              <a:picLocks noChangeAspect="1"/>
+            </p:cNvPicPr>
+            <p:nvPr/>
+          </p:nvPicPr>
+          <p:blipFill>
+            <a:blip r:embed="rId6"/>
+            <a:stretch>
+              <a:fillRect/>
+            </a:stretch>
+          </p:blipFill>
+          <p:spPr>
+            <a:xfrm flipH="1">
+              <a:off x="1456331" y="3616486"/>
+              <a:ext cx="1510471" cy="1007484"/>
+            </a:xfrm>
+            <a:prstGeom prst="rect">
+              <a:avLst/>
+            </a:prstGeom>
+          </p:spPr>
+        </p:pic>
+        <p:sp>
+          <p:nvSpPr>
+            <p:cNvPr id="6" name="תיבת טקסט 5">
+              <a:extLst>
+                <a:ext uri="{FF2B5EF4-FFF2-40B4-BE49-F238E27FC236}">
+                  <a16:creationId xmlns:a16="http://schemas.microsoft.com/office/drawing/2014/main" id="{F7A2F5BE-4495-197D-75B5-6F1D505BD7FA}"/>
+                </a:ext>
+              </a:extLst>
+            </p:cNvPr>
+            <p:cNvSpPr txBox="1"/>
+            <p:nvPr/>
+          </p:nvSpPr>
+          <p:spPr>
+            <a:xfrm>
+              <a:off x="276774" y="4688745"/>
+              <a:ext cx="2359115" cy="461665"/>
             </a:xfrm>
             <a:prstGeom prst="rect">
               <a:avLst/>
@@ -5594,14 +7230,1344 @@
             <a:lstStyle/>
             <a:p>
               <a:r>
+                <a:rPr lang="en-US" sz="2400" b="1" dirty="0"/>
+                <a:t>Hotel </a:t>
+              </a:r>
+              <a:r>
+                <a:rPr lang="en-US" sz="2400" b="1" dirty="0" err="1"/>
+                <a:t>blabla</a:t>
+              </a:r>
+              <a:endParaRPr lang="he-IL" sz="2400" b="1" dirty="0"/>
+            </a:p>
+          </p:txBody>
+        </p:sp>
+        <p:sp>
+          <p:nvSpPr>
+            <p:cNvPr id="7" name="תיבת טקסט 6">
+              <a:extLst>
+                <a:ext uri="{FF2B5EF4-FFF2-40B4-BE49-F238E27FC236}">
+                  <a16:creationId xmlns:a16="http://schemas.microsoft.com/office/drawing/2014/main" id="{061B9377-A5A1-558D-2C25-573D8994EAD3}"/>
+                </a:ext>
+              </a:extLst>
+            </p:cNvPr>
+            <p:cNvSpPr txBox="1"/>
+            <p:nvPr/>
+          </p:nvSpPr>
+          <p:spPr>
+            <a:xfrm>
+              <a:off x="672010" y="4949521"/>
+              <a:ext cx="2075336" cy="646331"/>
+            </a:xfrm>
+            <a:prstGeom prst="rect">
+              <a:avLst/>
+            </a:prstGeom>
+            <a:noFill/>
+          </p:spPr>
+          <p:txBody>
+            <a:bodyPr wrap="square" rtlCol="1">
+              <a:spAutoFit/>
+            </a:bodyPr>
+            <a:lstStyle/>
+            <a:p>
+              <a:pPr algn="l"/>
+              <a:r>
                 <a:rPr lang="en-US" dirty="0"/>
-                <a:t>logout</a:t>
+                <a:t>Details for example….</a:t>
               </a:r>
               <a:endParaRPr lang="he-IL" dirty="0"/>
             </a:p>
           </p:txBody>
         </p:sp>
+        <p:sp>
+          <p:nvSpPr>
+            <p:cNvPr id="8" name="כוכב: 5 פינות 7">
+              <a:extLst>
+                <a:ext uri="{FF2B5EF4-FFF2-40B4-BE49-F238E27FC236}">
+                  <a16:creationId xmlns:a16="http://schemas.microsoft.com/office/drawing/2014/main" id="{CBD472AB-0EF7-0771-B35E-82DEC64FF0EF}"/>
+                </a:ext>
+              </a:extLst>
+            </p:cNvPr>
+            <p:cNvSpPr/>
+            <p:nvPr/>
+          </p:nvSpPr>
+          <p:spPr>
+            <a:xfrm>
+              <a:off x="631745" y="5573315"/>
+              <a:ext cx="329358" cy="266159"/>
+            </a:xfrm>
+            <a:prstGeom prst="star5">
+              <a:avLst/>
+            </a:prstGeom>
+          </p:spPr>
+          <p:style>
+            <a:lnRef idx="2">
+              <a:schemeClr val="accent1">
+                <a:shade val="15000"/>
+              </a:schemeClr>
+            </a:lnRef>
+            <a:fillRef idx="1">
+              <a:schemeClr val="accent1"/>
+            </a:fillRef>
+            <a:effectRef idx="0">
+              <a:schemeClr val="accent1"/>
+            </a:effectRef>
+            <a:fontRef idx="minor">
+              <a:schemeClr val="lt1"/>
+            </a:fontRef>
+          </p:style>
+          <p:txBody>
+            <a:bodyPr rtlCol="1" anchor="ctr"/>
+            <a:lstStyle/>
+            <a:p>
+              <a:pPr algn="ctr"/>
+              <a:endParaRPr lang="he-IL"/>
+            </a:p>
+          </p:txBody>
+        </p:sp>
+        <p:sp>
+          <p:nvSpPr>
+            <p:cNvPr id="9" name="תיבת טקסט 8">
+              <a:extLst>
+                <a:ext uri="{FF2B5EF4-FFF2-40B4-BE49-F238E27FC236}">
+                  <a16:creationId xmlns:a16="http://schemas.microsoft.com/office/drawing/2014/main" id="{5E09CDC4-C4DD-6DA1-BF3F-E06F3C86A463}"/>
+                </a:ext>
+              </a:extLst>
+            </p:cNvPr>
+            <p:cNvSpPr txBox="1"/>
+            <p:nvPr/>
+          </p:nvSpPr>
+          <p:spPr>
+            <a:xfrm>
+              <a:off x="1058167" y="5612873"/>
+              <a:ext cx="1787216" cy="369332"/>
+            </a:xfrm>
+            <a:prstGeom prst="rect">
+              <a:avLst/>
+            </a:prstGeom>
+            <a:noFill/>
+          </p:spPr>
+          <p:txBody>
+            <a:bodyPr wrap="square" rtlCol="1">
+              <a:spAutoFit/>
+            </a:bodyPr>
+            <a:lstStyle/>
+            <a:p>
+              <a:pPr algn="l" rtl="0"/>
+              <a:r>
+                <a:rPr lang="en-US" b="1" dirty="0"/>
+                <a:t>4.5 </a:t>
+              </a:r>
+              <a:r>
+                <a:rPr lang="en-US" dirty="0"/>
+                <a:t>(123)</a:t>
+              </a:r>
+              <a:endParaRPr lang="he-IL" b="1" dirty="0"/>
+            </a:p>
+          </p:txBody>
+        </p:sp>
       </p:grpSp>
+      <p:pic>
+        <p:nvPicPr>
+          <p:cNvPr id="15" name="תמונה 14">
+            <a:extLst>
+              <a:ext uri="{FF2B5EF4-FFF2-40B4-BE49-F238E27FC236}">
+                <a16:creationId xmlns:a16="http://schemas.microsoft.com/office/drawing/2014/main" id="{F6B49AF2-B0B5-1F2A-D056-9EB460EA9822}"/>
+              </a:ext>
+            </a:extLst>
+          </p:cNvPr>
+          <p:cNvPicPr>
+            <a:picLocks noChangeAspect="1"/>
+          </p:cNvPicPr>
+          <p:nvPr/>
+        </p:nvPicPr>
+        <p:blipFill>
+          <a:blip r:embed="rId7"/>
+          <a:stretch>
+            <a:fillRect/>
+          </a:stretch>
+        </p:blipFill>
+        <p:spPr>
+          <a:xfrm>
+            <a:off x="3176851" y="1237975"/>
+            <a:ext cx="646331" cy="646331"/>
+          </a:xfrm>
+          <a:prstGeom prst="rect">
+            <a:avLst/>
+          </a:prstGeom>
+        </p:spPr>
+      </p:pic>
+      <p:pic>
+        <p:nvPicPr>
+          <p:cNvPr id="18" name="תמונה 17">
+            <a:extLst>
+              <a:ext uri="{FF2B5EF4-FFF2-40B4-BE49-F238E27FC236}">
+                <a16:creationId xmlns:a16="http://schemas.microsoft.com/office/drawing/2014/main" id="{245B15FD-614A-E368-7B90-674A45028C4B}"/>
+              </a:ext>
+            </a:extLst>
+          </p:cNvPr>
+          <p:cNvPicPr>
+            <a:picLocks noChangeAspect="1"/>
+          </p:cNvPicPr>
+          <p:nvPr/>
+        </p:nvPicPr>
+        <p:blipFill>
+          <a:blip r:embed="rId8"/>
+          <a:stretch>
+            <a:fillRect/>
+          </a:stretch>
+        </p:blipFill>
+        <p:spPr>
+          <a:xfrm>
+            <a:off x="3919500" y="1322135"/>
+            <a:ext cx="573199" cy="573199"/>
+          </a:xfrm>
+          <a:prstGeom prst="rect">
+            <a:avLst/>
+          </a:prstGeom>
+        </p:spPr>
+      </p:pic>
+    </p:spTree>
+    <p:extLst>
+      <p:ext uri="{BB962C8B-B14F-4D97-AF65-F5344CB8AC3E}">
+        <p14:creationId xmlns:p14="http://schemas.microsoft.com/office/powerpoint/2010/main" val="3629976747"/>
+      </p:ext>
+    </p:extLst>
+  </p:cSld>
+  <p:clrMapOvr>
+    <a:masterClrMapping/>
+  </p:clrMapOvr>
+</p:sld>
+</file>
+
+<file path=ppt/slides/slide13.xml><?xml version="1.0" encoding="utf-8"?>
+<p:sld xmlns:a="http://schemas.openxmlformats.org/drawingml/2006/main" xmlns:r="http://schemas.openxmlformats.org/officeDocument/2006/relationships" xmlns:p="http://schemas.openxmlformats.org/presentationml/2006/main">
+  <p:cSld>
+    <p:spTree>
+      <p:nvGrpSpPr>
+        <p:cNvPr id="1" name=""/>
+        <p:cNvGrpSpPr/>
+        <p:nvPr/>
+      </p:nvGrpSpPr>
+      <p:grpSpPr>
+        <a:xfrm>
+          <a:off x="0" y="0"/>
+          <a:ext cx="0" cy="0"/>
+          <a:chOff x="0" y="0"/>
+          <a:chExt cx="0" cy="0"/>
+        </a:xfrm>
+      </p:grpSpPr>
+      <p:sp>
+        <p:nvSpPr>
+          <p:cNvPr id="11" name="תיבת טקסט 10">
+            <a:extLst>
+              <a:ext uri="{FF2B5EF4-FFF2-40B4-BE49-F238E27FC236}">
+                <a16:creationId xmlns:a16="http://schemas.microsoft.com/office/drawing/2014/main" id="{5CC8E405-E04A-04FC-2070-649411D03FD0}"/>
+              </a:ext>
+            </a:extLst>
+          </p:cNvPr>
+          <p:cNvSpPr txBox="1"/>
+          <p:nvPr/>
+        </p:nvSpPr>
+        <p:spPr>
+          <a:xfrm>
+            <a:off x="7629253" y="1237975"/>
+            <a:ext cx="184731" cy="646331"/>
+          </a:xfrm>
+          <a:prstGeom prst="rect">
+            <a:avLst/>
+          </a:prstGeom>
+          <a:noFill/>
+        </p:spPr>
+        <p:txBody>
+          <a:bodyPr wrap="none" rtlCol="1">
+            <a:spAutoFit/>
+          </a:bodyPr>
+          <a:lstStyle/>
+          <a:p>
+            <a:endParaRPr lang="he-IL" sz="3600" dirty="0"/>
+          </a:p>
+        </p:txBody>
+      </p:sp>
+      <p:grpSp>
+        <p:nvGrpSpPr>
+          <p:cNvPr id="21" name="קבוצה 20">
+            <a:extLst>
+              <a:ext uri="{FF2B5EF4-FFF2-40B4-BE49-F238E27FC236}">
+                <a16:creationId xmlns:a16="http://schemas.microsoft.com/office/drawing/2014/main" id="{951781EC-B392-EDB2-D62D-BC473B9361D6}"/>
+              </a:ext>
+            </a:extLst>
+          </p:cNvPr>
+          <p:cNvGrpSpPr/>
+          <p:nvPr/>
+        </p:nvGrpSpPr>
+        <p:grpSpPr>
+          <a:xfrm>
+            <a:off x="0" y="0"/>
+            <a:ext cx="12192000" cy="876693"/>
+            <a:chOff x="0" y="0"/>
+            <a:chExt cx="12192000" cy="876693"/>
+          </a:xfrm>
+        </p:grpSpPr>
+        <p:sp>
+          <p:nvSpPr>
+            <p:cNvPr id="4" name="מלבן 3">
+              <a:extLst>
+                <a:ext uri="{FF2B5EF4-FFF2-40B4-BE49-F238E27FC236}">
+                  <a16:creationId xmlns:a16="http://schemas.microsoft.com/office/drawing/2014/main" id="{CB91D664-4127-70EB-AC03-4698C5C77367}"/>
+                </a:ext>
+              </a:extLst>
+            </p:cNvPr>
+            <p:cNvSpPr/>
+            <p:nvPr/>
+          </p:nvSpPr>
+          <p:spPr>
+            <a:xfrm>
+              <a:off x="0" y="0"/>
+              <a:ext cx="12192000" cy="876693"/>
+            </a:xfrm>
+            <a:prstGeom prst="rect">
+              <a:avLst/>
+            </a:prstGeom>
+            <a:solidFill>
+              <a:schemeClr val="accent1">
+                <a:lumMod val="40000"/>
+                <a:lumOff val="60000"/>
+              </a:schemeClr>
+            </a:solidFill>
+            <a:ln cap="rnd">
+              <a:round/>
+            </a:ln>
+          </p:spPr>
+          <p:style>
+            <a:lnRef idx="2">
+              <a:schemeClr val="accent1">
+                <a:shade val="15000"/>
+              </a:schemeClr>
+            </a:lnRef>
+            <a:fillRef idx="1">
+              <a:schemeClr val="accent1"/>
+            </a:fillRef>
+            <a:effectRef idx="0">
+              <a:schemeClr val="accent1"/>
+            </a:effectRef>
+            <a:fontRef idx="minor">
+              <a:schemeClr val="lt1"/>
+            </a:fontRef>
+          </p:style>
+          <p:txBody>
+            <a:bodyPr rtlCol="1" anchor="ctr"/>
+            <a:lstStyle/>
+            <a:p>
+              <a:pPr algn="ctr"/>
+              <a:endParaRPr lang="he-IL" dirty="0"/>
+            </a:p>
+          </p:txBody>
+        </p:sp>
+        <p:pic>
+          <p:nvPicPr>
+            <p:cNvPr id="10" name="גרפיקה 9">
+              <a:extLst>
+                <a:ext uri="{FF2B5EF4-FFF2-40B4-BE49-F238E27FC236}">
+                  <a16:creationId xmlns:a16="http://schemas.microsoft.com/office/drawing/2014/main" id="{A0772001-C86D-2224-298C-9B7D2B6B6791}"/>
+                </a:ext>
+              </a:extLst>
+            </p:cNvPr>
+            <p:cNvPicPr>
+              <a:picLocks noChangeAspect="1"/>
+            </p:cNvPicPr>
+            <p:nvPr/>
+          </p:nvPicPr>
+          <p:blipFill>
+            <a:blip r:embed="rId3">
+              <a:extLst>
+                <a:ext uri="{28A0092B-C50C-407E-A947-70E740481C1C}">
+                  <a14:useLocalDpi xmlns:a14="http://schemas.microsoft.com/office/drawing/2010/main" val="0"/>
+                </a:ext>
+                <a:ext uri="{96DAC541-7B7A-43D3-8B79-37D633B846F1}">
+                  <asvg:svgBlip xmlns:asvg="http://schemas.microsoft.com/office/drawing/2016/SVG/main" r:embed="rId4"/>
+                </a:ext>
+              </a:extLst>
+            </a:blip>
+            <a:stretch>
+              <a:fillRect/>
+            </a:stretch>
+          </p:blipFill>
+          <p:spPr>
+            <a:xfrm>
+              <a:off x="159470" y="42026"/>
+              <a:ext cx="792637" cy="792637"/>
+            </a:xfrm>
+            <a:prstGeom prst="rect">
+              <a:avLst/>
+            </a:prstGeom>
+          </p:spPr>
+        </p:pic>
+        <p:pic>
+          <p:nvPicPr>
+            <p:cNvPr id="3074" name="Picture 2" descr="speech">
+              <a:extLst>
+                <a:ext uri="{FF2B5EF4-FFF2-40B4-BE49-F238E27FC236}">
+                  <a16:creationId xmlns:a16="http://schemas.microsoft.com/office/drawing/2014/main" id="{74836A81-62A0-12D2-04FE-3EFF63D542EE}"/>
+                </a:ext>
+              </a:extLst>
+            </p:cNvPr>
+            <p:cNvPicPr>
+              <a:picLocks noChangeAspect="1" noChangeArrowheads="1"/>
+            </p:cNvPicPr>
+            <p:nvPr/>
+          </p:nvPicPr>
+          <p:blipFill>
+            <a:blip r:embed="rId5">
+              <a:extLst>
+                <a:ext uri="{28A0092B-C50C-407E-A947-70E740481C1C}">
+                  <a14:useLocalDpi xmlns:a14="http://schemas.microsoft.com/office/drawing/2010/main" val="0"/>
+                </a:ext>
+              </a:extLst>
+            </a:blip>
+            <a:srcRect/>
+            <a:stretch>
+              <a:fillRect/>
+            </a:stretch>
+          </p:blipFill>
+          <p:spPr bwMode="auto">
+            <a:xfrm>
+              <a:off x="11434712" y="105214"/>
+              <a:ext cx="666259" cy="666259"/>
+            </a:xfrm>
+            <a:prstGeom prst="rect">
+              <a:avLst/>
+            </a:prstGeom>
+            <a:noFill/>
+            <a:extLst>
+              <a:ext uri="{909E8E84-426E-40DD-AFC4-6F175D3DCCD1}">
+                <a14:hiddenFill xmlns:a14="http://schemas.microsoft.com/office/drawing/2010/main">
+                  <a:solidFill>
+                    <a:srgbClr val="FFFFFF"/>
+                  </a:solidFill>
+                </a14:hiddenFill>
+              </a:ext>
+            </a:extLst>
+          </p:spPr>
+        </p:pic>
+      </p:grpSp>
+      <p:grpSp>
+        <p:nvGrpSpPr>
+          <p:cNvPr id="2" name="קבוצה 1">
+            <a:extLst>
+              <a:ext uri="{FF2B5EF4-FFF2-40B4-BE49-F238E27FC236}">
+                <a16:creationId xmlns:a16="http://schemas.microsoft.com/office/drawing/2014/main" id="{C0ACBF88-0CFE-78C9-43F5-1D477C55EC25}"/>
+              </a:ext>
+            </a:extLst>
+          </p:cNvPr>
+          <p:cNvGrpSpPr/>
+          <p:nvPr/>
+        </p:nvGrpSpPr>
+        <p:grpSpPr>
+          <a:xfrm>
+            <a:off x="2811295" y="993379"/>
+            <a:ext cx="7162264" cy="5864621"/>
+            <a:chOff x="304802" y="3429000"/>
+            <a:chExt cx="3705726" cy="3255579"/>
+          </a:xfrm>
+        </p:grpSpPr>
+        <p:sp>
+          <p:nvSpPr>
+            <p:cNvPr id="3" name="מלבן: פינות מעוגלות 2">
+              <a:extLst>
+                <a:ext uri="{FF2B5EF4-FFF2-40B4-BE49-F238E27FC236}">
+                  <a16:creationId xmlns:a16="http://schemas.microsoft.com/office/drawing/2014/main" id="{BCD0F45B-FAEE-E680-EE12-FC86CCFEC465}"/>
+                </a:ext>
+              </a:extLst>
+            </p:cNvPr>
+            <p:cNvSpPr/>
+            <p:nvPr/>
+          </p:nvSpPr>
+          <p:spPr>
+            <a:xfrm>
+              <a:off x="304802" y="3429000"/>
+              <a:ext cx="3705726" cy="3255579"/>
+            </a:xfrm>
+            <a:prstGeom prst="roundRect">
+              <a:avLst/>
+            </a:prstGeom>
+            <a:noFill/>
+          </p:spPr>
+          <p:style>
+            <a:lnRef idx="2">
+              <a:schemeClr val="accent1">
+                <a:shade val="15000"/>
+              </a:schemeClr>
+            </a:lnRef>
+            <a:fillRef idx="1">
+              <a:schemeClr val="accent1"/>
+            </a:fillRef>
+            <a:effectRef idx="0">
+              <a:schemeClr val="accent1"/>
+            </a:effectRef>
+            <a:fontRef idx="minor">
+              <a:schemeClr val="lt1"/>
+            </a:fontRef>
+          </p:style>
+          <p:txBody>
+            <a:bodyPr rtlCol="1" anchor="ctr"/>
+            <a:lstStyle/>
+            <a:p>
+              <a:pPr algn="ctr"/>
+              <a:endParaRPr lang="he-IL"/>
+            </a:p>
+          </p:txBody>
+        </p:sp>
+        <p:pic>
+          <p:nvPicPr>
+            <p:cNvPr id="5" name="תמונה 4">
+              <a:extLst>
+                <a:ext uri="{FF2B5EF4-FFF2-40B4-BE49-F238E27FC236}">
+                  <a16:creationId xmlns:a16="http://schemas.microsoft.com/office/drawing/2014/main" id="{0314F3DD-465F-354E-BAEA-09AFFE89EFA5}"/>
+                </a:ext>
+              </a:extLst>
+            </p:cNvPr>
+            <p:cNvPicPr>
+              <a:picLocks noChangeAspect="1"/>
+            </p:cNvPicPr>
+            <p:nvPr/>
+          </p:nvPicPr>
+          <p:blipFill>
+            <a:blip r:embed="rId6"/>
+            <a:stretch>
+              <a:fillRect/>
+            </a:stretch>
+          </p:blipFill>
+          <p:spPr>
+            <a:xfrm flipH="1">
+              <a:off x="1441232" y="3746086"/>
+              <a:ext cx="1510471" cy="1007484"/>
+            </a:xfrm>
+            <a:prstGeom prst="rect">
+              <a:avLst/>
+            </a:prstGeom>
+          </p:spPr>
+        </p:pic>
+        <p:sp>
+          <p:nvSpPr>
+            <p:cNvPr id="6" name="תיבת טקסט 5">
+              <a:extLst>
+                <a:ext uri="{FF2B5EF4-FFF2-40B4-BE49-F238E27FC236}">
+                  <a16:creationId xmlns:a16="http://schemas.microsoft.com/office/drawing/2014/main" id="{F7A2F5BE-4495-197D-75B5-6F1D505BD7FA}"/>
+                </a:ext>
+              </a:extLst>
+            </p:cNvPr>
+            <p:cNvSpPr txBox="1"/>
+            <p:nvPr/>
+          </p:nvSpPr>
+          <p:spPr>
+            <a:xfrm>
+              <a:off x="304802" y="4760610"/>
+              <a:ext cx="2359115" cy="461665"/>
+            </a:xfrm>
+            <a:prstGeom prst="rect">
+              <a:avLst/>
+            </a:prstGeom>
+            <a:noFill/>
+          </p:spPr>
+          <p:txBody>
+            <a:bodyPr wrap="square" rtlCol="1">
+              <a:spAutoFit/>
+            </a:bodyPr>
+            <a:lstStyle/>
+            <a:p>
+              <a:r>
+                <a:rPr lang="en-US" sz="2400" b="1" dirty="0"/>
+                <a:t>Hotel </a:t>
+              </a:r>
+              <a:r>
+                <a:rPr lang="en-US" sz="2400" b="1" dirty="0" err="1"/>
+                <a:t>blabla</a:t>
+              </a:r>
+              <a:endParaRPr lang="he-IL" sz="2400" b="1" dirty="0"/>
+            </a:p>
+          </p:txBody>
+        </p:sp>
+        <p:sp>
+          <p:nvSpPr>
+            <p:cNvPr id="7" name="תיבת טקסט 6">
+              <a:extLst>
+                <a:ext uri="{FF2B5EF4-FFF2-40B4-BE49-F238E27FC236}">
+                  <a16:creationId xmlns:a16="http://schemas.microsoft.com/office/drawing/2014/main" id="{061B9377-A5A1-558D-2C25-573D8994EAD3}"/>
+                </a:ext>
+              </a:extLst>
+            </p:cNvPr>
+            <p:cNvSpPr txBox="1"/>
+            <p:nvPr/>
+          </p:nvSpPr>
+          <p:spPr>
+            <a:xfrm>
+              <a:off x="618651" y="5028739"/>
+              <a:ext cx="2075336" cy="646331"/>
+            </a:xfrm>
+            <a:prstGeom prst="rect">
+              <a:avLst/>
+            </a:prstGeom>
+            <a:noFill/>
+          </p:spPr>
+          <p:txBody>
+            <a:bodyPr wrap="square" rtlCol="1">
+              <a:spAutoFit/>
+            </a:bodyPr>
+            <a:lstStyle/>
+            <a:p>
+              <a:pPr algn="l"/>
+              <a:r>
+                <a:rPr lang="en-US" dirty="0"/>
+                <a:t>Details for example….</a:t>
+              </a:r>
+              <a:endParaRPr lang="he-IL" dirty="0"/>
+            </a:p>
+          </p:txBody>
+        </p:sp>
+        <p:sp>
+          <p:nvSpPr>
+            <p:cNvPr id="8" name="כוכב: 5 פינות 7">
+              <a:extLst>
+                <a:ext uri="{FF2B5EF4-FFF2-40B4-BE49-F238E27FC236}">
+                  <a16:creationId xmlns:a16="http://schemas.microsoft.com/office/drawing/2014/main" id="{CBD472AB-0EF7-0771-B35E-82DEC64FF0EF}"/>
+                </a:ext>
+              </a:extLst>
+            </p:cNvPr>
+            <p:cNvSpPr/>
+            <p:nvPr/>
+          </p:nvSpPr>
+          <p:spPr>
+            <a:xfrm>
+              <a:off x="631745" y="5573315"/>
+              <a:ext cx="329358" cy="266159"/>
+            </a:xfrm>
+            <a:prstGeom prst="star5">
+              <a:avLst/>
+            </a:prstGeom>
+          </p:spPr>
+          <p:style>
+            <a:lnRef idx="2">
+              <a:schemeClr val="accent1">
+                <a:shade val="15000"/>
+              </a:schemeClr>
+            </a:lnRef>
+            <a:fillRef idx="1">
+              <a:schemeClr val="accent1"/>
+            </a:fillRef>
+            <a:effectRef idx="0">
+              <a:schemeClr val="accent1"/>
+            </a:effectRef>
+            <a:fontRef idx="minor">
+              <a:schemeClr val="lt1"/>
+            </a:fontRef>
+          </p:style>
+          <p:txBody>
+            <a:bodyPr rtlCol="1" anchor="ctr"/>
+            <a:lstStyle/>
+            <a:p>
+              <a:pPr algn="ctr"/>
+              <a:endParaRPr lang="he-IL"/>
+            </a:p>
+          </p:txBody>
+        </p:sp>
+        <p:sp>
+          <p:nvSpPr>
+            <p:cNvPr id="9" name="תיבת טקסט 8">
+              <a:extLst>
+                <a:ext uri="{FF2B5EF4-FFF2-40B4-BE49-F238E27FC236}">
+                  <a16:creationId xmlns:a16="http://schemas.microsoft.com/office/drawing/2014/main" id="{5E09CDC4-C4DD-6DA1-BF3F-E06F3C86A463}"/>
+                </a:ext>
+              </a:extLst>
+            </p:cNvPr>
+            <p:cNvSpPr txBox="1"/>
+            <p:nvPr/>
+          </p:nvSpPr>
+          <p:spPr>
+            <a:xfrm>
+              <a:off x="1058167" y="5612873"/>
+              <a:ext cx="1787216" cy="369332"/>
+            </a:xfrm>
+            <a:prstGeom prst="rect">
+              <a:avLst/>
+            </a:prstGeom>
+            <a:noFill/>
+          </p:spPr>
+          <p:txBody>
+            <a:bodyPr wrap="square" rtlCol="1">
+              <a:spAutoFit/>
+            </a:bodyPr>
+            <a:lstStyle/>
+            <a:p>
+              <a:pPr algn="l" rtl="0"/>
+              <a:r>
+                <a:rPr lang="en-US" b="1" dirty="0"/>
+                <a:t>4.5 </a:t>
+              </a:r>
+              <a:r>
+                <a:rPr lang="en-US" dirty="0"/>
+                <a:t>(123)</a:t>
+              </a:r>
+              <a:endParaRPr lang="he-IL" b="1" dirty="0"/>
+            </a:p>
+          </p:txBody>
+        </p:sp>
+      </p:grpSp>
+      <p:sp>
+        <p:nvSpPr>
+          <p:cNvPr id="12" name="מלבן: פינות מעוגלות 11">
+            <a:extLst>
+              <a:ext uri="{FF2B5EF4-FFF2-40B4-BE49-F238E27FC236}">
+                <a16:creationId xmlns:a16="http://schemas.microsoft.com/office/drawing/2014/main" id="{93585FFA-BA1B-A127-45BA-90E365EA1529}"/>
+              </a:ext>
+            </a:extLst>
+          </p:cNvPr>
+          <p:cNvSpPr/>
+          <p:nvPr/>
+        </p:nvSpPr>
+        <p:spPr>
+          <a:xfrm>
+            <a:off x="3557922" y="5795155"/>
+            <a:ext cx="2071992" cy="604583"/>
+          </a:xfrm>
+          <a:prstGeom prst="roundRect">
+            <a:avLst/>
+          </a:prstGeom>
+        </p:spPr>
+        <p:style>
+          <a:lnRef idx="2">
+            <a:schemeClr val="accent1">
+              <a:shade val="15000"/>
+            </a:schemeClr>
+          </a:lnRef>
+          <a:fillRef idx="1">
+            <a:schemeClr val="accent1"/>
+          </a:fillRef>
+          <a:effectRef idx="0">
+            <a:schemeClr val="accent1"/>
+          </a:effectRef>
+          <a:fontRef idx="minor">
+            <a:schemeClr val="lt1"/>
+          </a:fontRef>
+        </p:style>
+        <p:txBody>
+          <a:bodyPr rtlCol="1" anchor="ctr"/>
+          <a:lstStyle/>
+          <a:p>
+            <a:pPr algn="ctr"/>
+            <a:r>
+              <a:rPr lang="en-US" dirty="0"/>
+              <a:t>save</a:t>
+            </a:r>
+            <a:endParaRPr lang="he-IL" dirty="0"/>
+          </a:p>
+        </p:txBody>
+      </p:sp>
+      <p:sp>
+        <p:nvSpPr>
+          <p:cNvPr id="13" name="מלבן: פינות מעוגלות 12">
+            <a:extLst>
+              <a:ext uri="{FF2B5EF4-FFF2-40B4-BE49-F238E27FC236}">
+                <a16:creationId xmlns:a16="http://schemas.microsoft.com/office/drawing/2014/main" id="{C39BD656-EA81-7F9E-9750-DE0457052558}"/>
+              </a:ext>
+            </a:extLst>
+          </p:cNvPr>
+          <p:cNvSpPr/>
+          <p:nvPr/>
+        </p:nvSpPr>
+        <p:spPr>
+          <a:xfrm>
+            <a:off x="6096000" y="5783308"/>
+            <a:ext cx="2071992" cy="604583"/>
+          </a:xfrm>
+          <a:prstGeom prst="roundRect">
+            <a:avLst/>
+          </a:prstGeom>
+        </p:spPr>
+        <p:style>
+          <a:lnRef idx="2">
+            <a:schemeClr val="accent1">
+              <a:shade val="15000"/>
+            </a:schemeClr>
+          </a:lnRef>
+          <a:fillRef idx="1">
+            <a:schemeClr val="accent1"/>
+          </a:fillRef>
+          <a:effectRef idx="0">
+            <a:schemeClr val="accent1"/>
+          </a:effectRef>
+          <a:fontRef idx="minor">
+            <a:schemeClr val="lt1"/>
+          </a:fontRef>
+        </p:style>
+        <p:txBody>
+          <a:bodyPr rtlCol="1" anchor="ctr"/>
+          <a:lstStyle/>
+          <a:p>
+            <a:pPr algn="ctr"/>
+            <a:r>
+              <a:rPr lang="en-US" dirty="0"/>
+              <a:t>cancel</a:t>
+            </a:r>
+            <a:endParaRPr lang="he-IL" dirty="0"/>
+          </a:p>
+        </p:txBody>
+      </p:sp>
+      <p:sp>
+        <p:nvSpPr>
+          <p:cNvPr id="15" name="תיבת טקסט 14">
+            <a:extLst>
+              <a:ext uri="{FF2B5EF4-FFF2-40B4-BE49-F238E27FC236}">
+                <a16:creationId xmlns:a16="http://schemas.microsoft.com/office/drawing/2014/main" id="{C40B70F3-F892-18BA-48D4-E9F08D5E3283}"/>
+              </a:ext>
+            </a:extLst>
+          </p:cNvPr>
+          <p:cNvSpPr txBox="1"/>
+          <p:nvPr/>
+        </p:nvSpPr>
+        <p:spPr>
+          <a:xfrm>
+            <a:off x="2811295" y="1064372"/>
+            <a:ext cx="4559594" cy="461665"/>
+          </a:xfrm>
+          <a:prstGeom prst="rect">
+            <a:avLst/>
+          </a:prstGeom>
+          <a:noFill/>
+        </p:spPr>
+        <p:txBody>
+          <a:bodyPr wrap="square" rtlCol="1">
+            <a:spAutoFit/>
+          </a:bodyPr>
+          <a:lstStyle/>
+          <a:p>
+            <a:r>
+              <a:rPr lang="en-US" sz="2400" dirty="0"/>
+              <a:t>Update post</a:t>
+            </a:r>
+            <a:endParaRPr lang="he-IL" sz="2400" dirty="0"/>
+          </a:p>
+        </p:txBody>
+      </p:sp>
+    </p:spTree>
+    <p:extLst>
+      <p:ext uri="{BB962C8B-B14F-4D97-AF65-F5344CB8AC3E}">
+        <p14:creationId xmlns:p14="http://schemas.microsoft.com/office/powerpoint/2010/main" val="3069624118"/>
+      </p:ext>
+    </p:extLst>
+  </p:cSld>
+  <p:clrMapOvr>
+    <a:masterClrMapping/>
+  </p:clrMapOvr>
+</p:sld>
+</file>
+
+<file path=ppt/slides/slide14.xml><?xml version="1.0" encoding="utf-8"?>
+<p:sld xmlns:a="http://schemas.openxmlformats.org/drawingml/2006/main" xmlns:r="http://schemas.openxmlformats.org/officeDocument/2006/relationships" xmlns:p="http://schemas.openxmlformats.org/presentationml/2006/main">
+  <p:cSld>
+    <p:spTree>
+      <p:nvGrpSpPr>
+        <p:cNvPr id="1" name=""/>
+        <p:cNvGrpSpPr/>
+        <p:nvPr/>
+      </p:nvGrpSpPr>
+      <p:grpSpPr>
+        <a:xfrm>
+          <a:off x="0" y="0"/>
+          <a:ext cx="0" cy="0"/>
+          <a:chOff x="0" y="0"/>
+          <a:chExt cx="0" cy="0"/>
+        </a:xfrm>
+      </p:grpSpPr>
+      <p:sp>
+        <p:nvSpPr>
+          <p:cNvPr id="11" name="תיבת טקסט 10">
+            <a:extLst>
+              <a:ext uri="{FF2B5EF4-FFF2-40B4-BE49-F238E27FC236}">
+                <a16:creationId xmlns:a16="http://schemas.microsoft.com/office/drawing/2014/main" id="{5CC8E405-E04A-04FC-2070-649411D03FD0}"/>
+              </a:ext>
+            </a:extLst>
+          </p:cNvPr>
+          <p:cNvSpPr txBox="1"/>
+          <p:nvPr/>
+        </p:nvSpPr>
+        <p:spPr>
+          <a:xfrm>
+            <a:off x="6251249" y="1007613"/>
+            <a:ext cx="1562735" cy="523220"/>
+          </a:xfrm>
+          <a:prstGeom prst="rect">
+            <a:avLst/>
+          </a:prstGeom>
+          <a:noFill/>
+        </p:spPr>
+        <p:txBody>
+          <a:bodyPr wrap="none" rtlCol="1">
+            <a:spAutoFit/>
+          </a:bodyPr>
+          <a:lstStyle/>
+          <a:p>
+            <a:r>
+              <a:rPr lang="en-US" sz="2800" dirty="0"/>
+              <a:t>Add post</a:t>
+            </a:r>
+            <a:endParaRPr lang="he-IL" sz="2800" dirty="0"/>
+          </a:p>
+        </p:txBody>
+      </p:sp>
+      <p:grpSp>
+        <p:nvGrpSpPr>
+          <p:cNvPr id="21" name="קבוצה 20">
+            <a:extLst>
+              <a:ext uri="{FF2B5EF4-FFF2-40B4-BE49-F238E27FC236}">
+                <a16:creationId xmlns:a16="http://schemas.microsoft.com/office/drawing/2014/main" id="{951781EC-B392-EDB2-D62D-BC473B9361D6}"/>
+              </a:ext>
+            </a:extLst>
+          </p:cNvPr>
+          <p:cNvGrpSpPr/>
+          <p:nvPr/>
+        </p:nvGrpSpPr>
+        <p:grpSpPr>
+          <a:xfrm>
+            <a:off x="0" y="0"/>
+            <a:ext cx="12192000" cy="876693"/>
+            <a:chOff x="0" y="0"/>
+            <a:chExt cx="12192000" cy="876693"/>
+          </a:xfrm>
+        </p:grpSpPr>
+        <p:sp>
+          <p:nvSpPr>
+            <p:cNvPr id="4" name="מלבן 3">
+              <a:extLst>
+                <a:ext uri="{FF2B5EF4-FFF2-40B4-BE49-F238E27FC236}">
+                  <a16:creationId xmlns:a16="http://schemas.microsoft.com/office/drawing/2014/main" id="{CB91D664-4127-70EB-AC03-4698C5C77367}"/>
+                </a:ext>
+              </a:extLst>
+            </p:cNvPr>
+            <p:cNvSpPr/>
+            <p:nvPr/>
+          </p:nvSpPr>
+          <p:spPr>
+            <a:xfrm>
+              <a:off x="0" y="0"/>
+              <a:ext cx="12192000" cy="876693"/>
+            </a:xfrm>
+            <a:prstGeom prst="rect">
+              <a:avLst/>
+            </a:prstGeom>
+            <a:solidFill>
+              <a:schemeClr val="accent1">
+                <a:lumMod val="40000"/>
+                <a:lumOff val="60000"/>
+              </a:schemeClr>
+            </a:solidFill>
+            <a:ln cap="rnd">
+              <a:round/>
+            </a:ln>
+          </p:spPr>
+          <p:style>
+            <a:lnRef idx="2">
+              <a:schemeClr val="accent1">
+                <a:shade val="15000"/>
+              </a:schemeClr>
+            </a:lnRef>
+            <a:fillRef idx="1">
+              <a:schemeClr val="accent1"/>
+            </a:fillRef>
+            <a:effectRef idx="0">
+              <a:schemeClr val="accent1"/>
+            </a:effectRef>
+            <a:fontRef idx="minor">
+              <a:schemeClr val="lt1"/>
+            </a:fontRef>
+          </p:style>
+          <p:txBody>
+            <a:bodyPr rtlCol="1" anchor="ctr"/>
+            <a:lstStyle/>
+            <a:p>
+              <a:pPr algn="ctr"/>
+              <a:endParaRPr lang="he-IL" dirty="0"/>
+            </a:p>
+          </p:txBody>
+        </p:sp>
+        <p:pic>
+          <p:nvPicPr>
+            <p:cNvPr id="10" name="גרפיקה 9">
+              <a:extLst>
+                <a:ext uri="{FF2B5EF4-FFF2-40B4-BE49-F238E27FC236}">
+                  <a16:creationId xmlns:a16="http://schemas.microsoft.com/office/drawing/2014/main" id="{A0772001-C86D-2224-298C-9B7D2B6B6791}"/>
+                </a:ext>
+              </a:extLst>
+            </p:cNvPr>
+            <p:cNvPicPr>
+              <a:picLocks noChangeAspect="1"/>
+            </p:cNvPicPr>
+            <p:nvPr/>
+          </p:nvPicPr>
+          <p:blipFill>
+            <a:blip r:embed="rId3">
+              <a:extLst>
+                <a:ext uri="{28A0092B-C50C-407E-A947-70E740481C1C}">
+                  <a14:useLocalDpi xmlns:a14="http://schemas.microsoft.com/office/drawing/2010/main" val="0"/>
+                </a:ext>
+                <a:ext uri="{96DAC541-7B7A-43D3-8B79-37D633B846F1}">
+                  <asvg:svgBlip xmlns:asvg="http://schemas.microsoft.com/office/drawing/2016/SVG/main" r:embed="rId4"/>
+                </a:ext>
+              </a:extLst>
+            </a:blip>
+            <a:stretch>
+              <a:fillRect/>
+            </a:stretch>
+          </p:blipFill>
+          <p:spPr>
+            <a:xfrm>
+              <a:off x="159470" y="42026"/>
+              <a:ext cx="792637" cy="792637"/>
+            </a:xfrm>
+            <a:prstGeom prst="rect">
+              <a:avLst/>
+            </a:prstGeom>
+          </p:spPr>
+        </p:pic>
+        <p:pic>
+          <p:nvPicPr>
+            <p:cNvPr id="3074" name="Picture 2" descr="speech">
+              <a:extLst>
+                <a:ext uri="{FF2B5EF4-FFF2-40B4-BE49-F238E27FC236}">
+                  <a16:creationId xmlns:a16="http://schemas.microsoft.com/office/drawing/2014/main" id="{74836A81-62A0-12D2-04FE-3EFF63D542EE}"/>
+                </a:ext>
+              </a:extLst>
+            </p:cNvPr>
+            <p:cNvPicPr>
+              <a:picLocks noChangeAspect="1" noChangeArrowheads="1"/>
+            </p:cNvPicPr>
+            <p:nvPr/>
+          </p:nvPicPr>
+          <p:blipFill>
+            <a:blip r:embed="rId5">
+              <a:extLst>
+                <a:ext uri="{28A0092B-C50C-407E-A947-70E740481C1C}">
+                  <a14:useLocalDpi xmlns:a14="http://schemas.microsoft.com/office/drawing/2010/main" val="0"/>
+                </a:ext>
+              </a:extLst>
+            </a:blip>
+            <a:srcRect/>
+            <a:stretch>
+              <a:fillRect/>
+            </a:stretch>
+          </p:blipFill>
+          <p:spPr bwMode="auto">
+            <a:xfrm>
+              <a:off x="11434712" y="105214"/>
+              <a:ext cx="666259" cy="666259"/>
+            </a:xfrm>
+            <a:prstGeom prst="rect">
+              <a:avLst/>
+            </a:prstGeom>
+            <a:noFill/>
+            <a:extLst>
+              <a:ext uri="{909E8E84-426E-40DD-AFC4-6F175D3DCCD1}">
+                <a14:hiddenFill xmlns:a14="http://schemas.microsoft.com/office/drawing/2010/main">
+                  <a:solidFill>
+                    <a:srgbClr val="FFFFFF"/>
+                  </a:solidFill>
+                </a14:hiddenFill>
+              </a:ext>
+            </a:extLst>
+          </p:spPr>
+        </p:pic>
+      </p:grpSp>
+      <p:sp>
+        <p:nvSpPr>
+          <p:cNvPr id="2" name="מלבן 1">
+            <a:extLst>
+              <a:ext uri="{FF2B5EF4-FFF2-40B4-BE49-F238E27FC236}">
+                <a16:creationId xmlns:a16="http://schemas.microsoft.com/office/drawing/2014/main" id="{D4CD565F-18D5-06D5-1CD5-280976BAF7CA}"/>
+              </a:ext>
+            </a:extLst>
+          </p:cNvPr>
+          <p:cNvSpPr/>
+          <p:nvPr/>
+        </p:nvSpPr>
+        <p:spPr>
+          <a:xfrm>
+            <a:off x="5155661" y="1614787"/>
+            <a:ext cx="3287949" cy="1464013"/>
+          </a:xfrm>
+          <a:prstGeom prst="rect">
+            <a:avLst/>
+          </a:prstGeom>
+        </p:spPr>
+        <p:style>
+          <a:lnRef idx="2">
+            <a:schemeClr val="accent1">
+              <a:shade val="15000"/>
+            </a:schemeClr>
+          </a:lnRef>
+          <a:fillRef idx="1">
+            <a:schemeClr val="accent1"/>
+          </a:fillRef>
+          <a:effectRef idx="0">
+            <a:schemeClr val="accent1"/>
+          </a:effectRef>
+          <a:fontRef idx="minor">
+            <a:schemeClr val="lt1"/>
+          </a:fontRef>
+        </p:style>
+        <p:txBody>
+          <a:bodyPr rtlCol="1" anchor="ctr"/>
+          <a:lstStyle/>
+          <a:p>
+            <a:pPr algn="ctr"/>
+            <a:r>
+              <a:rPr lang="en-US" dirty="0"/>
+              <a:t>Add picture</a:t>
+            </a:r>
+            <a:endParaRPr lang="he-IL" dirty="0"/>
+          </a:p>
+        </p:txBody>
+      </p:sp>
+      <p:sp>
+        <p:nvSpPr>
+          <p:cNvPr id="3" name="מלבן: פינות מעוגלות 2">
+            <a:extLst>
+              <a:ext uri="{FF2B5EF4-FFF2-40B4-BE49-F238E27FC236}">
+                <a16:creationId xmlns:a16="http://schemas.microsoft.com/office/drawing/2014/main" id="{9DA80774-DFE3-A7C7-4AB3-630798087C15}"/>
+              </a:ext>
+            </a:extLst>
+          </p:cNvPr>
+          <p:cNvSpPr/>
+          <p:nvPr/>
+        </p:nvSpPr>
+        <p:spPr>
+          <a:xfrm>
+            <a:off x="5581573" y="3329103"/>
+            <a:ext cx="2902085" cy="437744"/>
+          </a:xfrm>
+          <a:prstGeom prst="roundRect">
+            <a:avLst/>
+          </a:prstGeom>
+          <a:noFill/>
+        </p:spPr>
+        <p:style>
+          <a:lnRef idx="2">
+            <a:schemeClr val="accent1">
+              <a:shade val="15000"/>
+            </a:schemeClr>
+          </a:lnRef>
+          <a:fillRef idx="1">
+            <a:schemeClr val="accent1"/>
+          </a:fillRef>
+          <a:effectRef idx="0">
+            <a:schemeClr val="accent1"/>
+          </a:effectRef>
+          <a:fontRef idx="minor">
+            <a:schemeClr val="lt1"/>
+          </a:fontRef>
+        </p:style>
+        <p:txBody>
+          <a:bodyPr rtlCol="1" anchor="ctr"/>
+          <a:lstStyle/>
+          <a:p>
+            <a:pPr algn="ctr"/>
+            <a:endParaRPr lang="he-IL"/>
+          </a:p>
+        </p:txBody>
+      </p:sp>
+      <p:sp>
+        <p:nvSpPr>
+          <p:cNvPr id="5" name="תיבת טקסט 4">
+            <a:extLst>
+              <a:ext uri="{FF2B5EF4-FFF2-40B4-BE49-F238E27FC236}">
+                <a16:creationId xmlns:a16="http://schemas.microsoft.com/office/drawing/2014/main" id="{451251BE-6562-EA55-3A47-70E859536A19}"/>
+              </a:ext>
+            </a:extLst>
+          </p:cNvPr>
+          <p:cNvSpPr txBox="1"/>
+          <p:nvPr/>
+        </p:nvSpPr>
+        <p:spPr>
+          <a:xfrm>
+            <a:off x="3940841" y="3406924"/>
+            <a:ext cx="1405424" cy="369332"/>
+          </a:xfrm>
+          <a:prstGeom prst="rect">
+            <a:avLst/>
+          </a:prstGeom>
+          <a:noFill/>
+        </p:spPr>
+        <p:txBody>
+          <a:bodyPr wrap="square" rtlCol="1">
+            <a:spAutoFit/>
+          </a:bodyPr>
+          <a:lstStyle/>
+          <a:p>
+            <a:r>
+              <a:rPr lang="en-US" dirty="0"/>
+              <a:t>title</a:t>
+            </a:r>
+            <a:endParaRPr lang="he-IL" dirty="0"/>
+          </a:p>
+        </p:txBody>
+      </p:sp>
+      <p:sp>
+        <p:nvSpPr>
+          <p:cNvPr id="6" name="מלבן 5">
+            <a:extLst>
+              <a:ext uri="{FF2B5EF4-FFF2-40B4-BE49-F238E27FC236}">
+                <a16:creationId xmlns:a16="http://schemas.microsoft.com/office/drawing/2014/main" id="{46E29FA5-8CD8-E3DF-D914-EAF7BE5EB4CD}"/>
+              </a:ext>
+            </a:extLst>
+          </p:cNvPr>
+          <p:cNvSpPr/>
+          <p:nvPr/>
+        </p:nvSpPr>
+        <p:spPr>
+          <a:xfrm>
+            <a:off x="4403387" y="3936405"/>
+            <a:ext cx="4649821" cy="1575881"/>
+          </a:xfrm>
+          <a:prstGeom prst="rect">
+            <a:avLst/>
+          </a:prstGeom>
+          <a:noFill/>
+        </p:spPr>
+        <p:style>
+          <a:lnRef idx="2">
+            <a:schemeClr val="accent1">
+              <a:shade val="15000"/>
+            </a:schemeClr>
+          </a:lnRef>
+          <a:fillRef idx="1">
+            <a:schemeClr val="accent1"/>
+          </a:fillRef>
+          <a:effectRef idx="0">
+            <a:schemeClr val="accent1"/>
+          </a:effectRef>
+          <a:fontRef idx="minor">
+            <a:schemeClr val="lt1"/>
+          </a:fontRef>
+        </p:style>
+        <p:txBody>
+          <a:bodyPr rtlCol="1" anchor="ctr"/>
+          <a:lstStyle/>
+          <a:p>
+            <a:pPr algn="ctr"/>
+            <a:r>
+              <a:rPr lang="en-US" dirty="0">
+                <a:solidFill>
+                  <a:schemeClr val="tx1"/>
+                </a:solidFill>
+              </a:rPr>
+              <a:t>Details area</a:t>
+            </a:r>
+            <a:endParaRPr lang="he-IL" dirty="0">
+              <a:solidFill>
+                <a:schemeClr val="tx1"/>
+              </a:solidFill>
+            </a:endParaRPr>
+          </a:p>
+        </p:txBody>
+      </p:sp>
+      <p:sp>
+        <p:nvSpPr>
+          <p:cNvPr id="7" name="מלבן: פינות מעוגלות 6">
+            <a:extLst>
+              <a:ext uri="{FF2B5EF4-FFF2-40B4-BE49-F238E27FC236}">
+                <a16:creationId xmlns:a16="http://schemas.microsoft.com/office/drawing/2014/main" id="{16F67EC5-471D-0D39-CEDD-149ACAECA364}"/>
+              </a:ext>
+            </a:extLst>
+          </p:cNvPr>
+          <p:cNvSpPr/>
+          <p:nvPr/>
+        </p:nvSpPr>
+        <p:spPr>
+          <a:xfrm>
+            <a:off x="4403387" y="5836219"/>
+            <a:ext cx="2071992" cy="604583"/>
+          </a:xfrm>
+          <a:prstGeom prst="roundRect">
+            <a:avLst/>
+          </a:prstGeom>
+        </p:spPr>
+        <p:style>
+          <a:lnRef idx="2">
+            <a:schemeClr val="accent1">
+              <a:shade val="15000"/>
+            </a:schemeClr>
+          </a:lnRef>
+          <a:fillRef idx="1">
+            <a:schemeClr val="accent1"/>
+          </a:fillRef>
+          <a:effectRef idx="0">
+            <a:schemeClr val="accent1"/>
+          </a:effectRef>
+          <a:fontRef idx="minor">
+            <a:schemeClr val="lt1"/>
+          </a:fontRef>
+        </p:style>
+        <p:txBody>
+          <a:bodyPr rtlCol="1" anchor="ctr"/>
+          <a:lstStyle/>
+          <a:p>
+            <a:pPr algn="ctr"/>
+            <a:r>
+              <a:rPr lang="en-US" dirty="0"/>
+              <a:t>save</a:t>
+            </a:r>
+            <a:endParaRPr lang="he-IL" dirty="0"/>
+          </a:p>
+        </p:txBody>
+      </p:sp>
+      <p:sp>
+        <p:nvSpPr>
+          <p:cNvPr id="8" name="מלבן: פינות מעוגלות 7">
+            <a:extLst>
+              <a:ext uri="{FF2B5EF4-FFF2-40B4-BE49-F238E27FC236}">
+                <a16:creationId xmlns:a16="http://schemas.microsoft.com/office/drawing/2014/main" id="{EFB54A51-8E5F-41C4-1200-0D02A8022E63}"/>
+              </a:ext>
+            </a:extLst>
+          </p:cNvPr>
+          <p:cNvSpPr/>
+          <p:nvPr/>
+        </p:nvSpPr>
+        <p:spPr>
+          <a:xfrm>
+            <a:off x="6981216" y="5836220"/>
+            <a:ext cx="2071992" cy="604583"/>
+          </a:xfrm>
+          <a:prstGeom prst="roundRect">
+            <a:avLst/>
+          </a:prstGeom>
+        </p:spPr>
+        <p:style>
+          <a:lnRef idx="2">
+            <a:schemeClr val="accent1">
+              <a:shade val="15000"/>
+            </a:schemeClr>
+          </a:lnRef>
+          <a:fillRef idx="1">
+            <a:schemeClr val="accent1"/>
+          </a:fillRef>
+          <a:effectRef idx="0">
+            <a:schemeClr val="accent1"/>
+          </a:effectRef>
+          <a:fontRef idx="minor">
+            <a:schemeClr val="lt1"/>
+          </a:fontRef>
+        </p:style>
+        <p:txBody>
+          <a:bodyPr rtlCol="1" anchor="ctr"/>
+          <a:lstStyle/>
+          <a:p>
+            <a:pPr algn="ctr"/>
+            <a:r>
+              <a:rPr lang="en-US" dirty="0"/>
+              <a:t>cancel</a:t>
+            </a:r>
+            <a:endParaRPr lang="he-IL" dirty="0"/>
+          </a:p>
+        </p:txBody>
+      </p:sp>
     </p:spTree>
     <p:extLst>
       <p:ext uri="{BB962C8B-B14F-4D97-AF65-F5344CB8AC3E}">
@@ -8144,13 +11110,13 @@
             <p:nvPr/>
           </p:nvPicPr>
           <p:blipFill>
-            <a:blip r:embed="rId2">
+            <a:blip r:embed="rId3">
               <a:extLst>
                 <a:ext uri="{28A0092B-C50C-407E-A947-70E740481C1C}">
                   <a14:useLocalDpi xmlns:a14="http://schemas.microsoft.com/office/drawing/2010/main" val="0"/>
                 </a:ext>
                 <a:ext uri="{96DAC541-7B7A-43D3-8B79-37D633B846F1}">
-                  <asvg:svgBlip xmlns:asvg="http://schemas.microsoft.com/office/drawing/2016/SVG/main" r:embed="rId3"/>
+                  <asvg:svgBlip xmlns:asvg="http://schemas.microsoft.com/office/drawing/2016/SVG/main" r:embed="rId4"/>
                 </a:ext>
               </a:extLst>
             </a:blip>
@@ -8183,7 +11149,7 @@
             <p:nvPr/>
           </p:nvPicPr>
           <p:blipFill>
-            <a:blip r:embed="rId4">
+            <a:blip r:embed="rId5">
               <a:extLst>
                 <a:ext uri="{28A0092B-C50C-407E-A947-70E740481C1C}">
                   <a14:useLocalDpi xmlns:a14="http://schemas.microsoft.com/office/drawing/2010/main" val="0"/>
@@ -8215,42 +11181,6 @@
             </a:extLst>
           </p:spPr>
         </p:pic>
-        <p:sp>
-          <p:nvSpPr>
-            <p:cNvPr id="17" name="תיבת טקסט 16">
-              <a:extLst>
-                <a:ext uri="{FF2B5EF4-FFF2-40B4-BE49-F238E27FC236}">
-                  <a16:creationId xmlns:a16="http://schemas.microsoft.com/office/drawing/2014/main" id="{250A3D96-D95F-C114-06CE-74460847E5A4}"/>
-                </a:ext>
-              </a:extLst>
-            </p:cNvPr>
-            <p:cNvSpPr txBox="1"/>
-            <p:nvPr/>
-          </p:nvSpPr>
-          <p:spPr>
-            <a:xfrm>
-              <a:off x="9973559" y="253677"/>
-              <a:ext cx="1187777" cy="369332"/>
-            </a:xfrm>
-            <a:prstGeom prst="rect">
-              <a:avLst/>
-            </a:prstGeom>
-            <a:noFill/>
-          </p:spPr>
-          <p:txBody>
-            <a:bodyPr wrap="square" rtlCol="1">
-              <a:spAutoFit/>
-            </a:bodyPr>
-            <a:lstStyle/>
-            <a:p>
-              <a:r>
-                <a:rPr lang="en-US" dirty="0"/>
-                <a:t>logout</a:t>
-              </a:r>
-              <a:endParaRPr lang="he-IL" dirty="0"/>
-            </a:p>
-          </p:txBody>
-        </p:sp>
       </p:grpSp>
       <p:grpSp>
         <p:nvGrpSpPr>
@@ -8463,7 +11393,7 @@
               <p:nvPr/>
             </p:nvPicPr>
             <p:blipFill>
-              <a:blip r:embed="rId5">
+              <a:blip r:embed="rId6">
                 <a:extLst>
                   <a:ext uri="{28A0092B-C50C-407E-A947-70E740481C1C}">
                     <a14:useLocalDpi xmlns:a14="http://schemas.microsoft.com/office/drawing/2010/main" val="0"/>
@@ -9254,13 +12184,13 @@
             <p:nvPr/>
           </p:nvPicPr>
           <p:blipFill>
-            <a:blip r:embed="rId2">
+            <a:blip r:embed="rId3">
               <a:extLst>
                 <a:ext uri="{28A0092B-C50C-407E-A947-70E740481C1C}">
                   <a14:useLocalDpi xmlns:a14="http://schemas.microsoft.com/office/drawing/2010/main" val="0"/>
                 </a:ext>
                 <a:ext uri="{96DAC541-7B7A-43D3-8B79-37D633B846F1}">
-                  <asvg:svgBlip xmlns:asvg="http://schemas.microsoft.com/office/drawing/2016/SVG/main" r:embed="rId3"/>
+                  <asvg:svgBlip xmlns:asvg="http://schemas.microsoft.com/office/drawing/2016/SVG/main" r:embed="rId4"/>
                 </a:ext>
               </a:extLst>
             </a:blip>
@@ -9293,7 +12223,7 @@
             <p:nvPr/>
           </p:nvPicPr>
           <p:blipFill>
-            <a:blip r:embed="rId4">
+            <a:blip r:embed="rId5">
               <a:extLst>
                 <a:ext uri="{28A0092B-C50C-407E-A947-70E740481C1C}">
                   <a14:useLocalDpi xmlns:a14="http://schemas.microsoft.com/office/drawing/2010/main" val="0"/>
@@ -9325,42 +12255,6 @@
             </a:extLst>
           </p:spPr>
         </p:pic>
-        <p:sp>
-          <p:nvSpPr>
-            <p:cNvPr id="17" name="תיבת טקסט 16">
-              <a:extLst>
-                <a:ext uri="{FF2B5EF4-FFF2-40B4-BE49-F238E27FC236}">
-                  <a16:creationId xmlns:a16="http://schemas.microsoft.com/office/drawing/2014/main" id="{250A3D96-D95F-C114-06CE-74460847E5A4}"/>
-                </a:ext>
-              </a:extLst>
-            </p:cNvPr>
-            <p:cNvSpPr txBox="1"/>
-            <p:nvPr/>
-          </p:nvSpPr>
-          <p:spPr>
-            <a:xfrm>
-              <a:off x="9973559" y="253677"/>
-              <a:ext cx="1187777" cy="369332"/>
-            </a:xfrm>
-            <a:prstGeom prst="rect">
-              <a:avLst/>
-            </a:prstGeom>
-            <a:noFill/>
-          </p:spPr>
-          <p:txBody>
-            <a:bodyPr wrap="square" rtlCol="1">
-              <a:spAutoFit/>
-            </a:bodyPr>
-            <a:lstStyle/>
-            <a:p>
-              <a:r>
-                <a:rPr lang="en-US" dirty="0"/>
-                <a:t>logout</a:t>
-              </a:r>
-              <a:endParaRPr lang="he-IL" dirty="0"/>
-            </a:p>
-          </p:txBody>
-        </p:sp>
       </p:grpSp>
       <p:grpSp>
         <p:nvGrpSpPr>
@@ -9573,7 +12467,7 @@
               <p:nvPr/>
             </p:nvPicPr>
             <p:blipFill>
-              <a:blip r:embed="rId5">
+              <a:blip r:embed="rId6">
                 <a:extLst>
                   <a:ext uri="{28A0092B-C50C-407E-A947-70E740481C1C}">
                     <a14:useLocalDpi xmlns:a14="http://schemas.microsoft.com/office/drawing/2010/main" val="0"/>
@@ -9750,7 +12644,7 @@
             <p:nvPr/>
           </p:nvPicPr>
           <p:blipFill>
-            <a:blip r:embed="rId6"/>
+            <a:blip r:embed="rId7"/>
             <a:stretch>
               <a:fillRect/>
             </a:stretch>
@@ -10012,7 +12906,7 @@
             <p:nvPr/>
           </p:nvPicPr>
           <p:blipFill>
-            <a:blip r:embed="rId6"/>
+            <a:blip r:embed="rId7"/>
             <a:stretch>
               <a:fillRect/>
             </a:stretch>
@@ -10274,7 +13168,7 @@
             <p:nvPr/>
           </p:nvPicPr>
           <p:blipFill>
-            <a:blip r:embed="rId6"/>
+            <a:blip r:embed="rId7"/>
             <a:stretch>
               <a:fillRect/>
             </a:stretch>
@@ -10498,8 +13392,8 @@
         </p:nvSpPr>
         <p:spPr>
           <a:xfrm>
-            <a:off x="7629253" y="1237975"/>
-            <a:ext cx="184731" cy="646331"/>
+            <a:off x="4598039" y="1237975"/>
+            <a:ext cx="3215945" cy="646331"/>
           </a:xfrm>
           <a:prstGeom prst="rect">
             <a:avLst/>
@@ -10512,6 +13406,10 @@
           </a:bodyPr>
           <a:lstStyle/>
           <a:p>
+            <a:r>
+              <a:rPr lang="en-US" sz="3600" dirty="0"/>
+              <a:t>Hello someone</a:t>
+            </a:r>
             <a:endParaRPr lang="he-IL" sz="3600" dirty="0"/>
           </a:p>
         </p:txBody>
@@ -10606,13 +13504,13 @@
             <p:nvPr/>
           </p:nvPicPr>
           <p:blipFill>
-            <a:blip r:embed="rId2">
+            <a:blip r:embed="rId3">
               <a:extLst>
                 <a:ext uri="{28A0092B-C50C-407E-A947-70E740481C1C}">
                   <a14:useLocalDpi xmlns:a14="http://schemas.microsoft.com/office/drawing/2010/main" val="0"/>
                 </a:ext>
                 <a:ext uri="{96DAC541-7B7A-43D3-8B79-37D633B846F1}">
-                  <asvg:svgBlip xmlns:asvg="http://schemas.microsoft.com/office/drawing/2016/SVG/main" r:embed="rId3"/>
+                  <asvg:svgBlip xmlns:asvg="http://schemas.microsoft.com/office/drawing/2016/SVG/main" r:embed="rId4"/>
                 </a:ext>
               </a:extLst>
             </a:blip>
@@ -10645,7 +13543,7 @@
             <p:nvPr/>
           </p:nvPicPr>
           <p:blipFill>
-            <a:blip r:embed="rId4">
+            <a:blip r:embed="rId5">
               <a:extLst>
                 <a:ext uri="{28A0092B-C50C-407E-A947-70E740481C1C}">
                   <a14:useLocalDpi xmlns:a14="http://schemas.microsoft.com/office/drawing/2010/main" val="0"/>
@@ -10677,49 +13575,319 @@
             </a:extLst>
           </p:spPr>
         </p:pic>
+      </p:grpSp>
+      <p:grpSp>
+        <p:nvGrpSpPr>
+          <p:cNvPr id="12" name="קבוצה 11">
+            <a:extLst>
+              <a:ext uri="{FF2B5EF4-FFF2-40B4-BE49-F238E27FC236}">
+                <a16:creationId xmlns:a16="http://schemas.microsoft.com/office/drawing/2014/main" id="{3AEF8FA2-FF0F-65B6-5E54-22AA3C433D3E}"/>
+              </a:ext>
+            </a:extLst>
+          </p:cNvPr>
+          <p:cNvGrpSpPr/>
+          <p:nvPr/>
+        </p:nvGrpSpPr>
+        <p:grpSpPr>
+          <a:xfrm>
+            <a:off x="2089152" y="1933175"/>
+            <a:ext cx="7972005" cy="686795"/>
+            <a:chOff x="2989580" y="2476046"/>
+            <a:chExt cx="7972005" cy="686795"/>
+          </a:xfrm>
+        </p:grpSpPr>
+        <p:grpSp>
+          <p:nvGrpSpPr>
+            <p:cNvPr id="5" name="קבוצה 4">
+              <a:extLst>
+                <a:ext uri="{FF2B5EF4-FFF2-40B4-BE49-F238E27FC236}">
+                  <a16:creationId xmlns:a16="http://schemas.microsoft.com/office/drawing/2014/main" id="{3DCE1B40-4572-B2E9-25D4-D75F53061C3A}"/>
+                </a:ext>
+              </a:extLst>
+            </p:cNvPr>
+            <p:cNvGrpSpPr/>
+            <p:nvPr/>
+          </p:nvGrpSpPr>
+          <p:grpSpPr>
+            <a:xfrm>
+              <a:off x="2989580" y="2476047"/>
+              <a:ext cx="5050643" cy="686794"/>
+              <a:chOff x="4716379" y="2389883"/>
+              <a:chExt cx="5050643" cy="658943"/>
+            </a:xfrm>
+          </p:grpSpPr>
+          <p:sp>
+            <p:nvSpPr>
+              <p:cNvPr id="2" name="תיבת טקסט 1">
+                <a:extLst>
+                  <a:ext uri="{FF2B5EF4-FFF2-40B4-BE49-F238E27FC236}">
+                    <a16:creationId xmlns:a16="http://schemas.microsoft.com/office/drawing/2014/main" id="{D93DC1BC-EE81-39C6-F576-0718CD8BA33A}"/>
+                  </a:ext>
+                </a:extLst>
+              </p:cNvPr>
+              <p:cNvSpPr txBox="1"/>
+              <p:nvPr/>
+            </p:nvSpPr>
+            <p:spPr>
+              <a:xfrm>
+                <a:off x="5293895" y="2402495"/>
+                <a:ext cx="3339005" cy="646331"/>
+              </a:xfrm>
+              <a:prstGeom prst="rect">
+                <a:avLst/>
+              </a:prstGeom>
+              <a:noFill/>
+            </p:spPr>
+            <p:txBody>
+              <a:bodyPr wrap="square" rtlCol="1">
+                <a:spAutoFit/>
+              </a:bodyPr>
+              <a:lstStyle/>
+              <a:p>
+                <a:r>
+                  <a:rPr lang="en-US" sz="3600" dirty="0"/>
+                  <a:t>Find vacation</a:t>
+                </a:r>
+                <a:endParaRPr lang="he-IL" sz="3600" dirty="0"/>
+              </a:p>
+            </p:txBody>
+          </p:sp>
+          <p:sp>
+            <p:nvSpPr>
+              <p:cNvPr id="3" name="מלבן: פינות מעוגלות 2">
+                <a:extLst>
+                  <a:ext uri="{FF2B5EF4-FFF2-40B4-BE49-F238E27FC236}">
+                    <a16:creationId xmlns:a16="http://schemas.microsoft.com/office/drawing/2014/main" id="{DBCB17A5-6E35-CFB3-0806-34BBA9B42436}"/>
+                  </a:ext>
+                </a:extLst>
+              </p:cNvPr>
+              <p:cNvSpPr/>
+              <p:nvPr/>
+            </p:nvSpPr>
+            <p:spPr>
+              <a:xfrm>
+                <a:off x="4716379" y="2389883"/>
+                <a:ext cx="5050643" cy="646331"/>
+              </a:xfrm>
+              <a:prstGeom prst="roundRect">
+                <a:avLst/>
+              </a:prstGeom>
+              <a:noFill/>
+            </p:spPr>
+            <p:style>
+              <a:lnRef idx="2">
+                <a:schemeClr val="accent1">
+                  <a:shade val="15000"/>
+                </a:schemeClr>
+              </a:lnRef>
+              <a:fillRef idx="1">
+                <a:schemeClr val="accent1"/>
+              </a:fillRef>
+              <a:effectRef idx="0">
+                <a:schemeClr val="accent1"/>
+              </a:effectRef>
+              <a:fontRef idx="minor">
+                <a:schemeClr val="lt1"/>
+              </a:fontRef>
+            </p:style>
+            <p:txBody>
+              <a:bodyPr rtlCol="1" anchor="ctr"/>
+              <a:lstStyle/>
+              <a:p>
+                <a:pPr algn="ctr"/>
+                <a:endParaRPr lang="he-IL"/>
+              </a:p>
+            </p:txBody>
+          </p:sp>
+        </p:grpSp>
+        <p:grpSp>
+          <p:nvGrpSpPr>
+            <p:cNvPr id="8" name="קבוצה 7">
+              <a:extLst>
+                <a:ext uri="{FF2B5EF4-FFF2-40B4-BE49-F238E27FC236}">
+                  <a16:creationId xmlns:a16="http://schemas.microsoft.com/office/drawing/2014/main" id="{FAFB4452-141B-29E6-8707-298E40C7BB5D}"/>
+                </a:ext>
+              </a:extLst>
+            </p:cNvPr>
+            <p:cNvGrpSpPr/>
+            <p:nvPr/>
+          </p:nvGrpSpPr>
+          <p:grpSpPr>
+            <a:xfrm>
+              <a:off x="10173309" y="2476046"/>
+              <a:ext cx="788276" cy="646331"/>
+              <a:chOff x="9803305" y="2440832"/>
+              <a:chExt cx="788276" cy="646331"/>
+            </a:xfrm>
+          </p:grpSpPr>
+          <p:sp>
+            <p:nvSpPr>
+              <p:cNvPr id="6" name="מלבן: פינות מעוגלות 5">
+                <a:extLst>
+                  <a:ext uri="{FF2B5EF4-FFF2-40B4-BE49-F238E27FC236}">
+                    <a16:creationId xmlns:a16="http://schemas.microsoft.com/office/drawing/2014/main" id="{977CE720-122A-82E8-96B9-A8B1D7270327}"/>
+                  </a:ext>
+                </a:extLst>
+              </p:cNvPr>
+              <p:cNvSpPr/>
+              <p:nvPr/>
+            </p:nvSpPr>
+            <p:spPr>
+              <a:xfrm>
+                <a:off x="9803305" y="2440832"/>
+                <a:ext cx="788276" cy="646331"/>
+              </a:xfrm>
+              <a:prstGeom prst="roundRect">
+                <a:avLst/>
+              </a:prstGeom>
+              <a:solidFill>
+                <a:schemeClr val="accent1">
+                  <a:lumMod val="40000"/>
+                  <a:lumOff val="60000"/>
+                </a:schemeClr>
+              </a:solidFill>
+            </p:spPr>
+            <p:style>
+              <a:lnRef idx="2">
+                <a:schemeClr val="accent1">
+                  <a:shade val="15000"/>
+                </a:schemeClr>
+              </a:lnRef>
+              <a:fillRef idx="1">
+                <a:schemeClr val="accent1"/>
+              </a:fillRef>
+              <a:effectRef idx="0">
+                <a:schemeClr val="accent1"/>
+              </a:effectRef>
+              <a:fontRef idx="minor">
+                <a:schemeClr val="lt1"/>
+              </a:fontRef>
+            </p:style>
+            <p:txBody>
+              <a:bodyPr rtlCol="1" anchor="ctr"/>
+              <a:lstStyle/>
+              <a:p>
+                <a:pPr algn="ctr"/>
+                <a:endParaRPr lang="he-IL" dirty="0"/>
+              </a:p>
+            </p:txBody>
+          </p:sp>
+          <p:pic>
+            <p:nvPicPr>
+              <p:cNvPr id="1026" name="Picture 2" descr="Magnifying glass free icon">
+                <a:extLst>
+                  <a:ext uri="{FF2B5EF4-FFF2-40B4-BE49-F238E27FC236}">
+                    <a16:creationId xmlns:a16="http://schemas.microsoft.com/office/drawing/2014/main" id="{E9262262-BEBF-5DE8-110F-5B8EB9C1D6E1}"/>
+                  </a:ext>
+                </a:extLst>
+              </p:cNvPr>
+              <p:cNvPicPr>
+                <a:picLocks noChangeAspect="1" noChangeArrowheads="1"/>
+              </p:cNvPicPr>
+              <p:nvPr/>
+            </p:nvPicPr>
+            <p:blipFill>
+              <a:blip r:embed="rId6">
+                <a:extLst>
+                  <a:ext uri="{28A0092B-C50C-407E-A947-70E740481C1C}">
+                    <a14:useLocalDpi xmlns:a14="http://schemas.microsoft.com/office/drawing/2010/main" val="0"/>
+                  </a:ext>
+                </a:extLst>
+              </a:blip>
+              <a:srcRect/>
+              <a:stretch>
+                <a:fillRect/>
+              </a:stretch>
+            </p:blipFill>
+            <p:spPr bwMode="auto">
+              <a:xfrm>
+                <a:off x="9973559" y="2555602"/>
+                <a:ext cx="442015" cy="442015"/>
+              </a:xfrm>
+              <a:prstGeom prst="rect">
+                <a:avLst/>
+              </a:prstGeom>
+              <a:noFill/>
+              <a:extLst>
+                <a:ext uri="{909E8E84-426E-40DD-AFC4-6F175D3DCCD1}">
+                  <a14:hiddenFill xmlns:a14="http://schemas.microsoft.com/office/drawing/2010/main">
+                    <a:solidFill>
+                      <a:srgbClr val="FFFFFF"/>
+                    </a:solidFill>
+                  </a14:hiddenFill>
+                </a:ext>
+              </a:extLst>
+            </p:spPr>
+          </p:pic>
+        </p:grpSp>
         <p:sp>
           <p:nvSpPr>
-            <p:cNvPr id="17" name="תיבת טקסט 16">
-              <a:extLst>
-                <a:ext uri="{FF2B5EF4-FFF2-40B4-BE49-F238E27FC236}">
-                  <a16:creationId xmlns:a16="http://schemas.microsoft.com/office/drawing/2014/main" id="{250A3D96-D95F-C114-06CE-74460847E5A4}"/>
-                </a:ext>
-              </a:extLst>
-            </p:cNvPr>
-            <p:cNvSpPr txBox="1"/>
+            <p:cNvPr id="7" name="מלבן: פינות מעוגלות 6">
+              <a:extLst>
+                <a:ext uri="{FF2B5EF4-FFF2-40B4-BE49-F238E27FC236}">
+                  <a16:creationId xmlns:a16="http://schemas.microsoft.com/office/drawing/2014/main" id="{62CB1105-6D4E-8A26-20F3-06F6A5656217}"/>
+                </a:ext>
+              </a:extLst>
+            </p:cNvPr>
+            <p:cNvSpPr/>
             <p:nvPr/>
           </p:nvSpPr>
           <p:spPr>
             <a:xfrm>
-              <a:off x="9973559" y="253677"/>
-              <a:ext cx="1187777" cy="369332"/>
-            </a:xfrm>
-            <a:prstGeom prst="rect">
+              <a:off x="8186343" y="2488657"/>
+              <a:ext cx="1787216" cy="646331"/>
+            </a:xfrm>
+            <a:prstGeom prst="roundRect">
               <a:avLst/>
             </a:prstGeom>
-            <a:noFill/>
+            <a:solidFill>
+              <a:schemeClr val="bg1"/>
+            </a:solidFill>
           </p:spPr>
+          <p:style>
+            <a:lnRef idx="2">
+              <a:schemeClr val="accent1">
+                <a:shade val="15000"/>
+              </a:schemeClr>
+            </a:lnRef>
+            <a:fillRef idx="1">
+              <a:schemeClr val="accent1"/>
+            </a:fillRef>
+            <a:effectRef idx="0">
+              <a:schemeClr val="accent1"/>
+            </a:effectRef>
+            <a:fontRef idx="minor">
+              <a:schemeClr val="lt1"/>
+            </a:fontRef>
+          </p:style>
           <p:txBody>
-            <a:bodyPr wrap="square" rtlCol="1">
-              <a:spAutoFit/>
-            </a:bodyPr>
+            <a:bodyPr rtlCol="1" anchor="ctr"/>
             <a:lstStyle/>
             <a:p>
+              <a:pPr algn="ctr"/>
               <a:r>
-                <a:rPr lang="en-US" dirty="0"/>
-                <a:t>logout</a:t>
+                <a:rPr lang="en-US" sz="2800" dirty="0">
+                  <a:solidFill>
+                    <a:schemeClr val="tx1"/>
+                  </a:solidFill>
+                </a:rPr>
+                <a:t>Advanced</a:t>
               </a:r>
-              <a:endParaRPr lang="he-IL" dirty="0"/>
+              <a:endParaRPr lang="he-IL" sz="2800" dirty="0">
+                <a:solidFill>
+                  <a:schemeClr val="tx1"/>
+                </a:solidFill>
+              </a:endParaRPr>
             </a:p>
           </p:txBody>
         </p:sp>
       </p:grpSp>
       <p:grpSp>
         <p:nvGrpSpPr>
-          <p:cNvPr id="2" name="קבוצה 1">
+          <p:cNvPr id="42" name="קבוצה 41">
             <a:extLst>
               <a:ext uri="{FF2B5EF4-FFF2-40B4-BE49-F238E27FC236}">
-                <a16:creationId xmlns:a16="http://schemas.microsoft.com/office/drawing/2014/main" id="{C0ACBF88-0CFE-78C9-43F5-1D477C55EC25}"/>
+                <a16:creationId xmlns:a16="http://schemas.microsoft.com/office/drawing/2014/main" id="{222BC616-5213-C1E4-F47D-0246250EEFA8}"/>
               </a:ext>
             </a:extLst>
           </p:cNvPr>
@@ -10728,18 +13896,18 @@
         </p:nvGrpSpPr>
         <p:grpSpPr>
           <a:xfrm>
-            <a:off x="2757124" y="993379"/>
-            <a:ext cx="7216435" cy="5864621"/>
-            <a:chOff x="276774" y="3429000"/>
-            <a:chExt cx="3733754" cy="3255579"/>
+            <a:off x="236289" y="2706887"/>
+            <a:ext cx="3705726" cy="3255579"/>
+            <a:chOff x="304802" y="3429000"/>
+            <a:chExt cx="3705726" cy="3255579"/>
           </a:xfrm>
         </p:grpSpPr>
         <p:sp>
           <p:nvSpPr>
-            <p:cNvPr id="3" name="מלבן: פינות מעוגלות 2">
-              <a:extLst>
-                <a:ext uri="{FF2B5EF4-FFF2-40B4-BE49-F238E27FC236}">
-                  <a16:creationId xmlns:a16="http://schemas.microsoft.com/office/drawing/2014/main" id="{BCD0F45B-FAEE-E680-EE12-FC86CCFEC465}"/>
+            <p:cNvPr id="14" name="מלבן: פינות מעוגלות 13">
+              <a:extLst>
+                <a:ext uri="{FF2B5EF4-FFF2-40B4-BE49-F238E27FC236}">
+                  <a16:creationId xmlns:a16="http://schemas.microsoft.com/office/drawing/2014/main" id="{BE1BC5B1-42DE-FF29-68AA-6A8560631CCC}"/>
                 </a:ext>
               </a:extLst>
             </p:cNvPr>
@@ -10783,10 +13951,10 @@
         </p:sp>
         <p:pic>
           <p:nvPicPr>
-            <p:cNvPr id="5" name="תמונה 4">
-              <a:extLst>
-                <a:ext uri="{FF2B5EF4-FFF2-40B4-BE49-F238E27FC236}">
-                  <a16:creationId xmlns:a16="http://schemas.microsoft.com/office/drawing/2014/main" id="{0314F3DD-465F-354E-BAEA-09AFFE89EFA5}"/>
+            <p:cNvPr id="37" name="תמונה 36">
+              <a:extLst>
+                <a:ext uri="{FF2B5EF4-FFF2-40B4-BE49-F238E27FC236}">
+                  <a16:creationId xmlns:a16="http://schemas.microsoft.com/office/drawing/2014/main" id="{C874AE90-EE8E-20F0-C27C-5EC4C0A1097F}"/>
                 </a:ext>
               </a:extLst>
             </p:cNvPr>
@@ -10796,15 +13964,15 @@
             <p:nvPr/>
           </p:nvPicPr>
           <p:blipFill>
-            <a:blip r:embed="rId5"/>
+            <a:blip r:embed="rId7"/>
             <a:stretch>
               <a:fillRect/>
             </a:stretch>
           </p:blipFill>
           <p:spPr>
             <a:xfrm flipH="1">
-              <a:off x="1456331" y="3616486"/>
-              <a:ext cx="1510471" cy="1007484"/>
+              <a:off x="959575" y="3560281"/>
+              <a:ext cx="2359541" cy="1573813"/>
             </a:xfrm>
             <a:prstGeom prst="rect">
               <a:avLst/>
@@ -10813,10 +13981,10 @@
         </p:pic>
         <p:sp>
           <p:nvSpPr>
-            <p:cNvPr id="6" name="תיבת טקסט 5">
-              <a:extLst>
-                <a:ext uri="{FF2B5EF4-FFF2-40B4-BE49-F238E27FC236}">
-                  <a16:creationId xmlns:a16="http://schemas.microsoft.com/office/drawing/2014/main" id="{F7A2F5BE-4495-197D-75B5-6F1D505BD7FA}"/>
+            <p:cNvPr id="38" name="תיבת טקסט 37">
+              <a:extLst>
+                <a:ext uri="{FF2B5EF4-FFF2-40B4-BE49-F238E27FC236}">
+                  <a16:creationId xmlns:a16="http://schemas.microsoft.com/office/drawing/2014/main" id="{B92E2141-1CBF-031B-7721-37E22A3EE6B5}"/>
                 </a:ext>
               </a:extLst>
             </p:cNvPr>
@@ -10825,7 +13993,7 @@
           </p:nvSpPr>
           <p:spPr>
             <a:xfrm>
-              <a:off x="276774" y="4688745"/>
+              <a:off x="555788" y="5216134"/>
               <a:ext cx="2359115" cy="461665"/>
             </a:xfrm>
             <a:prstGeom prst="rect">
@@ -10853,10 +14021,10 @@
         </p:sp>
         <p:sp>
           <p:nvSpPr>
-            <p:cNvPr id="7" name="תיבת טקסט 6">
-              <a:extLst>
-                <a:ext uri="{FF2B5EF4-FFF2-40B4-BE49-F238E27FC236}">
-                  <a16:creationId xmlns:a16="http://schemas.microsoft.com/office/drawing/2014/main" id="{061B9377-A5A1-558D-2C25-573D8994EAD3}"/>
+            <p:cNvPr id="39" name="תיבת טקסט 38">
+              <a:extLst>
+                <a:ext uri="{FF2B5EF4-FFF2-40B4-BE49-F238E27FC236}">
+                  <a16:creationId xmlns:a16="http://schemas.microsoft.com/office/drawing/2014/main" id="{33342504-2F95-7CFD-7799-3DED3F28A108}"/>
                 </a:ext>
               </a:extLst>
             </p:cNvPr>
@@ -10865,7 +14033,7 @@
           </p:nvSpPr>
           <p:spPr>
             <a:xfrm>
-              <a:off x="672010" y="4949521"/>
+              <a:off x="641526" y="5585466"/>
               <a:ext cx="2075336" cy="646331"/>
             </a:xfrm>
             <a:prstGeom prst="rect">
@@ -10890,10 +14058,10 @@
         </p:sp>
         <p:sp>
           <p:nvSpPr>
-            <p:cNvPr id="8" name="כוכב: 5 פינות 7">
-              <a:extLst>
-                <a:ext uri="{FF2B5EF4-FFF2-40B4-BE49-F238E27FC236}">
-                  <a16:creationId xmlns:a16="http://schemas.microsoft.com/office/drawing/2014/main" id="{CBD472AB-0EF7-0771-B35E-82DEC64FF0EF}"/>
+            <p:cNvPr id="40" name="כוכב: 5 פינות 39">
+              <a:extLst>
+                <a:ext uri="{FF2B5EF4-FFF2-40B4-BE49-F238E27FC236}">
+                  <a16:creationId xmlns:a16="http://schemas.microsoft.com/office/drawing/2014/main" id="{CA5C05E1-D08D-4108-0669-E7D0A18371BB}"/>
                 </a:ext>
               </a:extLst>
             </p:cNvPr>
@@ -10902,7 +14070,7 @@
           </p:nvSpPr>
           <p:spPr>
             <a:xfrm>
-              <a:off x="631745" y="5573315"/>
+              <a:off x="672010" y="6283383"/>
               <a:ext cx="329358" cy="266159"/>
             </a:xfrm>
             <a:prstGeom prst="star5">
@@ -10936,10 +14104,10 @@
         </p:sp>
         <p:sp>
           <p:nvSpPr>
-            <p:cNvPr id="9" name="תיבת טקסט 8">
-              <a:extLst>
-                <a:ext uri="{FF2B5EF4-FFF2-40B4-BE49-F238E27FC236}">
-                  <a16:creationId xmlns:a16="http://schemas.microsoft.com/office/drawing/2014/main" id="{5E09CDC4-C4DD-6DA1-BF3F-E06F3C86A463}"/>
+            <p:cNvPr id="41" name="תיבת טקסט 40">
+              <a:extLst>
+                <a:ext uri="{FF2B5EF4-FFF2-40B4-BE49-F238E27FC236}">
+                  <a16:creationId xmlns:a16="http://schemas.microsoft.com/office/drawing/2014/main" id="{60D8AE06-DF44-162A-0CAC-E466B040A89A}"/>
                 </a:ext>
               </a:extLst>
             </p:cNvPr>
@@ -10948,7 +14116,531 @@
           </p:nvSpPr>
           <p:spPr>
             <a:xfrm>
-              <a:off x="1058167" y="5612873"/>
+              <a:off x="1127687" y="6231797"/>
+              <a:ext cx="1787216" cy="369332"/>
+            </a:xfrm>
+            <a:prstGeom prst="rect">
+              <a:avLst/>
+            </a:prstGeom>
+            <a:noFill/>
+          </p:spPr>
+          <p:txBody>
+            <a:bodyPr wrap="square" rtlCol="1">
+              <a:spAutoFit/>
+            </a:bodyPr>
+            <a:lstStyle/>
+            <a:p>
+              <a:pPr algn="l" rtl="0"/>
+              <a:r>
+                <a:rPr lang="en-US" b="1" dirty="0"/>
+                <a:t>4.5 </a:t>
+              </a:r>
+              <a:r>
+                <a:rPr lang="en-US" dirty="0"/>
+                <a:t>(123)</a:t>
+              </a:r>
+              <a:endParaRPr lang="he-IL" b="1" dirty="0"/>
+            </a:p>
+          </p:txBody>
+        </p:sp>
+      </p:grpSp>
+      <p:grpSp>
+        <p:nvGrpSpPr>
+          <p:cNvPr id="43" name="קבוצה 42">
+            <a:extLst>
+              <a:ext uri="{FF2B5EF4-FFF2-40B4-BE49-F238E27FC236}">
+                <a16:creationId xmlns:a16="http://schemas.microsoft.com/office/drawing/2014/main" id="{8BD7FBC7-A660-4AF4-342A-93C97A62E1BE}"/>
+              </a:ext>
+            </a:extLst>
+          </p:cNvPr>
+          <p:cNvGrpSpPr/>
+          <p:nvPr/>
+        </p:nvGrpSpPr>
+        <p:grpSpPr>
+          <a:xfrm>
+            <a:off x="4198530" y="2761547"/>
+            <a:ext cx="3705726" cy="3255579"/>
+            <a:chOff x="304802" y="3429000"/>
+            <a:chExt cx="3705726" cy="3255579"/>
+          </a:xfrm>
+        </p:grpSpPr>
+        <p:sp>
+          <p:nvSpPr>
+            <p:cNvPr id="44" name="מלבן: פינות מעוגלות 43">
+              <a:extLst>
+                <a:ext uri="{FF2B5EF4-FFF2-40B4-BE49-F238E27FC236}">
+                  <a16:creationId xmlns:a16="http://schemas.microsoft.com/office/drawing/2014/main" id="{428B52CB-92A2-6ED4-1EBC-EE720BA71A80}"/>
+                </a:ext>
+              </a:extLst>
+            </p:cNvPr>
+            <p:cNvSpPr/>
+            <p:nvPr/>
+          </p:nvSpPr>
+          <p:spPr>
+            <a:xfrm>
+              <a:off x="304802" y="3429000"/>
+              <a:ext cx="3705726" cy="3255579"/>
+            </a:xfrm>
+            <a:prstGeom prst="roundRect">
+              <a:avLst/>
+            </a:prstGeom>
+            <a:noFill/>
+          </p:spPr>
+          <p:style>
+            <a:lnRef idx="2">
+              <a:schemeClr val="accent1">
+                <a:shade val="15000"/>
+              </a:schemeClr>
+            </a:lnRef>
+            <a:fillRef idx="1">
+              <a:schemeClr val="accent1"/>
+            </a:fillRef>
+            <a:effectRef idx="0">
+              <a:schemeClr val="accent1"/>
+            </a:effectRef>
+            <a:fontRef idx="minor">
+              <a:schemeClr val="lt1"/>
+            </a:fontRef>
+          </p:style>
+          <p:txBody>
+            <a:bodyPr rtlCol="1" anchor="ctr"/>
+            <a:lstStyle/>
+            <a:p>
+              <a:pPr algn="ctr"/>
+              <a:endParaRPr lang="he-IL"/>
+            </a:p>
+          </p:txBody>
+        </p:sp>
+        <p:pic>
+          <p:nvPicPr>
+            <p:cNvPr id="45" name="תמונה 44">
+              <a:extLst>
+                <a:ext uri="{FF2B5EF4-FFF2-40B4-BE49-F238E27FC236}">
+                  <a16:creationId xmlns:a16="http://schemas.microsoft.com/office/drawing/2014/main" id="{F8EDDCFA-4E2E-E643-0E58-B38C97380634}"/>
+                </a:ext>
+              </a:extLst>
+            </p:cNvPr>
+            <p:cNvPicPr>
+              <a:picLocks noChangeAspect="1"/>
+            </p:cNvPicPr>
+            <p:nvPr/>
+          </p:nvPicPr>
+          <p:blipFill>
+            <a:blip r:embed="rId7"/>
+            <a:stretch>
+              <a:fillRect/>
+            </a:stretch>
+          </p:blipFill>
+          <p:spPr>
+            <a:xfrm flipH="1">
+              <a:off x="959575" y="3560281"/>
+              <a:ext cx="2359541" cy="1573813"/>
+            </a:xfrm>
+            <a:prstGeom prst="rect">
+              <a:avLst/>
+            </a:prstGeom>
+          </p:spPr>
+        </p:pic>
+        <p:sp>
+          <p:nvSpPr>
+            <p:cNvPr id="46" name="תיבת טקסט 45">
+              <a:extLst>
+                <a:ext uri="{FF2B5EF4-FFF2-40B4-BE49-F238E27FC236}">
+                  <a16:creationId xmlns:a16="http://schemas.microsoft.com/office/drawing/2014/main" id="{1AD28246-E397-8450-54B6-03C65690257A}"/>
+                </a:ext>
+              </a:extLst>
+            </p:cNvPr>
+            <p:cNvSpPr txBox="1"/>
+            <p:nvPr/>
+          </p:nvSpPr>
+          <p:spPr>
+            <a:xfrm>
+              <a:off x="555788" y="5216134"/>
+              <a:ext cx="2359115" cy="461665"/>
+            </a:xfrm>
+            <a:prstGeom prst="rect">
+              <a:avLst/>
+            </a:prstGeom>
+            <a:noFill/>
+          </p:spPr>
+          <p:txBody>
+            <a:bodyPr wrap="square" rtlCol="1">
+              <a:spAutoFit/>
+            </a:bodyPr>
+            <a:lstStyle/>
+            <a:p>
+              <a:r>
+                <a:rPr lang="en-US" sz="2400" b="1" dirty="0"/>
+                <a:t>Hotel </a:t>
+              </a:r>
+              <a:r>
+                <a:rPr lang="en-US" sz="2400" b="1" dirty="0" err="1"/>
+                <a:t>blabla</a:t>
+              </a:r>
+              <a:endParaRPr lang="he-IL" sz="2400" b="1" dirty="0"/>
+            </a:p>
+          </p:txBody>
+        </p:sp>
+        <p:sp>
+          <p:nvSpPr>
+            <p:cNvPr id="47" name="תיבת טקסט 46">
+              <a:extLst>
+                <a:ext uri="{FF2B5EF4-FFF2-40B4-BE49-F238E27FC236}">
+                  <a16:creationId xmlns:a16="http://schemas.microsoft.com/office/drawing/2014/main" id="{962E43CA-C793-2894-ADF1-C5B8FB2C8D02}"/>
+                </a:ext>
+              </a:extLst>
+            </p:cNvPr>
+            <p:cNvSpPr txBox="1"/>
+            <p:nvPr/>
+          </p:nvSpPr>
+          <p:spPr>
+            <a:xfrm>
+              <a:off x="641526" y="5585466"/>
+              <a:ext cx="2075336" cy="646331"/>
+            </a:xfrm>
+            <a:prstGeom prst="rect">
+              <a:avLst/>
+            </a:prstGeom>
+            <a:noFill/>
+          </p:spPr>
+          <p:txBody>
+            <a:bodyPr wrap="square" rtlCol="1">
+              <a:spAutoFit/>
+            </a:bodyPr>
+            <a:lstStyle/>
+            <a:p>
+              <a:pPr algn="l"/>
+              <a:r>
+                <a:rPr lang="en-US" dirty="0"/>
+                <a:t>Details for example….</a:t>
+              </a:r>
+              <a:endParaRPr lang="he-IL" dirty="0"/>
+            </a:p>
+          </p:txBody>
+        </p:sp>
+        <p:sp>
+          <p:nvSpPr>
+            <p:cNvPr id="48" name="כוכב: 5 פינות 47">
+              <a:extLst>
+                <a:ext uri="{FF2B5EF4-FFF2-40B4-BE49-F238E27FC236}">
+                  <a16:creationId xmlns:a16="http://schemas.microsoft.com/office/drawing/2014/main" id="{81EC85BE-D965-65DF-FD05-76D1BA8A1826}"/>
+                </a:ext>
+              </a:extLst>
+            </p:cNvPr>
+            <p:cNvSpPr/>
+            <p:nvPr/>
+          </p:nvSpPr>
+          <p:spPr>
+            <a:xfrm>
+              <a:off x="672010" y="6283383"/>
+              <a:ext cx="329358" cy="266159"/>
+            </a:xfrm>
+            <a:prstGeom prst="star5">
+              <a:avLst/>
+            </a:prstGeom>
+          </p:spPr>
+          <p:style>
+            <a:lnRef idx="2">
+              <a:schemeClr val="accent1">
+                <a:shade val="15000"/>
+              </a:schemeClr>
+            </a:lnRef>
+            <a:fillRef idx="1">
+              <a:schemeClr val="accent1"/>
+            </a:fillRef>
+            <a:effectRef idx="0">
+              <a:schemeClr val="accent1"/>
+            </a:effectRef>
+            <a:fontRef idx="minor">
+              <a:schemeClr val="lt1"/>
+            </a:fontRef>
+          </p:style>
+          <p:txBody>
+            <a:bodyPr rtlCol="1" anchor="ctr"/>
+            <a:lstStyle/>
+            <a:p>
+              <a:pPr algn="ctr"/>
+              <a:endParaRPr lang="he-IL"/>
+            </a:p>
+          </p:txBody>
+        </p:sp>
+        <p:sp>
+          <p:nvSpPr>
+            <p:cNvPr id="49" name="תיבת טקסט 48">
+              <a:extLst>
+                <a:ext uri="{FF2B5EF4-FFF2-40B4-BE49-F238E27FC236}">
+                  <a16:creationId xmlns:a16="http://schemas.microsoft.com/office/drawing/2014/main" id="{83AE6882-4E2C-91EF-8F9E-771D97C32483}"/>
+                </a:ext>
+              </a:extLst>
+            </p:cNvPr>
+            <p:cNvSpPr txBox="1"/>
+            <p:nvPr/>
+          </p:nvSpPr>
+          <p:spPr>
+            <a:xfrm>
+              <a:off x="1127687" y="6231797"/>
+              <a:ext cx="1787216" cy="369332"/>
+            </a:xfrm>
+            <a:prstGeom prst="rect">
+              <a:avLst/>
+            </a:prstGeom>
+            <a:noFill/>
+          </p:spPr>
+          <p:txBody>
+            <a:bodyPr wrap="square" rtlCol="1">
+              <a:spAutoFit/>
+            </a:bodyPr>
+            <a:lstStyle/>
+            <a:p>
+              <a:pPr algn="l" rtl="0"/>
+              <a:r>
+                <a:rPr lang="en-US" b="1" dirty="0"/>
+                <a:t>4.5 </a:t>
+              </a:r>
+              <a:r>
+                <a:rPr lang="en-US" dirty="0"/>
+                <a:t>(123)</a:t>
+              </a:r>
+              <a:endParaRPr lang="he-IL" b="1" dirty="0"/>
+            </a:p>
+          </p:txBody>
+        </p:sp>
+      </p:grpSp>
+      <p:grpSp>
+        <p:nvGrpSpPr>
+          <p:cNvPr id="50" name="קבוצה 49">
+            <a:extLst>
+              <a:ext uri="{FF2B5EF4-FFF2-40B4-BE49-F238E27FC236}">
+                <a16:creationId xmlns:a16="http://schemas.microsoft.com/office/drawing/2014/main" id="{C94B65CD-21A6-5145-DED6-7D52A1BC3057}"/>
+              </a:ext>
+            </a:extLst>
+          </p:cNvPr>
+          <p:cNvGrpSpPr/>
+          <p:nvPr/>
+        </p:nvGrpSpPr>
+        <p:grpSpPr>
+          <a:xfrm>
+            <a:off x="8192832" y="2761584"/>
+            <a:ext cx="3705726" cy="3255579"/>
+            <a:chOff x="304802" y="3429000"/>
+            <a:chExt cx="3705726" cy="3255579"/>
+          </a:xfrm>
+        </p:grpSpPr>
+        <p:sp>
+          <p:nvSpPr>
+            <p:cNvPr id="51" name="מלבן: פינות מעוגלות 50">
+              <a:extLst>
+                <a:ext uri="{FF2B5EF4-FFF2-40B4-BE49-F238E27FC236}">
+                  <a16:creationId xmlns:a16="http://schemas.microsoft.com/office/drawing/2014/main" id="{C723447B-E7AD-0FC8-2D94-F84F1404F874}"/>
+                </a:ext>
+              </a:extLst>
+            </p:cNvPr>
+            <p:cNvSpPr/>
+            <p:nvPr/>
+          </p:nvSpPr>
+          <p:spPr>
+            <a:xfrm>
+              <a:off x="304802" y="3429000"/>
+              <a:ext cx="3705726" cy="3255579"/>
+            </a:xfrm>
+            <a:prstGeom prst="roundRect">
+              <a:avLst/>
+            </a:prstGeom>
+            <a:noFill/>
+          </p:spPr>
+          <p:style>
+            <a:lnRef idx="2">
+              <a:schemeClr val="accent1">
+                <a:shade val="15000"/>
+              </a:schemeClr>
+            </a:lnRef>
+            <a:fillRef idx="1">
+              <a:schemeClr val="accent1"/>
+            </a:fillRef>
+            <a:effectRef idx="0">
+              <a:schemeClr val="accent1"/>
+            </a:effectRef>
+            <a:fontRef idx="minor">
+              <a:schemeClr val="lt1"/>
+            </a:fontRef>
+          </p:style>
+          <p:txBody>
+            <a:bodyPr rtlCol="1" anchor="ctr"/>
+            <a:lstStyle/>
+            <a:p>
+              <a:pPr algn="ctr"/>
+              <a:endParaRPr lang="he-IL"/>
+            </a:p>
+          </p:txBody>
+        </p:sp>
+        <p:pic>
+          <p:nvPicPr>
+            <p:cNvPr id="52" name="תמונה 51">
+              <a:extLst>
+                <a:ext uri="{FF2B5EF4-FFF2-40B4-BE49-F238E27FC236}">
+                  <a16:creationId xmlns:a16="http://schemas.microsoft.com/office/drawing/2014/main" id="{0D4867BD-77F9-2F3C-48B1-7BD320E05C84}"/>
+                </a:ext>
+              </a:extLst>
+            </p:cNvPr>
+            <p:cNvPicPr>
+              <a:picLocks noChangeAspect="1"/>
+            </p:cNvPicPr>
+            <p:nvPr/>
+          </p:nvPicPr>
+          <p:blipFill>
+            <a:blip r:embed="rId7"/>
+            <a:stretch>
+              <a:fillRect/>
+            </a:stretch>
+          </p:blipFill>
+          <p:spPr>
+            <a:xfrm flipH="1">
+              <a:off x="959575" y="3560281"/>
+              <a:ext cx="2359541" cy="1573813"/>
+            </a:xfrm>
+            <a:prstGeom prst="rect">
+              <a:avLst/>
+            </a:prstGeom>
+          </p:spPr>
+        </p:pic>
+        <p:sp>
+          <p:nvSpPr>
+            <p:cNvPr id="53" name="תיבת טקסט 52">
+              <a:extLst>
+                <a:ext uri="{FF2B5EF4-FFF2-40B4-BE49-F238E27FC236}">
+                  <a16:creationId xmlns:a16="http://schemas.microsoft.com/office/drawing/2014/main" id="{9DE8CEAF-6DB5-1F4A-7055-AA0D5FB23988}"/>
+                </a:ext>
+              </a:extLst>
+            </p:cNvPr>
+            <p:cNvSpPr txBox="1"/>
+            <p:nvPr/>
+          </p:nvSpPr>
+          <p:spPr>
+            <a:xfrm>
+              <a:off x="555788" y="5216134"/>
+              <a:ext cx="2359115" cy="461665"/>
+            </a:xfrm>
+            <a:prstGeom prst="rect">
+              <a:avLst/>
+            </a:prstGeom>
+            <a:noFill/>
+          </p:spPr>
+          <p:txBody>
+            <a:bodyPr wrap="square" rtlCol="1">
+              <a:spAutoFit/>
+            </a:bodyPr>
+            <a:lstStyle/>
+            <a:p>
+              <a:r>
+                <a:rPr lang="en-US" sz="2400" b="1" dirty="0"/>
+                <a:t>Hotel </a:t>
+              </a:r>
+              <a:r>
+                <a:rPr lang="en-US" sz="2400" b="1" dirty="0" err="1"/>
+                <a:t>blabla</a:t>
+              </a:r>
+              <a:endParaRPr lang="he-IL" sz="2400" b="1" dirty="0"/>
+            </a:p>
+          </p:txBody>
+        </p:sp>
+        <p:sp>
+          <p:nvSpPr>
+            <p:cNvPr id="54" name="תיבת טקסט 53">
+              <a:extLst>
+                <a:ext uri="{FF2B5EF4-FFF2-40B4-BE49-F238E27FC236}">
+                  <a16:creationId xmlns:a16="http://schemas.microsoft.com/office/drawing/2014/main" id="{CA8D4DEA-CA2C-78CC-43E8-5247978898DE}"/>
+                </a:ext>
+              </a:extLst>
+            </p:cNvPr>
+            <p:cNvSpPr txBox="1"/>
+            <p:nvPr/>
+          </p:nvSpPr>
+          <p:spPr>
+            <a:xfrm>
+              <a:off x="641526" y="5585466"/>
+              <a:ext cx="2075336" cy="646331"/>
+            </a:xfrm>
+            <a:prstGeom prst="rect">
+              <a:avLst/>
+            </a:prstGeom>
+            <a:noFill/>
+          </p:spPr>
+          <p:txBody>
+            <a:bodyPr wrap="square" rtlCol="1">
+              <a:spAutoFit/>
+            </a:bodyPr>
+            <a:lstStyle/>
+            <a:p>
+              <a:pPr algn="l"/>
+              <a:r>
+                <a:rPr lang="en-US" dirty="0"/>
+                <a:t>Details for example….</a:t>
+              </a:r>
+              <a:endParaRPr lang="he-IL" dirty="0"/>
+            </a:p>
+          </p:txBody>
+        </p:sp>
+        <p:sp>
+          <p:nvSpPr>
+            <p:cNvPr id="55" name="כוכב: 5 פינות 54">
+              <a:extLst>
+                <a:ext uri="{FF2B5EF4-FFF2-40B4-BE49-F238E27FC236}">
+                  <a16:creationId xmlns:a16="http://schemas.microsoft.com/office/drawing/2014/main" id="{9567CBC5-6A76-9747-0147-91BCA8118BA8}"/>
+                </a:ext>
+              </a:extLst>
+            </p:cNvPr>
+            <p:cNvSpPr/>
+            <p:nvPr/>
+          </p:nvSpPr>
+          <p:spPr>
+            <a:xfrm>
+              <a:off x="672010" y="6283383"/>
+              <a:ext cx="329358" cy="266159"/>
+            </a:xfrm>
+            <a:prstGeom prst="star5">
+              <a:avLst/>
+            </a:prstGeom>
+          </p:spPr>
+          <p:style>
+            <a:lnRef idx="2">
+              <a:schemeClr val="accent1">
+                <a:shade val="15000"/>
+              </a:schemeClr>
+            </a:lnRef>
+            <a:fillRef idx="1">
+              <a:schemeClr val="accent1"/>
+            </a:fillRef>
+            <a:effectRef idx="0">
+              <a:schemeClr val="accent1"/>
+            </a:effectRef>
+            <a:fontRef idx="minor">
+              <a:schemeClr val="lt1"/>
+            </a:fontRef>
+          </p:style>
+          <p:txBody>
+            <a:bodyPr rtlCol="1" anchor="ctr"/>
+            <a:lstStyle/>
+            <a:p>
+              <a:pPr algn="ctr"/>
+              <a:endParaRPr lang="he-IL"/>
+            </a:p>
+          </p:txBody>
+        </p:sp>
+        <p:sp>
+          <p:nvSpPr>
+            <p:cNvPr id="56" name="תיבת טקסט 55">
+              <a:extLst>
+                <a:ext uri="{FF2B5EF4-FFF2-40B4-BE49-F238E27FC236}">
+                  <a16:creationId xmlns:a16="http://schemas.microsoft.com/office/drawing/2014/main" id="{98695A97-36F5-E5E2-70C6-D0DEF5380D20}"/>
+                </a:ext>
+              </a:extLst>
+            </p:cNvPr>
+            <p:cNvSpPr txBox="1"/>
+            <p:nvPr/>
+          </p:nvSpPr>
+          <p:spPr>
+            <a:xfrm>
+              <a:off x="1127687" y="6231797"/>
               <a:ext cx="1787216" cy="369332"/>
             </a:xfrm>
             <a:prstGeom prst="rect">
@@ -10978,108 +14670,81 @@
       </p:grpSp>
       <p:sp>
         <p:nvSpPr>
-          <p:cNvPr id="12" name="מלבן: פינות מעוגלות 11">
+          <p:cNvPr id="9" name="תיבת טקסט 8">
             <a:extLst>
               <a:ext uri="{FF2B5EF4-FFF2-40B4-BE49-F238E27FC236}">
-                <a16:creationId xmlns:a16="http://schemas.microsoft.com/office/drawing/2014/main" id="{93585FFA-BA1B-A127-45BA-90E365EA1529}"/>
+                <a16:creationId xmlns:a16="http://schemas.microsoft.com/office/drawing/2014/main" id="{0FC7092F-8226-E33E-BBE5-D818679403EE}"/>
               </a:ext>
             </a:extLst>
           </p:cNvPr>
-          <p:cNvSpPr/>
+          <p:cNvSpPr txBox="1"/>
           <p:nvPr/>
         </p:nvSpPr>
         <p:spPr>
           <a:xfrm>
-            <a:off x="3557922" y="5795155"/>
-            <a:ext cx="2071992" cy="604583"/>
+            <a:off x="487275" y="6142690"/>
+            <a:ext cx="3590089" cy="646331"/>
           </a:xfrm>
-          <a:prstGeom prst="roundRect">
+          <a:prstGeom prst="rect">
+            <a:avLst/>
+          </a:prstGeom>
+          <a:noFill/>
+        </p:spPr>
+        <p:txBody>
+          <a:bodyPr wrap="square" rtlCol="1">
+            <a:spAutoFit/>
+          </a:bodyPr>
+          <a:lstStyle/>
+          <a:p>
+            <a:r>
+              <a:rPr lang="en-US" dirty="0"/>
+              <a:t>Want a full trip planning?</a:t>
+            </a:r>
+            <a:endParaRPr lang="he-IL" dirty="0"/>
+          </a:p>
+          <a:p>
+            <a:r>
+              <a:rPr lang="en-US" dirty="0"/>
+              <a:t>Our guide here to help you</a:t>
+            </a:r>
+            <a:endParaRPr lang="he-IL" dirty="0"/>
+          </a:p>
+        </p:txBody>
+      </p:sp>
+      <p:pic>
+        <p:nvPicPr>
+          <p:cNvPr id="13" name="תמונה 12">
+            <a:extLst>
+              <a:ext uri="{FF2B5EF4-FFF2-40B4-BE49-F238E27FC236}">
+                <a16:creationId xmlns:a16="http://schemas.microsoft.com/office/drawing/2014/main" id="{3019FE6A-4E92-4798-68F0-1F4DA20E87A2}"/>
+              </a:ext>
+            </a:extLst>
+          </p:cNvPr>
+          <p:cNvPicPr>
+            <a:picLocks noChangeAspect="1"/>
+          </p:cNvPicPr>
+          <p:nvPr/>
+        </p:nvPicPr>
+        <p:blipFill>
+          <a:blip r:embed="rId8"/>
+          <a:stretch>
+            <a:fillRect/>
+          </a:stretch>
+        </p:blipFill>
+        <p:spPr>
+          <a:xfrm>
+            <a:off x="555788" y="6027985"/>
+            <a:ext cx="714835" cy="714835"/>
+          </a:xfrm>
+          <a:prstGeom prst="rect">
             <a:avLst/>
           </a:prstGeom>
         </p:spPr>
-        <p:style>
-          <a:lnRef idx="2">
-            <a:schemeClr val="accent1">
-              <a:shade val="15000"/>
-            </a:schemeClr>
-          </a:lnRef>
-          <a:fillRef idx="1">
-            <a:schemeClr val="accent1"/>
-          </a:fillRef>
-          <a:effectRef idx="0">
-            <a:schemeClr val="accent1"/>
-          </a:effectRef>
-          <a:fontRef idx="minor">
-            <a:schemeClr val="lt1"/>
-          </a:fontRef>
-        </p:style>
-        <p:txBody>
-          <a:bodyPr rtlCol="1" anchor="ctr"/>
-          <a:lstStyle/>
-          <a:p>
-            <a:pPr algn="ctr"/>
-            <a:r>
-              <a:rPr lang="en-US" dirty="0"/>
-              <a:t>Add comment/grade</a:t>
-            </a:r>
-            <a:endParaRPr lang="he-IL" dirty="0"/>
-          </a:p>
-        </p:txBody>
-      </p:sp>
-      <p:sp>
-        <p:nvSpPr>
-          <p:cNvPr id="13" name="מלבן: פינות מעוגלות 12">
-            <a:extLst>
-              <a:ext uri="{FF2B5EF4-FFF2-40B4-BE49-F238E27FC236}">
-                <a16:creationId xmlns:a16="http://schemas.microsoft.com/office/drawing/2014/main" id="{C39BD656-EA81-7F9E-9750-DE0457052558}"/>
-              </a:ext>
-            </a:extLst>
-          </p:cNvPr>
-          <p:cNvSpPr/>
-          <p:nvPr/>
-        </p:nvSpPr>
-        <p:spPr>
-          <a:xfrm>
-            <a:off x="6096000" y="5783308"/>
-            <a:ext cx="2071992" cy="604583"/>
-          </a:xfrm>
-          <a:prstGeom prst="roundRect">
-            <a:avLst/>
-          </a:prstGeom>
-        </p:spPr>
-        <p:style>
-          <a:lnRef idx="2">
-            <a:schemeClr val="accent1">
-              <a:shade val="15000"/>
-            </a:schemeClr>
-          </a:lnRef>
-          <a:fillRef idx="1">
-            <a:schemeClr val="accent1"/>
-          </a:fillRef>
-          <a:effectRef idx="0">
-            <a:schemeClr val="accent1"/>
-          </a:effectRef>
-          <a:fontRef idx="minor">
-            <a:schemeClr val="lt1"/>
-          </a:fontRef>
-        </p:style>
-        <p:txBody>
-          <a:bodyPr rtlCol="1" anchor="ctr"/>
-          <a:lstStyle/>
-          <a:p>
-            <a:pPr algn="ctr"/>
-            <a:r>
-              <a:rPr lang="en-US" dirty="0"/>
-              <a:t>View comments</a:t>
-            </a:r>
-            <a:endParaRPr lang="he-IL" dirty="0"/>
-          </a:p>
-        </p:txBody>
-      </p:sp>
+      </p:pic>
     </p:spTree>
     <p:extLst>
       <p:ext uri="{BB962C8B-B14F-4D97-AF65-F5344CB8AC3E}">
-        <p14:creationId xmlns:p14="http://schemas.microsoft.com/office/powerpoint/2010/main" val="2657315161"/>
+        <p14:creationId xmlns:p14="http://schemas.microsoft.com/office/powerpoint/2010/main" val="3560444033"/>
       </p:ext>
     </p:extLst>
   </p:cSld>
@@ -11120,8 +14785,8 @@
         </p:nvSpPr>
         <p:spPr>
           <a:xfrm>
-            <a:off x="7629253" y="1237975"/>
-            <a:ext cx="184731" cy="646331"/>
+            <a:off x="4179656" y="1237975"/>
+            <a:ext cx="3634328" cy="646331"/>
           </a:xfrm>
           <a:prstGeom prst="rect">
             <a:avLst/>
@@ -11134,6 +14799,10 @@
           </a:bodyPr>
           <a:lstStyle/>
           <a:p>
+            <a:r>
+              <a:rPr lang="en-US" sz="3600" dirty="0"/>
+              <a:t>The special guide</a:t>
+            </a:r>
             <a:endParaRPr lang="he-IL" sz="3600" dirty="0"/>
           </a:p>
         </p:txBody>
@@ -11228,13 +14897,13 @@
             <p:nvPr/>
           </p:nvPicPr>
           <p:blipFill>
-            <a:blip r:embed="rId2">
+            <a:blip r:embed="rId3">
               <a:extLst>
                 <a:ext uri="{28A0092B-C50C-407E-A947-70E740481C1C}">
                   <a14:useLocalDpi xmlns:a14="http://schemas.microsoft.com/office/drawing/2010/main" val="0"/>
                 </a:ext>
                 <a:ext uri="{96DAC541-7B7A-43D3-8B79-37D633B846F1}">
-                  <asvg:svgBlip xmlns:asvg="http://schemas.microsoft.com/office/drawing/2016/SVG/main" r:embed="rId3"/>
+                  <asvg:svgBlip xmlns:asvg="http://schemas.microsoft.com/office/drawing/2016/SVG/main" r:embed="rId4"/>
                 </a:ext>
               </a:extLst>
             </a:blip>
@@ -11267,7 +14936,7 @@
             <p:nvPr/>
           </p:nvPicPr>
           <p:blipFill>
-            <a:blip r:embed="rId4">
+            <a:blip r:embed="rId5">
               <a:extLst>
                 <a:ext uri="{28A0092B-C50C-407E-A947-70E740481C1C}">
                   <a14:useLocalDpi xmlns:a14="http://schemas.microsoft.com/office/drawing/2010/main" val="0"/>
@@ -11299,311 +14968,97 @@
             </a:extLst>
           </p:spPr>
         </p:pic>
-        <p:sp>
-          <p:nvSpPr>
-            <p:cNvPr id="17" name="תיבת טקסט 16">
-              <a:extLst>
-                <a:ext uri="{FF2B5EF4-FFF2-40B4-BE49-F238E27FC236}">
-                  <a16:creationId xmlns:a16="http://schemas.microsoft.com/office/drawing/2014/main" id="{250A3D96-D95F-C114-06CE-74460847E5A4}"/>
-                </a:ext>
-              </a:extLst>
-            </p:cNvPr>
-            <p:cNvSpPr txBox="1"/>
-            <p:nvPr/>
-          </p:nvSpPr>
-          <p:spPr>
-            <a:xfrm>
-              <a:off x="9973559" y="253677"/>
-              <a:ext cx="1187777" cy="369332"/>
-            </a:xfrm>
-            <a:prstGeom prst="rect">
-              <a:avLst/>
-            </a:prstGeom>
-            <a:noFill/>
-          </p:spPr>
-          <p:txBody>
-            <a:bodyPr wrap="square" rtlCol="1">
-              <a:spAutoFit/>
-            </a:bodyPr>
-            <a:lstStyle/>
-            <a:p>
-              <a:r>
-                <a:rPr lang="en-US" dirty="0"/>
-                <a:t>logout</a:t>
-              </a:r>
-              <a:endParaRPr lang="he-IL" dirty="0"/>
-            </a:p>
-          </p:txBody>
-        </p:sp>
       </p:grpSp>
-      <p:grpSp>
-        <p:nvGrpSpPr>
-          <p:cNvPr id="2" name="קבוצה 1">
+      <p:pic>
+        <p:nvPicPr>
+          <p:cNvPr id="1026" name="Picture 2">
             <a:extLst>
               <a:ext uri="{FF2B5EF4-FFF2-40B4-BE49-F238E27FC236}">
-                <a16:creationId xmlns:a16="http://schemas.microsoft.com/office/drawing/2014/main" id="{C0ACBF88-0CFE-78C9-43F5-1D477C55EC25}"/>
+                <a16:creationId xmlns:a16="http://schemas.microsoft.com/office/drawing/2014/main" id="{3DF18A48-C929-C803-94D8-53DB730A7A5F}"/>
               </a:ext>
             </a:extLst>
           </p:cNvPr>
-          <p:cNvGrpSpPr/>
+          <p:cNvPicPr>
+            <a:picLocks noChangeAspect="1" noChangeArrowheads="1"/>
+          </p:cNvPicPr>
           <p:nvPr/>
-        </p:nvGrpSpPr>
-        <p:grpSpPr>
+        </p:nvPicPr>
+        <p:blipFill>
+          <a:blip r:embed="rId6">
+            <a:extLst>
+              <a:ext uri="{28A0092B-C50C-407E-A947-70E740481C1C}">
+                <a14:useLocalDpi xmlns:a14="http://schemas.microsoft.com/office/drawing/2010/main" val="0"/>
+              </a:ext>
+            </a:extLst>
+          </a:blip>
+          <a:srcRect/>
+          <a:stretch>
+            <a:fillRect/>
+          </a:stretch>
+        </p:blipFill>
+        <p:spPr bwMode="auto">
           <a:xfrm>
-            <a:off x="2757124" y="993379"/>
-            <a:ext cx="7216435" cy="5864621"/>
-            <a:chOff x="276774" y="3429000"/>
-            <a:chExt cx="3733754" cy="3255579"/>
+            <a:off x="3225521" y="1989574"/>
+            <a:ext cx="771456" cy="771456"/>
           </a:xfrm>
-        </p:grpSpPr>
-        <p:sp>
-          <p:nvSpPr>
-            <p:cNvPr id="3" name="מלבן: פינות מעוגלות 2">
-              <a:extLst>
-                <a:ext uri="{FF2B5EF4-FFF2-40B4-BE49-F238E27FC236}">
-                  <a16:creationId xmlns:a16="http://schemas.microsoft.com/office/drawing/2014/main" id="{BCD0F45B-FAEE-E680-EE12-FC86CCFEC465}"/>
-                </a:ext>
-              </a:extLst>
-            </p:cNvPr>
-            <p:cNvSpPr/>
-            <p:nvPr/>
-          </p:nvSpPr>
-          <p:spPr>
-            <a:xfrm>
-              <a:off x="304802" y="3429000"/>
-              <a:ext cx="3705726" cy="3255579"/>
-            </a:xfrm>
-            <a:prstGeom prst="roundRect">
-              <a:avLst/>
-            </a:prstGeom>
-            <a:noFill/>
-          </p:spPr>
-          <p:style>
-            <a:lnRef idx="2">
-              <a:schemeClr val="accent1">
-                <a:shade val="15000"/>
-              </a:schemeClr>
-            </a:lnRef>
-            <a:fillRef idx="1">
-              <a:schemeClr val="accent1"/>
-            </a:fillRef>
-            <a:effectRef idx="0">
-              <a:schemeClr val="accent1"/>
-            </a:effectRef>
-            <a:fontRef idx="minor">
-              <a:schemeClr val="lt1"/>
-            </a:fontRef>
-          </p:style>
-          <p:txBody>
-            <a:bodyPr rtlCol="1" anchor="ctr"/>
-            <a:lstStyle/>
-            <a:p>
-              <a:pPr algn="ctr"/>
-              <a:endParaRPr lang="he-IL"/>
-            </a:p>
-          </p:txBody>
-        </p:sp>
-        <p:pic>
-          <p:nvPicPr>
-            <p:cNvPr id="5" name="תמונה 4">
-              <a:extLst>
-                <a:ext uri="{FF2B5EF4-FFF2-40B4-BE49-F238E27FC236}">
-                  <a16:creationId xmlns:a16="http://schemas.microsoft.com/office/drawing/2014/main" id="{0314F3DD-465F-354E-BAEA-09AFFE89EFA5}"/>
-                </a:ext>
-              </a:extLst>
-            </p:cNvPr>
-            <p:cNvPicPr>
-              <a:picLocks noChangeAspect="1"/>
-            </p:cNvPicPr>
-            <p:nvPr/>
-          </p:nvPicPr>
-          <p:blipFill>
-            <a:blip r:embed="rId5"/>
-            <a:stretch>
-              <a:fillRect/>
-            </a:stretch>
-          </p:blipFill>
-          <p:spPr>
-            <a:xfrm flipH="1">
-              <a:off x="1456331" y="3616486"/>
-              <a:ext cx="1510471" cy="1007484"/>
-            </a:xfrm>
-            <a:prstGeom prst="rect">
-              <a:avLst/>
-            </a:prstGeom>
-          </p:spPr>
-        </p:pic>
-        <p:sp>
-          <p:nvSpPr>
-            <p:cNvPr id="6" name="תיבת טקסט 5">
-              <a:extLst>
-                <a:ext uri="{FF2B5EF4-FFF2-40B4-BE49-F238E27FC236}">
-                  <a16:creationId xmlns:a16="http://schemas.microsoft.com/office/drawing/2014/main" id="{F7A2F5BE-4495-197D-75B5-6F1D505BD7FA}"/>
-                </a:ext>
-              </a:extLst>
-            </p:cNvPr>
-            <p:cNvSpPr txBox="1"/>
-            <p:nvPr/>
-          </p:nvSpPr>
-          <p:spPr>
-            <a:xfrm>
-              <a:off x="276774" y="4688745"/>
-              <a:ext cx="2359115" cy="461665"/>
-            </a:xfrm>
-            <a:prstGeom prst="rect">
-              <a:avLst/>
-            </a:prstGeom>
-            <a:noFill/>
-          </p:spPr>
-          <p:txBody>
-            <a:bodyPr wrap="square" rtlCol="1">
-              <a:spAutoFit/>
-            </a:bodyPr>
-            <a:lstStyle/>
-            <a:p>
-              <a:r>
-                <a:rPr lang="en-US" sz="2400" b="1" dirty="0"/>
-                <a:t>Hotel </a:t>
-              </a:r>
-              <a:r>
-                <a:rPr lang="en-US" sz="2400" b="1" dirty="0" err="1"/>
-                <a:t>blabla</a:t>
-              </a:r>
-              <a:endParaRPr lang="he-IL" sz="2400" b="1" dirty="0"/>
-            </a:p>
-          </p:txBody>
-        </p:sp>
-        <p:sp>
-          <p:nvSpPr>
-            <p:cNvPr id="7" name="תיבת טקסט 6">
-              <a:extLst>
-                <a:ext uri="{FF2B5EF4-FFF2-40B4-BE49-F238E27FC236}">
-                  <a16:creationId xmlns:a16="http://schemas.microsoft.com/office/drawing/2014/main" id="{061B9377-A5A1-558D-2C25-573D8994EAD3}"/>
-                </a:ext>
-              </a:extLst>
-            </p:cNvPr>
-            <p:cNvSpPr txBox="1"/>
-            <p:nvPr/>
-          </p:nvSpPr>
-          <p:spPr>
-            <a:xfrm>
-              <a:off x="686627" y="4920568"/>
-              <a:ext cx="2075336" cy="646331"/>
-            </a:xfrm>
-            <a:prstGeom prst="rect">
-              <a:avLst/>
-            </a:prstGeom>
-            <a:noFill/>
-          </p:spPr>
-          <p:txBody>
-            <a:bodyPr wrap="square" rtlCol="1">
-              <a:spAutoFit/>
-            </a:bodyPr>
-            <a:lstStyle/>
-            <a:p>
-              <a:pPr algn="l"/>
-              <a:r>
-                <a:rPr lang="en-US" dirty="0"/>
-                <a:t>Details for example….</a:t>
-              </a:r>
-              <a:endParaRPr lang="he-IL" dirty="0"/>
-            </a:p>
-          </p:txBody>
-        </p:sp>
-        <p:sp>
-          <p:nvSpPr>
-            <p:cNvPr id="8" name="כוכב: 5 פינות 7">
-              <a:extLst>
-                <a:ext uri="{FF2B5EF4-FFF2-40B4-BE49-F238E27FC236}">
-                  <a16:creationId xmlns:a16="http://schemas.microsoft.com/office/drawing/2014/main" id="{CBD472AB-0EF7-0771-B35E-82DEC64FF0EF}"/>
-                </a:ext>
-              </a:extLst>
-            </p:cNvPr>
-            <p:cNvSpPr/>
-            <p:nvPr/>
-          </p:nvSpPr>
-          <p:spPr>
-            <a:xfrm>
-              <a:off x="686627" y="5313928"/>
-              <a:ext cx="329358" cy="266159"/>
-            </a:xfrm>
-            <a:prstGeom prst="star5">
-              <a:avLst/>
-            </a:prstGeom>
-          </p:spPr>
-          <p:style>
-            <a:lnRef idx="2">
-              <a:schemeClr val="accent1">
-                <a:shade val="15000"/>
-              </a:schemeClr>
-            </a:lnRef>
-            <a:fillRef idx="1">
-              <a:schemeClr val="accent1"/>
-            </a:fillRef>
-            <a:effectRef idx="0">
-              <a:schemeClr val="accent1"/>
-            </a:effectRef>
-            <a:fontRef idx="minor">
-              <a:schemeClr val="lt1"/>
-            </a:fontRef>
-          </p:style>
-          <p:txBody>
-            <a:bodyPr rtlCol="1" anchor="ctr"/>
-            <a:lstStyle/>
-            <a:p>
-              <a:pPr algn="ctr"/>
-              <a:endParaRPr lang="he-IL"/>
-            </a:p>
-          </p:txBody>
-        </p:sp>
-        <p:sp>
-          <p:nvSpPr>
-            <p:cNvPr id="9" name="תיבת טקסט 8">
-              <a:extLst>
-                <a:ext uri="{FF2B5EF4-FFF2-40B4-BE49-F238E27FC236}">
-                  <a16:creationId xmlns:a16="http://schemas.microsoft.com/office/drawing/2014/main" id="{5E09CDC4-C4DD-6DA1-BF3F-E06F3C86A463}"/>
-                </a:ext>
-              </a:extLst>
-            </p:cNvPr>
-            <p:cNvSpPr txBox="1"/>
-            <p:nvPr/>
-          </p:nvSpPr>
-          <p:spPr>
-            <a:xfrm>
-              <a:off x="1110687" y="5334881"/>
-              <a:ext cx="1787216" cy="369332"/>
-            </a:xfrm>
-            <a:prstGeom prst="rect">
-              <a:avLst/>
-            </a:prstGeom>
-            <a:noFill/>
-          </p:spPr>
-          <p:txBody>
-            <a:bodyPr wrap="square" rtlCol="1">
-              <a:spAutoFit/>
-            </a:bodyPr>
-            <a:lstStyle/>
-            <a:p>
-              <a:pPr algn="l" rtl="0"/>
-              <a:r>
-                <a:rPr lang="en-US" b="1" dirty="0"/>
-                <a:t>4.5 </a:t>
-              </a:r>
-              <a:r>
-                <a:rPr lang="en-US" dirty="0"/>
-                <a:t>(123)</a:t>
-              </a:r>
-              <a:endParaRPr lang="he-IL" b="1" dirty="0"/>
-            </a:p>
-          </p:txBody>
-        </p:sp>
-      </p:grpSp>
+          <a:prstGeom prst="rect">
+            <a:avLst/>
+          </a:prstGeom>
+          <a:noFill/>
+          <a:extLst>
+            <a:ext uri="{909E8E84-426E-40DD-AFC4-6F175D3DCCD1}">
+              <a14:hiddenFill xmlns:a14="http://schemas.microsoft.com/office/drawing/2010/main">
+                <a:solidFill>
+                  <a:srgbClr val="FFFFFF"/>
+                </a:solidFill>
+              </a14:hiddenFill>
+            </a:ext>
+          </a:extLst>
+        </p:spPr>
+      </p:pic>
       <p:sp>
         <p:nvSpPr>
-          <p:cNvPr id="12" name="מלבן: פינות מעוגלות 11">
+          <p:cNvPr id="2" name="תיבת טקסט 1">
             <a:extLst>
               <a:ext uri="{FF2B5EF4-FFF2-40B4-BE49-F238E27FC236}">
-                <a16:creationId xmlns:a16="http://schemas.microsoft.com/office/drawing/2014/main" id="{1C56DDD7-FB32-D03A-2C77-2DB54FAF83AD}"/>
+                <a16:creationId xmlns:a16="http://schemas.microsoft.com/office/drawing/2014/main" id="{2BFF84F5-FF20-DE30-E9FB-E4C106911B9E}"/>
+              </a:ext>
+            </a:extLst>
+          </p:cNvPr>
+          <p:cNvSpPr txBox="1"/>
+          <p:nvPr/>
+        </p:nvSpPr>
+        <p:spPr>
+          <a:xfrm>
+            <a:off x="4129873" y="1989574"/>
+            <a:ext cx="6943411" cy="369332"/>
+          </a:xfrm>
+          <a:prstGeom prst="rect">
+            <a:avLst/>
+          </a:prstGeom>
+          <a:noFill/>
+        </p:spPr>
+        <p:txBody>
+          <a:bodyPr wrap="square" rtlCol="1">
+            <a:spAutoFit/>
+          </a:bodyPr>
+          <a:lstStyle/>
+          <a:p>
+            <a:pPr algn="l"/>
+            <a:r>
+              <a:rPr lang="en-US" dirty="0"/>
+              <a:t>Which vacation you want to plan?</a:t>
+            </a:r>
+            <a:endParaRPr lang="he-IL" dirty="0"/>
+          </a:p>
+        </p:txBody>
+      </p:sp>
+      <p:sp>
+        <p:nvSpPr>
+          <p:cNvPr id="3" name="מלבן 2">
+            <a:extLst>
+              <a:ext uri="{FF2B5EF4-FFF2-40B4-BE49-F238E27FC236}">
+                <a16:creationId xmlns:a16="http://schemas.microsoft.com/office/drawing/2014/main" id="{B64473BA-ABC0-3E92-E25F-4B529171B680}"/>
               </a:ext>
             </a:extLst>
           </p:cNvPr>
@@ -11612,108 +15067,8 @@
         </p:nvSpPr>
         <p:spPr>
           <a:xfrm>
-            <a:off x="4267200" y="6363651"/>
-            <a:ext cx="1141379" cy="437981"/>
-          </a:xfrm>
-          <a:prstGeom prst="roundRect">
-            <a:avLst/>
-          </a:prstGeom>
-        </p:spPr>
-        <p:style>
-          <a:lnRef idx="2">
-            <a:schemeClr val="accent1">
-              <a:shade val="15000"/>
-            </a:schemeClr>
-          </a:lnRef>
-          <a:fillRef idx="1">
-            <a:schemeClr val="accent1"/>
-          </a:fillRef>
-          <a:effectRef idx="0">
-            <a:schemeClr val="accent1"/>
-          </a:effectRef>
-          <a:fontRef idx="minor">
-            <a:schemeClr val="lt1"/>
-          </a:fontRef>
-        </p:style>
-        <p:txBody>
-          <a:bodyPr rtlCol="1" anchor="ctr"/>
-          <a:lstStyle/>
-          <a:p>
-            <a:pPr algn="ctr"/>
-            <a:r>
-              <a:rPr lang="en-US" dirty="0"/>
-              <a:t>save</a:t>
-            </a:r>
-            <a:endParaRPr lang="he-IL" dirty="0"/>
-          </a:p>
-        </p:txBody>
-      </p:sp>
-      <p:sp>
-        <p:nvSpPr>
-          <p:cNvPr id="13" name="מלבן: פינות מעוגלות 12">
-            <a:extLst>
-              <a:ext uri="{FF2B5EF4-FFF2-40B4-BE49-F238E27FC236}">
-                <a16:creationId xmlns:a16="http://schemas.microsoft.com/office/drawing/2014/main" id="{D5CE69DB-D404-22C8-E410-0C3A3C40CAD2}"/>
-              </a:ext>
-            </a:extLst>
-          </p:cNvPr>
-          <p:cNvSpPr/>
-          <p:nvPr/>
-        </p:nvSpPr>
-        <p:spPr>
-          <a:xfrm>
-            <a:off x="6799248" y="6363651"/>
-            <a:ext cx="1141379" cy="437981"/>
-          </a:xfrm>
-          <a:prstGeom prst="roundRect">
-            <a:avLst/>
-          </a:prstGeom>
-        </p:spPr>
-        <p:style>
-          <a:lnRef idx="2">
-            <a:schemeClr val="accent1">
-              <a:shade val="15000"/>
-            </a:schemeClr>
-          </a:lnRef>
-          <a:fillRef idx="1">
-            <a:schemeClr val="accent1"/>
-          </a:fillRef>
-          <a:effectRef idx="0">
-            <a:schemeClr val="accent1"/>
-          </a:effectRef>
-          <a:fontRef idx="minor">
-            <a:schemeClr val="lt1"/>
-          </a:fontRef>
-        </p:style>
-        <p:txBody>
-          <a:bodyPr rtlCol="1" anchor="ctr"/>
-          <a:lstStyle/>
-          <a:p>
-            <a:pPr algn="ctr"/>
-            <a:r>
-              <a:rPr lang="en-US" dirty="0"/>
-              <a:t>cancel</a:t>
-            </a:r>
-            <a:endParaRPr lang="he-IL" dirty="0"/>
-          </a:p>
-        </p:txBody>
-      </p:sp>
-      <p:sp>
-        <p:nvSpPr>
-          <p:cNvPr id="14" name="מלבן 13">
-            <a:extLst>
-              <a:ext uri="{FF2B5EF4-FFF2-40B4-BE49-F238E27FC236}">
-                <a16:creationId xmlns:a16="http://schemas.microsoft.com/office/drawing/2014/main" id="{6D95128D-7AF7-E9CB-C441-66165759E141}"/>
-              </a:ext>
-            </a:extLst>
-          </p:cNvPr>
-          <p:cNvSpPr/>
-          <p:nvPr/>
-        </p:nvSpPr>
-        <p:spPr>
-          <a:xfrm>
-            <a:off x="3842426" y="5533328"/>
-            <a:ext cx="5233480" cy="731285"/>
+            <a:off x="4179656" y="4883888"/>
+            <a:ext cx="4354289" cy="1472274"/>
           </a:xfrm>
           <a:prstGeom prst="rect">
             <a:avLst/>
@@ -11741,28 +15096,16 @@
           <a:lstStyle/>
           <a:p>
             <a:pPr algn="ctr"/>
-            <a:r>
-              <a:rPr lang="en-US" dirty="0">
-                <a:solidFill>
-                  <a:schemeClr val="tx1"/>
-                </a:solidFill>
-              </a:rPr>
-              <a:t>comment</a:t>
-            </a:r>
-            <a:endParaRPr lang="he-IL" dirty="0">
-              <a:solidFill>
-                <a:schemeClr val="tx1"/>
-              </a:solidFill>
-            </a:endParaRPr>
+            <a:endParaRPr lang="he-IL" dirty="0"/>
           </a:p>
         </p:txBody>
       </p:sp>
       <p:sp>
         <p:nvSpPr>
-          <p:cNvPr id="15" name="תיבת טקסט 14">
+          <p:cNvPr id="5" name="תיבת טקסט 4">
             <a:extLst>
               <a:ext uri="{FF2B5EF4-FFF2-40B4-BE49-F238E27FC236}">
-                <a16:creationId xmlns:a16="http://schemas.microsoft.com/office/drawing/2014/main" id="{2C55614B-694F-6935-AD8E-F726ABB1E46D}"/>
+                <a16:creationId xmlns:a16="http://schemas.microsoft.com/office/drawing/2014/main" id="{AA61EED7-50EA-9D72-F9CE-B7B4B2598863}"/>
               </a:ext>
             </a:extLst>
           </p:cNvPr>
@@ -11771,8 +15114,8 @@
         </p:nvSpPr>
         <p:spPr>
           <a:xfrm>
-            <a:off x="2845919" y="5032531"/>
-            <a:ext cx="1488332" cy="367244"/>
+            <a:off x="3838469" y="3208769"/>
+            <a:ext cx="1507253" cy="369332"/>
           </a:xfrm>
           <a:prstGeom prst="rect">
             <a:avLst/>
@@ -11787,7 +15130,7 @@
           <a:p>
             <a:r>
               <a:rPr lang="en-US" dirty="0"/>
-              <a:t>Grade:</a:t>
+              <a:t>Type here</a:t>
             </a:r>
             <a:endParaRPr lang="he-IL" dirty="0"/>
           </a:p>
@@ -11795,10 +15138,47 @@
       </p:sp>
       <p:sp>
         <p:nvSpPr>
-          <p:cNvPr id="16" name="מלבן 15">
+          <p:cNvPr id="6" name="תיבת טקסט 5">
             <a:extLst>
               <a:ext uri="{FF2B5EF4-FFF2-40B4-BE49-F238E27FC236}">
-                <a16:creationId xmlns:a16="http://schemas.microsoft.com/office/drawing/2014/main" id="{C675F7A1-E3BE-CDFF-A3D5-47D47C301072}"/>
+                <a16:creationId xmlns:a16="http://schemas.microsoft.com/office/drawing/2014/main" id="{F20F2B57-3F15-9B89-9D24-D7F21166196A}"/>
+              </a:ext>
+            </a:extLst>
+          </p:cNvPr>
+          <p:cNvSpPr txBox="1"/>
+          <p:nvPr/>
+        </p:nvSpPr>
+        <p:spPr>
+          <a:xfrm>
+            <a:off x="4270551" y="4883888"/>
+            <a:ext cx="3814740" cy="369332"/>
+          </a:xfrm>
+          <a:prstGeom prst="rect">
+            <a:avLst/>
+          </a:prstGeom>
+          <a:noFill/>
+        </p:spPr>
+        <p:txBody>
+          <a:bodyPr wrap="square" rtlCol="1">
+            <a:spAutoFit/>
+          </a:bodyPr>
+          <a:lstStyle/>
+          <a:p>
+            <a:pPr algn="l"/>
+            <a:r>
+              <a:rPr lang="en-US" dirty="0"/>
+              <a:t>Here is the answer</a:t>
+            </a:r>
+            <a:endParaRPr lang="he-IL" dirty="0"/>
+          </a:p>
+        </p:txBody>
+      </p:sp>
+      <p:sp>
+        <p:nvSpPr>
+          <p:cNvPr id="7" name="מלבן 6">
+            <a:extLst>
+              <a:ext uri="{FF2B5EF4-FFF2-40B4-BE49-F238E27FC236}">
+                <a16:creationId xmlns:a16="http://schemas.microsoft.com/office/drawing/2014/main" id="{21806D1E-7A41-0ADD-F8A2-724239EC052B}"/>
               </a:ext>
             </a:extLst>
           </p:cNvPr>
@@ -11807,8 +15187,8 @@
         </p:nvSpPr>
         <p:spPr>
           <a:xfrm>
-            <a:off x="4267200" y="5032531"/>
-            <a:ext cx="693906" cy="444429"/>
+            <a:off x="4151644" y="3179221"/>
+            <a:ext cx="4354289" cy="1472274"/>
           </a:xfrm>
           <a:prstGeom prst="rect">
             <a:avLst/>
@@ -11836,14 +15216,91 @@
           <a:lstStyle/>
           <a:p>
             <a:pPr algn="ctr"/>
-            <a:endParaRPr lang="he-IL"/>
+            <a:endParaRPr lang="he-IL" dirty="0"/>
           </a:p>
         </p:txBody>
       </p:sp>
+      <p:pic>
+        <p:nvPicPr>
+          <p:cNvPr id="8" name="תמונה 7">
+            <a:extLst>
+              <a:ext uri="{FF2B5EF4-FFF2-40B4-BE49-F238E27FC236}">
+                <a16:creationId xmlns:a16="http://schemas.microsoft.com/office/drawing/2014/main" id="{758D3D7A-451D-C4BF-5856-A67140113922}"/>
+              </a:ext>
+            </a:extLst>
+          </p:cNvPr>
+          <p:cNvPicPr>
+            <a:picLocks noChangeAspect="1"/>
+          </p:cNvPicPr>
+          <p:nvPr/>
+        </p:nvPicPr>
+        <p:blipFill>
+          <a:blip r:embed="rId7"/>
+          <a:stretch>
+            <a:fillRect/>
+          </a:stretch>
+        </p:blipFill>
+        <p:spPr>
+          <a:xfrm>
+            <a:off x="8031417" y="4188230"/>
+            <a:ext cx="383770" cy="383770"/>
+          </a:xfrm>
+          <a:prstGeom prst="rect">
+            <a:avLst/>
+          </a:prstGeom>
+        </p:spPr>
+      </p:pic>
+      <p:pic>
+        <p:nvPicPr>
+          <p:cNvPr id="9" name="Picture 2">
+            <a:extLst>
+              <a:ext uri="{FF2B5EF4-FFF2-40B4-BE49-F238E27FC236}">
+                <a16:creationId xmlns:a16="http://schemas.microsoft.com/office/drawing/2014/main" id="{504A0072-8D0D-E995-0403-B2C0B016F0FD}"/>
+              </a:ext>
+            </a:extLst>
+          </p:cNvPr>
+          <p:cNvPicPr>
+            <a:picLocks noChangeAspect="1" noChangeArrowheads="1"/>
+          </p:cNvPicPr>
+          <p:nvPr/>
+        </p:nvPicPr>
+        <p:blipFill>
+          <a:blip r:embed="rId6">
+            <a:extLst>
+              <a:ext uri="{28A0092B-C50C-407E-A947-70E740481C1C}">
+                <a14:useLocalDpi xmlns:a14="http://schemas.microsoft.com/office/drawing/2010/main" val="0"/>
+              </a:ext>
+            </a:extLst>
+          </a:blip>
+          <a:srcRect/>
+          <a:stretch>
+            <a:fillRect/>
+          </a:stretch>
+        </p:blipFill>
+        <p:spPr bwMode="auto">
+          <a:xfrm>
+            <a:off x="3137350" y="4719567"/>
+            <a:ext cx="771456" cy="771456"/>
+          </a:xfrm>
+          <a:prstGeom prst="rect">
+            <a:avLst/>
+          </a:prstGeom>
+          <a:noFill/>
+          <a:extLst>
+            <a:ext uri="{909E8E84-426E-40DD-AFC4-6F175D3DCCD1}">
+              <a14:hiddenFill xmlns:a14="http://schemas.microsoft.com/office/drawing/2010/main">
+                <a:solidFill>
+                  <a:srgbClr val="FFFFFF"/>
+                </a:solidFill>
+              </a14:hiddenFill>
+            </a:ext>
+          </a:extLst>
+        </p:spPr>
+      </p:pic>
     </p:spTree>
     <p:extLst>
       <p:ext uri="{BB962C8B-B14F-4D97-AF65-F5344CB8AC3E}">
-        <p14:creationId xmlns:p14="http://schemas.microsoft.com/office/powerpoint/2010/main" val="1352136441"/>
+        <p14:creationId xmlns:p14="http://schemas.microsoft.com/office/powerpoint/2010/main" val="4047443470"/>
       </p:ext>
     </p:extLst>
   </p:cSld>
@@ -11884,8 +15341,8 @@
         </p:nvSpPr>
         <p:spPr>
           <a:xfrm>
-            <a:off x="4798930" y="1286844"/>
-            <a:ext cx="1962268" cy="646331"/>
+            <a:off x="7629253" y="1237975"/>
+            <a:ext cx="184731" cy="646331"/>
           </a:xfrm>
           <a:prstGeom prst="rect">
             <a:avLst/>
@@ -11898,10 +15355,6 @@
           </a:bodyPr>
           <a:lstStyle/>
           <a:p>
-            <a:r>
-              <a:rPr lang="en-US" sz="3600" dirty="0"/>
-              <a:t>My posts</a:t>
-            </a:r>
             <a:endParaRPr lang="he-IL" sz="3600" dirty="0"/>
           </a:p>
         </p:txBody>
@@ -11996,13 +15449,13 @@
             <p:nvPr/>
           </p:nvPicPr>
           <p:blipFill>
-            <a:blip r:embed="rId2">
+            <a:blip r:embed="rId3">
               <a:extLst>
                 <a:ext uri="{28A0092B-C50C-407E-A947-70E740481C1C}">
                   <a14:useLocalDpi xmlns:a14="http://schemas.microsoft.com/office/drawing/2010/main" val="0"/>
                 </a:ext>
                 <a:ext uri="{96DAC541-7B7A-43D3-8B79-37D633B846F1}">
-                  <asvg:svgBlip xmlns:asvg="http://schemas.microsoft.com/office/drawing/2016/SVG/main" r:embed="rId3"/>
+                  <asvg:svgBlip xmlns:asvg="http://schemas.microsoft.com/office/drawing/2016/SVG/main" r:embed="rId4"/>
                 </a:ext>
               </a:extLst>
             </a:blip>
@@ -12035,7 +15488,7 @@
             <p:nvPr/>
           </p:nvPicPr>
           <p:blipFill>
-            <a:blip r:embed="rId4">
+            <a:blip r:embed="rId5">
               <a:extLst>
                 <a:ext uri="{28A0092B-C50C-407E-A947-70E740481C1C}">
                   <a14:useLocalDpi xmlns:a14="http://schemas.microsoft.com/office/drawing/2010/main" val="0"/>
@@ -12067,49 +15520,13 @@
             </a:extLst>
           </p:spPr>
         </p:pic>
-        <p:sp>
-          <p:nvSpPr>
-            <p:cNvPr id="17" name="תיבת טקסט 16">
-              <a:extLst>
-                <a:ext uri="{FF2B5EF4-FFF2-40B4-BE49-F238E27FC236}">
-                  <a16:creationId xmlns:a16="http://schemas.microsoft.com/office/drawing/2014/main" id="{250A3D96-D95F-C114-06CE-74460847E5A4}"/>
-                </a:ext>
-              </a:extLst>
-            </p:cNvPr>
-            <p:cNvSpPr txBox="1"/>
-            <p:nvPr/>
-          </p:nvSpPr>
-          <p:spPr>
-            <a:xfrm>
-              <a:off x="9973559" y="253677"/>
-              <a:ext cx="1187777" cy="369332"/>
-            </a:xfrm>
-            <a:prstGeom prst="rect">
-              <a:avLst/>
-            </a:prstGeom>
-            <a:noFill/>
-          </p:spPr>
-          <p:txBody>
-            <a:bodyPr wrap="square" rtlCol="1">
-              <a:spAutoFit/>
-            </a:bodyPr>
-            <a:lstStyle/>
-            <a:p>
-              <a:r>
-                <a:rPr lang="en-US" dirty="0"/>
-                <a:t>logout</a:t>
-              </a:r>
-              <a:endParaRPr lang="he-IL" dirty="0"/>
-            </a:p>
-          </p:txBody>
-        </p:sp>
       </p:grpSp>
       <p:grpSp>
         <p:nvGrpSpPr>
-          <p:cNvPr id="42" name="קבוצה 41">
+          <p:cNvPr id="2" name="קבוצה 1">
             <a:extLst>
               <a:ext uri="{FF2B5EF4-FFF2-40B4-BE49-F238E27FC236}">
-                <a16:creationId xmlns:a16="http://schemas.microsoft.com/office/drawing/2014/main" id="{222BC616-5213-C1E4-F47D-0246250EEFA8}"/>
+                <a16:creationId xmlns:a16="http://schemas.microsoft.com/office/drawing/2014/main" id="{C0ACBF88-0CFE-78C9-43F5-1D477C55EC25}"/>
               </a:ext>
             </a:extLst>
           </p:cNvPr>
@@ -12118,18 +15535,18 @@
         </p:nvGrpSpPr>
         <p:grpSpPr>
           <a:xfrm>
-            <a:off x="285346" y="2816157"/>
-            <a:ext cx="3705726" cy="3255579"/>
-            <a:chOff x="304802" y="3429000"/>
-            <a:chExt cx="3705726" cy="3255579"/>
+            <a:off x="2757124" y="993379"/>
+            <a:ext cx="7216435" cy="5864621"/>
+            <a:chOff x="276774" y="3429000"/>
+            <a:chExt cx="3733754" cy="3255579"/>
           </a:xfrm>
         </p:grpSpPr>
         <p:sp>
           <p:nvSpPr>
-            <p:cNvPr id="14" name="מלבן: פינות מעוגלות 13">
-              <a:extLst>
-                <a:ext uri="{FF2B5EF4-FFF2-40B4-BE49-F238E27FC236}">
-                  <a16:creationId xmlns:a16="http://schemas.microsoft.com/office/drawing/2014/main" id="{BE1BC5B1-42DE-FF29-68AA-6A8560631CCC}"/>
+            <p:cNvPr id="3" name="מלבן: פינות מעוגלות 2">
+              <a:extLst>
+                <a:ext uri="{FF2B5EF4-FFF2-40B4-BE49-F238E27FC236}">
+                  <a16:creationId xmlns:a16="http://schemas.microsoft.com/office/drawing/2014/main" id="{BCD0F45B-FAEE-E680-EE12-FC86CCFEC465}"/>
                 </a:ext>
               </a:extLst>
             </p:cNvPr>
@@ -12173,10 +15590,10 @@
         </p:sp>
         <p:pic>
           <p:nvPicPr>
-            <p:cNvPr id="37" name="תמונה 36">
-              <a:extLst>
-                <a:ext uri="{FF2B5EF4-FFF2-40B4-BE49-F238E27FC236}">
-                  <a16:creationId xmlns:a16="http://schemas.microsoft.com/office/drawing/2014/main" id="{C874AE90-EE8E-20F0-C27C-5EC4C0A1097F}"/>
+            <p:cNvPr id="5" name="תמונה 4">
+              <a:extLst>
+                <a:ext uri="{FF2B5EF4-FFF2-40B4-BE49-F238E27FC236}">
+                  <a16:creationId xmlns:a16="http://schemas.microsoft.com/office/drawing/2014/main" id="{0314F3DD-465F-354E-BAEA-09AFFE89EFA5}"/>
                 </a:ext>
               </a:extLst>
             </p:cNvPr>
@@ -12186,15 +15603,15 @@
             <p:nvPr/>
           </p:nvPicPr>
           <p:blipFill>
-            <a:blip r:embed="rId5"/>
+            <a:blip r:embed="rId6"/>
             <a:stretch>
               <a:fillRect/>
             </a:stretch>
           </p:blipFill>
           <p:spPr>
             <a:xfrm flipH="1">
-              <a:off x="959575" y="3560281"/>
-              <a:ext cx="2359541" cy="1573813"/>
+              <a:off x="1456331" y="3616486"/>
+              <a:ext cx="1510471" cy="1007484"/>
             </a:xfrm>
             <a:prstGeom prst="rect">
               <a:avLst/>
@@ -12203,10 +15620,10 @@
         </p:pic>
         <p:sp>
           <p:nvSpPr>
-            <p:cNvPr id="38" name="תיבת טקסט 37">
-              <a:extLst>
-                <a:ext uri="{FF2B5EF4-FFF2-40B4-BE49-F238E27FC236}">
-                  <a16:creationId xmlns:a16="http://schemas.microsoft.com/office/drawing/2014/main" id="{B92E2141-1CBF-031B-7721-37E22A3EE6B5}"/>
+            <p:cNvPr id="6" name="תיבת טקסט 5">
+              <a:extLst>
+                <a:ext uri="{FF2B5EF4-FFF2-40B4-BE49-F238E27FC236}">
+                  <a16:creationId xmlns:a16="http://schemas.microsoft.com/office/drawing/2014/main" id="{F7A2F5BE-4495-197D-75B5-6F1D505BD7FA}"/>
                 </a:ext>
               </a:extLst>
             </p:cNvPr>
@@ -12215,7 +15632,7 @@
           </p:nvSpPr>
           <p:spPr>
             <a:xfrm>
-              <a:off x="555788" y="5216134"/>
+              <a:off x="276774" y="4688745"/>
               <a:ext cx="2359115" cy="461665"/>
             </a:xfrm>
             <a:prstGeom prst="rect">
@@ -12243,10 +15660,10 @@
         </p:sp>
         <p:sp>
           <p:nvSpPr>
-            <p:cNvPr id="39" name="תיבת טקסט 38">
-              <a:extLst>
-                <a:ext uri="{FF2B5EF4-FFF2-40B4-BE49-F238E27FC236}">
-                  <a16:creationId xmlns:a16="http://schemas.microsoft.com/office/drawing/2014/main" id="{33342504-2F95-7CFD-7799-3DED3F28A108}"/>
+            <p:cNvPr id="7" name="תיבת טקסט 6">
+              <a:extLst>
+                <a:ext uri="{FF2B5EF4-FFF2-40B4-BE49-F238E27FC236}">
+                  <a16:creationId xmlns:a16="http://schemas.microsoft.com/office/drawing/2014/main" id="{061B9377-A5A1-558D-2C25-573D8994EAD3}"/>
                 </a:ext>
               </a:extLst>
             </p:cNvPr>
@@ -12255,7 +15672,7 @@
           </p:nvSpPr>
           <p:spPr>
             <a:xfrm>
-              <a:off x="641526" y="5585466"/>
+              <a:off x="672010" y="4949521"/>
               <a:ext cx="2075336" cy="646331"/>
             </a:xfrm>
             <a:prstGeom prst="rect">
@@ -12280,10 +15697,10 @@
         </p:sp>
         <p:sp>
           <p:nvSpPr>
-            <p:cNvPr id="40" name="כוכב: 5 פינות 39">
-              <a:extLst>
-                <a:ext uri="{FF2B5EF4-FFF2-40B4-BE49-F238E27FC236}">
-                  <a16:creationId xmlns:a16="http://schemas.microsoft.com/office/drawing/2014/main" id="{CA5C05E1-D08D-4108-0669-E7D0A18371BB}"/>
+            <p:cNvPr id="8" name="כוכב: 5 פינות 7">
+              <a:extLst>
+                <a:ext uri="{FF2B5EF4-FFF2-40B4-BE49-F238E27FC236}">
+                  <a16:creationId xmlns:a16="http://schemas.microsoft.com/office/drawing/2014/main" id="{CBD472AB-0EF7-0771-B35E-82DEC64FF0EF}"/>
                 </a:ext>
               </a:extLst>
             </p:cNvPr>
@@ -12292,7 +15709,7 @@
           </p:nvSpPr>
           <p:spPr>
             <a:xfrm>
-              <a:off x="672010" y="6283383"/>
+              <a:off x="631745" y="5573315"/>
               <a:ext cx="329358" cy="266159"/>
             </a:xfrm>
             <a:prstGeom prst="star5">
@@ -12326,10 +15743,10 @@
         </p:sp>
         <p:sp>
           <p:nvSpPr>
-            <p:cNvPr id="41" name="תיבת טקסט 40">
-              <a:extLst>
-                <a:ext uri="{FF2B5EF4-FFF2-40B4-BE49-F238E27FC236}">
-                  <a16:creationId xmlns:a16="http://schemas.microsoft.com/office/drawing/2014/main" id="{60D8AE06-DF44-162A-0CAC-E466B040A89A}"/>
+            <p:cNvPr id="9" name="תיבת טקסט 8">
+              <a:extLst>
+                <a:ext uri="{FF2B5EF4-FFF2-40B4-BE49-F238E27FC236}">
+                  <a16:creationId xmlns:a16="http://schemas.microsoft.com/office/drawing/2014/main" id="{5E09CDC4-C4DD-6DA1-BF3F-E06F3C86A463}"/>
                 </a:ext>
               </a:extLst>
             </p:cNvPr>
@@ -12338,7 +15755,7 @@
           </p:nvSpPr>
           <p:spPr>
             <a:xfrm>
-              <a:off x="1127687" y="6231797"/>
+              <a:off x="1058167" y="5612873"/>
               <a:ext cx="1787216" cy="369332"/>
             </a:xfrm>
             <a:prstGeom prst="rect">
@@ -12366,534 +15783,110 @@
           </p:txBody>
         </p:sp>
       </p:grpSp>
-      <p:grpSp>
-        <p:nvGrpSpPr>
-          <p:cNvPr id="43" name="קבוצה 42">
+      <p:sp>
+        <p:nvSpPr>
+          <p:cNvPr id="12" name="מלבן: פינות מעוגלות 11">
             <a:extLst>
               <a:ext uri="{FF2B5EF4-FFF2-40B4-BE49-F238E27FC236}">
-                <a16:creationId xmlns:a16="http://schemas.microsoft.com/office/drawing/2014/main" id="{8BD7FBC7-A660-4AF4-342A-93C97A62E1BE}"/>
+                <a16:creationId xmlns:a16="http://schemas.microsoft.com/office/drawing/2014/main" id="{93585FFA-BA1B-A127-45BA-90E365EA1529}"/>
               </a:ext>
             </a:extLst>
           </p:cNvPr>
-          <p:cNvGrpSpPr/>
+          <p:cNvSpPr/>
           <p:nvPr/>
-        </p:nvGrpSpPr>
-        <p:grpSpPr>
+        </p:nvSpPr>
+        <p:spPr>
           <a:xfrm>
-            <a:off x="4247587" y="2870817"/>
-            <a:ext cx="3705726" cy="3255579"/>
-            <a:chOff x="304802" y="3429000"/>
-            <a:chExt cx="3705726" cy="3255579"/>
+            <a:off x="3557922" y="5795155"/>
+            <a:ext cx="2071992" cy="604583"/>
           </a:xfrm>
-        </p:grpSpPr>
-        <p:sp>
-          <p:nvSpPr>
-            <p:cNvPr id="44" name="מלבן: פינות מעוגלות 43">
-              <a:extLst>
-                <a:ext uri="{FF2B5EF4-FFF2-40B4-BE49-F238E27FC236}">
-                  <a16:creationId xmlns:a16="http://schemas.microsoft.com/office/drawing/2014/main" id="{428B52CB-92A2-6ED4-1EBC-EE720BA71A80}"/>
-                </a:ext>
-              </a:extLst>
-            </p:cNvPr>
-            <p:cNvSpPr/>
-            <p:nvPr/>
-          </p:nvSpPr>
-          <p:spPr>
-            <a:xfrm>
-              <a:off x="304802" y="3429000"/>
-              <a:ext cx="3705726" cy="3255579"/>
-            </a:xfrm>
-            <a:prstGeom prst="roundRect">
-              <a:avLst/>
-            </a:prstGeom>
-            <a:noFill/>
-          </p:spPr>
-          <p:style>
-            <a:lnRef idx="2">
-              <a:schemeClr val="accent1">
-                <a:shade val="15000"/>
-              </a:schemeClr>
-            </a:lnRef>
-            <a:fillRef idx="1">
-              <a:schemeClr val="accent1"/>
-            </a:fillRef>
-            <a:effectRef idx="0">
-              <a:schemeClr val="accent1"/>
-            </a:effectRef>
-            <a:fontRef idx="minor">
-              <a:schemeClr val="lt1"/>
-            </a:fontRef>
-          </p:style>
-          <p:txBody>
-            <a:bodyPr rtlCol="1" anchor="ctr"/>
-            <a:lstStyle/>
-            <a:p>
-              <a:pPr algn="ctr"/>
-              <a:endParaRPr lang="he-IL"/>
-            </a:p>
-          </p:txBody>
-        </p:sp>
-        <p:pic>
-          <p:nvPicPr>
-            <p:cNvPr id="45" name="תמונה 44">
-              <a:extLst>
-                <a:ext uri="{FF2B5EF4-FFF2-40B4-BE49-F238E27FC236}">
-                  <a16:creationId xmlns:a16="http://schemas.microsoft.com/office/drawing/2014/main" id="{F8EDDCFA-4E2E-E643-0E58-B38C97380634}"/>
-                </a:ext>
-              </a:extLst>
-            </p:cNvPr>
-            <p:cNvPicPr>
-              <a:picLocks noChangeAspect="1"/>
-            </p:cNvPicPr>
-            <p:nvPr/>
-          </p:nvPicPr>
-          <p:blipFill>
-            <a:blip r:embed="rId5"/>
-            <a:stretch>
-              <a:fillRect/>
-            </a:stretch>
-          </p:blipFill>
-          <p:spPr>
-            <a:xfrm flipH="1">
-              <a:off x="959575" y="3560281"/>
-              <a:ext cx="2359541" cy="1573813"/>
-            </a:xfrm>
-            <a:prstGeom prst="rect">
-              <a:avLst/>
-            </a:prstGeom>
-          </p:spPr>
-        </p:pic>
-        <p:sp>
-          <p:nvSpPr>
-            <p:cNvPr id="46" name="תיבת טקסט 45">
-              <a:extLst>
-                <a:ext uri="{FF2B5EF4-FFF2-40B4-BE49-F238E27FC236}">
-                  <a16:creationId xmlns:a16="http://schemas.microsoft.com/office/drawing/2014/main" id="{1AD28246-E397-8450-54B6-03C65690257A}"/>
-                </a:ext>
-              </a:extLst>
-            </p:cNvPr>
-            <p:cNvSpPr txBox="1"/>
-            <p:nvPr/>
-          </p:nvSpPr>
-          <p:spPr>
-            <a:xfrm>
-              <a:off x="555788" y="5216134"/>
-              <a:ext cx="2359115" cy="461665"/>
-            </a:xfrm>
-            <a:prstGeom prst="rect">
-              <a:avLst/>
-            </a:prstGeom>
-            <a:noFill/>
-          </p:spPr>
-          <p:txBody>
-            <a:bodyPr wrap="square" rtlCol="1">
-              <a:spAutoFit/>
-            </a:bodyPr>
-            <a:lstStyle/>
-            <a:p>
-              <a:r>
-                <a:rPr lang="en-US" sz="2400" b="1" dirty="0"/>
-                <a:t>Hotel </a:t>
-              </a:r>
-              <a:r>
-                <a:rPr lang="en-US" sz="2400" b="1" dirty="0" err="1"/>
-                <a:t>blabla</a:t>
-              </a:r>
-              <a:endParaRPr lang="he-IL" sz="2400" b="1" dirty="0"/>
-            </a:p>
-          </p:txBody>
-        </p:sp>
-        <p:sp>
-          <p:nvSpPr>
-            <p:cNvPr id="47" name="תיבת טקסט 46">
-              <a:extLst>
-                <a:ext uri="{FF2B5EF4-FFF2-40B4-BE49-F238E27FC236}">
-                  <a16:creationId xmlns:a16="http://schemas.microsoft.com/office/drawing/2014/main" id="{962E43CA-C793-2894-ADF1-C5B8FB2C8D02}"/>
-                </a:ext>
-              </a:extLst>
-            </p:cNvPr>
-            <p:cNvSpPr txBox="1"/>
-            <p:nvPr/>
-          </p:nvSpPr>
-          <p:spPr>
-            <a:xfrm>
-              <a:off x="641526" y="5585466"/>
-              <a:ext cx="2075336" cy="646331"/>
-            </a:xfrm>
-            <a:prstGeom prst="rect">
-              <a:avLst/>
-            </a:prstGeom>
-            <a:noFill/>
-          </p:spPr>
-          <p:txBody>
-            <a:bodyPr wrap="square" rtlCol="1">
-              <a:spAutoFit/>
-            </a:bodyPr>
-            <a:lstStyle/>
-            <a:p>
-              <a:pPr algn="l"/>
-              <a:r>
-                <a:rPr lang="en-US" dirty="0"/>
-                <a:t>Details for example….</a:t>
-              </a:r>
-              <a:endParaRPr lang="he-IL" dirty="0"/>
-            </a:p>
-          </p:txBody>
-        </p:sp>
-        <p:sp>
-          <p:nvSpPr>
-            <p:cNvPr id="48" name="כוכב: 5 פינות 47">
-              <a:extLst>
-                <a:ext uri="{FF2B5EF4-FFF2-40B4-BE49-F238E27FC236}">
-                  <a16:creationId xmlns:a16="http://schemas.microsoft.com/office/drawing/2014/main" id="{81EC85BE-D965-65DF-FD05-76D1BA8A1826}"/>
-                </a:ext>
-              </a:extLst>
-            </p:cNvPr>
-            <p:cNvSpPr/>
-            <p:nvPr/>
-          </p:nvSpPr>
-          <p:spPr>
-            <a:xfrm>
-              <a:off x="672010" y="6283383"/>
-              <a:ext cx="329358" cy="266159"/>
-            </a:xfrm>
-            <a:prstGeom prst="star5">
-              <a:avLst/>
-            </a:prstGeom>
-          </p:spPr>
-          <p:style>
-            <a:lnRef idx="2">
-              <a:schemeClr val="accent1">
-                <a:shade val="15000"/>
-              </a:schemeClr>
-            </a:lnRef>
-            <a:fillRef idx="1">
-              <a:schemeClr val="accent1"/>
-            </a:fillRef>
-            <a:effectRef idx="0">
-              <a:schemeClr val="accent1"/>
-            </a:effectRef>
-            <a:fontRef idx="minor">
-              <a:schemeClr val="lt1"/>
-            </a:fontRef>
-          </p:style>
-          <p:txBody>
-            <a:bodyPr rtlCol="1" anchor="ctr"/>
-            <a:lstStyle/>
-            <a:p>
-              <a:pPr algn="ctr"/>
-              <a:endParaRPr lang="he-IL"/>
-            </a:p>
-          </p:txBody>
-        </p:sp>
-        <p:sp>
-          <p:nvSpPr>
-            <p:cNvPr id="49" name="תיבת טקסט 48">
-              <a:extLst>
-                <a:ext uri="{FF2B5EF4-FFF2-40B4-BE49-F238E27FC236}">
-                  <a16:creationId xmlns:a16="http://schemas.microsoft.com/office/drawing/2014/main" id="{83AE6882-4E2C-91EF-8F9E-771D97C32483}"/>
-                </a:ext>
-              </a:extLst>
-            </p:cNvPr>
-            <p:cNvSpPr txBox="1"/>
-            <p:nvPr/>
-          </p:nvSpPr>
-          <p:spPr>
-            <a:xfrm>
-              <a:off x="1127687" y="6231797"/>
-              <a:ext cx="1787216" cy="369332"/>
-            </a:xfrm>
-            <a:prstGeom prst="rect">
-              <a:avLst/>
-            </a:prstGeom>
-            <a:noFill/>
-          </p:spPr>
-          <p:txBody>
-            <a:bodyPr wrap="square" rtlCol="1">
-              <a:spAutoFit/>
-            </a:bodyPr>
-            <a:lstStyle/>
-            <a:p>
-              <a:pPr algn="l" rtl="0"/>
-              <a:r>
-                <a:rPr lang="en-US" b="1" dirty="0"/>
-                <a:t>4.5 </a:t>
-              </a:r>
-              <a:r>
-                <a:rPr lang="en-US" dirty="0"/>
-                <a:t>(123)</a:t>
-              </a:r>
-              <a:endParaRPr lang="he-IL" b="1" dirty="0"/>
-            </a:p>
-          </p:txBody>
-        </p:sp>
-      </p:grpSp>
-      <p:grpSp>
-        <p:nvGrpSpPr>
-          <p:cNvPr id="50" name="קבוצה 49">
+          <a:prstGeom prst="roundRect">
+            <a:avLst/>
+          </a:prstGeom>
+        </p:spPr>
+        <p:style>
+          <a:lnRef idx="2">
+            <a:schemeClr val="accent1">
+              <a:shade val="15000"/>
+            </a:schemeClr>
+          </a:lnRef>
+          <a:fillRef idx="1">
+            <a:schemeClr val="accent1"/>
+          </a:fillRef>
+          <a:effectRef idx="0">
+            <a:schemeClr val="accent1"/>
+          </a:effectRef>
+          <a:fontRef idx="minor">
+            <a:schemeClr val="lt1"/>
+          </a:fontRef>
+        </p:style>
+        <p:txBody>
+          <a:bodyPr rtlCol="1" anchor="ctr"/>
+          <a:lstStyle/>
+          <a:p>
+            <a:pPr algn="ctr"/>
+            <a:r>
+              <a:rPr lang="en-US" dirty="0"/>
+              <a:t>Add comment/grade</a:t>
+            </a:r>
+            <a:endParaRPr lang="he-IL" dirty="0"/>
+          </a:p>
+        </p:txBody>
+      </p:sp>
+      <p:sp>
+        <p:nvSpPr>
+          <p:cNvPr id="13" name="מלבן: פינות מעוגלות 12">
             <a:extLst>
               <a:ext uri="{FF2B5EF4-FFF2-40B4-BE49-F238E27FC236}">
-                <a16:creationId xmlns:a16="http://schemas.microsoft.com/office/drawing/2014/main" id="{C94B65CD-21A6-5145-DED6-7D52A1BC3057}"/>
+                <a16:creationId xmlns:a16="http://schemas.microsoft.com/office/drawing/2014/main" id="{C39BD656-EA81-7F9E-9750-DE0457052558}"/>
               </a:ext>
             </a:extLst>
           </p:cNvPr>
-          <p:cNvGrpSpPr/>
+          <p:cNvSpPr/>
           <p:nvPr/>
-        </p:nvGrpSpPr>
-        <p:grpSpPr>
+        </p:nvSpPr>
+        <p:spPr>
           <a:xfrm>
-            <a:off x="8241889" y="2870854"/>
-            <a:ext cx="3705726" cy="3255579"/>
-            <a:chOff x="304802" y="3429000"/>
-            <a:chExt cx="3705726" cy="3255579"/>
+            <a:off x="6096000" y="5783308"/>
+            <a:ext cx="2071992" cy="604583"/>
           </a:xfrm>
-        </p:grpSpPr>
-        <p:sp>
-          <p:nvSpPr>
-            <p:cNvPr id="51" name="מלבן: פינות מעוגלות 50">
-              <a:extLst>
-                <a:ext uri="{FF2B5EF4-FFF2-40B4-BE49-F238E27FC236}">
-                  <a16:creationId xmlns:a16="http://schemas.microsoft.com/office/drawing/2014/main" id="{C723447B-E7AD-0FC8-2D94-F84F1404F874}"/>
-                </a:ext>
-              </a:extLst>
-            </p:cNvPr>
-            <p:cNvSpPr/>
-            <p:nvPr/>
-          </p:nvSpPr>
-          <p:spPr>
-            <a:xfrm>
-              <a:off x="304802" y="3429000"/>
-              <a:ext cx="3705726" cy="3255579"/>
-            </a:xfrm>
-            <a:prstGeom prst="roundRect">
-              <a:avLst/>
-            </a:prstGeom>
-            <a:noFill/>
-          </p:spPr>
-          <p:style>
-            <a:lnRef idx="2">
-              <a:schemeClr val="accent1">
-                <a:shade val="15000"/>
-              </a:schemeClr>
-            </a:lnRef>
-            <a:fillRef idx="1">
-              <a:schemeClr val="accent1"/>
-            </a:fillRef>
-            <a:effectRef idx="0">
-              <a:schemeClr val="accent1"/>
-            </a:effectRef>
-            <a:fontRef idx="minor">
-              <a:schemeClr val="lt1"/>
-            </a:fontRef>
-          </p:style>
-          <p:txBody>
-            <a:bodyPr rtlCol="1" anchor="ctr"/>
-            <a:lstStyle/>
-            <a:p>
-              <a:pPr algn="ctr"/>
-              <a:endParaRPr lang="he-IL"/>
-            </a:p>
-          </p:txBody>
-        </p:sp>
-        <p:pic>
-          <p:nvPicPr>
-            <p:cNvPr id="52" name="תמונה 51">
-              <a:extLst>
-                <a:ext uri="{FF2B5EF4-FFF2-40B4-BE49-F238E27FC236}">
-                  <a16:creationId xmlns:a16="http://schemas.microsoft.com/office/drawing/2014/main" id="{0D4867BD-77F9-2F3C-48B1-7BD320E05C84}"/>
-                </a:ext>
-              </a:extLst>
-            </p:cNvPr>
-            <p:cNvPicPr>
-              <a:picLocks noChangeAspect="1"/>
-            </p:cNvPicPr>
-            <p:nvPr/>
-          </p:nvPicPr>
-          <p:blipFill>
-            <a:blip r:embed="rId5"/>
-            <a:stretch>
-              <a:fillRect/>
-            </a:stretch>
-          </p:blipFill>
-          <p:spPr>
-            <a:xfrm flipH="1">
-              <a:off x="959575" y="3560281"/>
-              <a:ext cx="2359541" cy="1573813"/>
-            </a:xfrm>
-            <a:prstGeom prst="rect">
-              <a:avLst/>
-            </a:prstGeom>
-          </p:spPr>
-        </p:pic>
-        <p:sp>
-          <p:nvSpPr>
-            <p:cNvPr id="53" name="תיבת טקסט 52">
-              <a:extLst>
-                <a:ext uri="{FF2B5EF4-FFF2-40B4-BE49-F238E27FC236}">
-                  <a16:creationId xmlns:a16="http://schemas.microsoft.com/office/drawing/2014/main" id="{9DE8CEAF-6DB5-1F4A-7055-AA0D5FB23988}"/>
-                </a:ext>
-              </a:extLst>
-            </p:cNvPr>
-            <p:cNvSpPr txBox="1"/>
-            <p:nvPr/>
-          </p:nvSpPr>
-          <p:spPr>
-            <a:xfrm>
-              <a:off x="555788" y="5216134"/>
-              <a:ext cx="2359115" cy="461665"/>
-            </a:xfrm>
-            <a:prstGeom prst="rect">
-              <a:avLst/>
-            </a:prstGeom>
-            <a:noFill/>
-          </p:spPr>
-          <p:txBody>
-            <a:bodyPr wrap="square" rtlCol="1">
-              <a:spAutoFit/>
-            </a:bodyPr>
-            <a:lstStyle/>
-            <a:p>
-              <a:r>
-                <a:rPr lang="en-US" sz="2400" b="1" dirty="0"/>
-                <a:t>Hotel </a:t>
-              </a:r>
-              <a:r>
-                <a:rPr lang="en-US" sz="2400" b="1" dirty="0" err="1"/>
-                <a:t>blabla</a:t>
-              </a:r>
-              <a:endParaRPr lang="he-IL" sz="2400" b="1" dirty="0"/>
-            </a:p>
-          </p:txBody>
-        </p:sp>
-        <p:sp>
-          <p:nvSpPr>
-            <p:cNvPr id="54" name="תיבת טקסט 53">
-              <a:extLst>
-                <a:ext uri="{FF2B5EF4-FFF2-40B4-BE49-F238E27FC236}">
-                  <a16:creationId xmlns:a16="http://schemas.microsoft.com/office/drawing/2014/main" id="{CA8D4DEA-CA2C-78CC-43E8-5247978898DE}"/>
-                </a:ext>
-              </a:extLst>
-            </p:cNvPr>
-            <p:cNvSpPr txBox="1"/>
-            <p:nvPr/>
-          </p:nvSpPr>
-          <p:spPr>
-            <a:xfrm>
-              <a:off x="641526" y="5585466"/>
-              <a:ext cx="2075336" cy="646331"/>
-            </a:xfrm>
-            <a:prstGeom prst="rect">
-              <a:avLst/>
-            </a:prstGeom>
-            <a:noFill/>
-          </p:spPr>
-          <p:txBody>
-            <a:bodyPr wrap="square" rtlCol="1">
-              <a:spAutoFit/>
-            </a:bodyPr>
-            <a:lstStyle/>
-            <a:p>
-              <a:pPr algn="l"/>
-              <a:r>
-                <a:rPr lang="en-US" dirty="0"/>
-                <a:t>Details for example….</a:t>
-              </a:r>
-              <a:endParaRPr lang="he-IL" dirty="0"/>
-            </a:p>
-          </p:txBody>
-        </p:sp>
-        <p:sp>
-          <p:nvSpPr>
-            <p:cNvPr id="55" name="כוכב: 5 פינות 54">
-              <a:extLst>
-                <a:ext uri="{FF2B5EF4-FFF2-40B4-BE49-F238E27FC236}">
-                  <a16:creationId xmlns:a16="http://schemas.microsoft.com/office/drawing/2014/main" id="{9567CBC5-6A76-9747-0147-91BCA8118BA8}"/>
-                </a:ext>
-              </a:extLst>
-            </p:cNvPr>
-            <p:cNvSpPr/>
-            <p:nvPr/>
-          </p:nvSpPr>
-          <p:spPr>
-            <a:xfrm>
-              <a:off x="672010" y="6283383"/>
-              <a:ext cx="329358" cy="266159"/>
-            </a:xfrm>
-            <a:prstGeom prst="star5">
-              <a:avLst/>
-            </a:prstGeom>
-          </p:spPr>
-          <p:style>
-            <a:lnRef idx="2">
-              <a:schemeClr val="accent1">
-                <a:shade val="15000"/>
-              </a:schemeClr>
-            </a:lnRef>
-            <a:fillRef idx="1">
-              <a:schemeClr val="accent1"/>
-            </a:fillRef>
-            <a:effectRef idx="0">
-              <a:schemeClr val="accent1"/>
-            </a:effectRef>
-            <a:fontRef idx="minor">
-              <a:schemeClr val="lt1"/>
-            </a:fontRef>
-          </p:style>
-          <p:txBody>
-            <a:bodyPr rtlCol="1" anchor="ctr"/>
-            <a:lstStyle/>
-            <a:p>
-              <a:pPr algn="ctr"/>
-              <a:endParaRPr lang="he-IL"/>
-            </a:p>
-          </p:txBody>
-        </p:sp>
-        <p:sp>
-          <p:nvSpPr>
-            <p:cNvPr id="56" name="תיבת טקסט 55">
-              <a:extLst>
-                <a:ext uri="{FF2B5EF4-FFF2-40B4-BE49-F238E27FC236}">
-                  <a16:creationId xmlns:a16="http://schemas.microsoft.com/office/drawing/2014/main" id="{98695A97-36F5-E5E2-70C6-D0DEF5380D20}"/>
-                </a:ext>
-              </a:extLst>
-            </p:cNvPr>
-            <p:cNvSpPr txBox="1"/>
-            <p:nvPr/>
-          </p:nvSpPr>
-          <p:spPr>
-            <a:xfrm>
-              <a:off x="1127687" y="6231797"/>
-              <a:ext cx="1787216" cy="369332"/>
-            </a:xfrm>
-            <a:prstGeom prst="rect">
-              <a:avLst/>
-            </a:prstGeom>
-            <a:noFill/>
-          </p:spPr>
-          <p:txBody>
-            <a:bodyPr wrap="square" rtlCol="1">
-              <a:spAutoFit/>
-            </a:bodyPr>
-            <a:lstStyle/>
-            <a:p>
-              <a:pPr algn="l" rtl="0"/>
-              <a:r>
-                <a:rPr lang="en-US" b="1" dirty="0"/>
-                <a:t>4.5 </a:t>
-              </a:r>
-              <a:r>
-                <a:rPr lang="en-US" dirty="0"/>
-                <a:t>(123)</a:t>
-              </a:r>
-              <a:endParaRPr lang="he-IL" b="1" dirty="0"/>
-            </a:p>
-          </p:txBody>
-        </p:sp>
-      </p:grpSp>
+          <a:prstGeom prst="roundRect">
+            <a:avLst/>
+          </a:prstGeom>
+        </p:spPr>
+        <p:style>
+          <a:lnRef idx="2">
+            <a:schemeClr val="accent1">
+              <a:shade val="15000"/>
+            </a:schemeClr>
+          </a:lnRef>
+          <a:fillRef idx="1">
+            <a:schemeClr val="accent1"/>
+          </a:fillRef>
+          <a:effectRef idx="0">
+            <a:schemeClr val="accent1"/>
+          </a:effectRef>
+          <a:fontRef idx="minor">
+            <a:schemeClr val="lt1"/>
+          </a:fontRef>
+        </p:style>
+        <p:txBody>
+          <a:bodyPr rtlCol="1" anchor="ctr"/>
+          <a:lstStyle/>
+          <a:p>
+            <a:pPr algn="ctr"/>
+            <a:r>
+              <a:rPr lang="en-US" dirty="0"/>
+              <a:t>View comments</a:t>
+            </a:r>
+            <a:endParaRPr lang="he-IL" dirty="0"/>
+          </a:p>
+        </p:txBody>
+      </p:sp>
     </p:spTree>
     <p:extLst>
       <p:ext uri="{BB962C8B-B14F-4D97-AF65-F5344CB8AC3E}">
-        <p14:creationId xmlns:p14="http://schemas.microsoft.com/office/powerpoint/2010/main" val="1708954625"/>
+        <p14:creationId xmlns:p14="http://schemas.microsoft.com/office/powerpoint/2010/main" val="2657315161"/>
       </p:ext>
     </p:extLst>
   </p:cSld>
